--- a/Capstone Projects/Capstone_Two_Supervised_ML/Predicting_Temperature_Change.pptx
+++ b/Capstone Projects/Capstone_Two_Supervised_ML/Predicting_Temperature_Change.pptx
@@ -5,74 +5,78 @@
     <p:sldMasterId id="2147483667" r:id="rId1"/>
   </p:sldMasterIdLst>
   <p:notesMasterIdLst>
-    <p:notesMasterId r:id="rId14"/>
+    <p:notesMasterId r:id="rId18"/>
   </p:notesMasterIdLst>
   <p:sldIdLst>
     <p:sldId id="256" r:id="rId2"/>
     <p:sldId id="257" r:id="rId3"/>
     <p:sldId id="259" r:id="rId4"/>
     <p:sldId id="258" r:id="rId5"/>
-    <p:sldId id="264" r:id="rId6"/>
-    <p:sldId id="266" r:id="rId7"/>
-    <p:sldId id="267" r:id="rId8"/>
-    <p:sldId id="260" r:id="rId9"/>
-    <p:sldId id="261" r:id="rId10"/>
-    <p:sldId id="265" r:id="rId11"/>
-    <p:sldId id="262" r:id="rId12"/>
-    <p:sldId id="263" r:id="rId13"/>
+    <p:sldId id="266" r:id="rId6"/>
+    <p:sldId id="267" r:id="rId7"/>
+    <p:sldId id="264" r:id="rId8"/>
+    <p:sldId id="268" r:id="rId9"/>
+    <p:sldId id="270" r:id="rId10"/>
+    <p:sldId id="271" r:id="rId11"/>
+    <p:sldId id="269" r:id="rId12"/>
+    <p:sldId id="260" r:id="rId13"/>
+    <p:sldId id="261" r:id="rId14"/>
+    <p:sldId id="265" r:id="rId15"/>
+    <p:sldId id="262" r:id="rId16"/>
+    <p:sldId id="263" r:id="rId17"/>
   </p:sldIdLst>
   <p:sldSz cx="9144000" cy="5143500" type="screen16x9"/>
   <p:notesSz cx="6858000" cy="9144000"/>
   <p:embeddedFontLst>
     <p:embeddedFont>
       <p:font typeface="Days One" panose="020B0604020202020204" charset="0"/>
-      <p:regular r:id="rId15"/>
+      <p:regular r:id="rId19"/>
     </p:embeddedFont>
     <p:embeddedFont>
       <p:font typeface="IBM Plex Mono" panose="020B0509050203000203" pitchFamily="49" charset="0"/>
-      <p:regular r:id="rId16"/>
-      <p:bold r:id="rId17"/>
-      <p:italic r:id="rId18"/>
-      <p:boldItalic r:id="rId19"/>
-    </p:embeddedFont>
-    <p:embeddedFont>
-      <p:font typeface="IBM Plex Mono Medium" panose="020B0609050203000203" pitchFamily="49" charset="0"/>
       <p:regular r:id="rId20"/>
       <p:bold r:id="rId21"/>
       <p:italic r:id="rId22"/>
       <p:boldItalic r:id="rId23"/>
     </p:embeddedFont>
     <p:embeddedFont>
+      <p:font typeface="IBM Plex Mono Medium" panose="020B0609050203000203" pitchFamily="49" charset="0"/>
+      <p:regular r:id="rId24"/>
+      <p:bold r:id="rId25"/>
+      <p:italic r:id="rId26"/>
+      <p:boldItalic r:id="rId27"/>
+    </p:embeddedFont>
+    <p:embeddedFont>
       <p:font typeface="Michroma" panose="020B0604020202020204" charset="0"/>
-      <p:regular r:id="rId24"/>
+      <p:regular r:id="rId28"/>
     </p:embeddedFont>
     <p:embeddedFont>
       <p:font typeface="Montserrat Medium" panose="00000600000000000000" pitchFamily="2" charset="0"/>
-      <p:regular r:id="rId25"/>
-      <p:bold r:id="rId26"/>
-      <p:italic r:id="rId27"/>
-      <p:boldItalic r:id="rId28"/>
-    </p:embeddedFont>
-    <p:embeddedFont>
-      <p:font typeface="Open Sans" panose="020B0606030504020204" pitchFamily="34" charset="0"/>
       <p:regular r:id="rId29"/>
       <p:bold r:id="rId30"/>
       <p:italic r:id="rId31"/>
       <p:boldItalic r:id="rId32"/>
     </p:embeddedFont>
     <p:embeddedFont>
-      <p:font typeface="Raleway" pitchFamily="2" charset="0"/>
+      <p:font typeface="Open Sans" panose="020B0606030504020204" pitchFamily="34" charset="0"/>
       <p:regular r:id="rId33"/>
       <p:bold r:id="rId34"/>
       <p:italic r:id="rId35"/>
       <p:boldItalic r:id="rId36"/>
     </p:embeddedFont>
     <p:embeddedFont>
-      <p:font typeface="Space Mono" panose="020B0604020202020204" charset="0"/>
+      <p:font typeface="Raleway" pitchFamily="2" charset="0"/>
       <p:regular r:id="rId37"/>
       <p:bold r:id="rId38"/>
       <p:italic r:id="rId39"/>
       <p:boldItalic r:id="rId40"/>
+    </p:embeddedFont>
+    <p:embeddedFont>
+      <p:font typeface="Space Mono" panose="020B0604020202020204" charset="0"/>
+      <p:regular r:id="rId41"/>
+      <p:bold r:id="rId42"/>
+      <p:italic r:id="rId43"/>
+      <p:boldItalic r:id="rId44"/>
     </p:embeddedFont>
   </p:embeddedFontLst>
   <p:defaultTextStyle>
@@ -11844,6 +11848,657 @@
   <p:cSld>
     <p:spTree>
       <p:nvGrpSpPr>
+        <p:cNvPr id="1" name=""/>
+        <p:cNvGrpSpPr/>
+        <p:nvPr/>
+      </p:nvGrpSpPr>
+      <p:grpSpPr>
+        <a:xfrm>
+          <a:off x="0" y="0"/>
+          <a:ext cx="0" cy="0"/>
+          <a:chOff x="0" y="0"/>
+          <a:chExt cx="0" cy="0"/>
+        </a:xfrm>
+      </p:grpSpPr>
+      <p:sp>
+        <p:nvSpPr>
+          <p:cNvPr id="2" name="Title 1">
+            <a:extLst>
+              <a:ext uri="{FF2B5EF4-FFF2-40B4-BE49-F238E27FC236}">
+                <a16:creationId xmlns:a16="http://schemas.microsoft.com/office/drawing/2014/main" id="{91CDB2DD-C055-C215-01C1-AFBD6D7DA888}"/>
+              </a:ext>
+            </a:extLst>
+          </p:cNvPr>
+          <p:cNvSpPr>
+            <a:spLocks noGrp="1"/>
+          </p:cNvSpPr>
+          <p:nvPr>
+            <p:ph type="title"/>
+          </p:nvPr>
+        </p:nvSpPr>
+        <p:spPr/>
+        <p:txBody>
+          <a:bodyPr/>
+          <a:lstStyle/>
+          <a:p>
+            <a:endParaRPr lang="en-US"/>
+          </a:p>
+        </p:txBody>
+      </p:sp>
+      <p:sp>
+        <p:nvSpPr>
+          <p:cNvPr id="3" name="Text Placeholder 2">
+            <a:extLst>
+              <a:ext uri="{FF2B5EF4-FFF2-40B4-BE49-F238E27FC236}">
+                <a16:creationId xmlns:a16="http://schemas.microsoft.com/office/drawing/2014/main" id="{83DD73B9-FC18-75FA-7635-D3E321D38558}"/>
+              </a:ext>
+            </a:extLst>
+          </p:cNvPr>
+          <p:cNvSpPr>
+            <a:spLocks noGrp="1"/>
+          </p:cNvSpPr>
+          <p:nvPr>
+            <p:ph type="body" idx="1"/>
+          </p:nvPr>
+        </p:nvSpPr>
+        <p:spPr/>
+        <p:txBody>
+          <a:bodyPr/>
+          <a:lstStyle/>
+          <a:p>
+            <a:endParaRPr lang="en-US"/>
+          </a:p>
+        </p:txBody>
+      </p:sp>
+    </p:spTree>
+    <p:extLst>
+      <p:ext uri="{BB962C8B-B14F-4D97-AF65-F5344CB8AC3E}">
+        <p14:creationId xmlns:p14="http://schemas.microsoft.com/office/powerpoint/2010/main" val="2323126216"/>
+      </p:ext>
+    </p:extLst>
+  </p:cSld>
+  <p:clrMapOvr>
+    <a:masterClrMapping/>
+  </p:clrMapOvr>
+</p:sld>
+</file>
+
+<file path=ppt/slides/slide11.xml><?xml version="1.0" encoding="utf-8"?>
+<p:sld xmlns:a="http://schemas.openxmlformats.org/drawingml/2006/main" xmlns:r="http://schemas.openxmlformats.org/officeDocument/2006/relationships" xmlns:p="http://schemas.openxmlformats.org/presentationml/2006/main">
+  <p:cSld>
+    <p:spTree>
+      <p:nvGrpSpPr>
+        <p:cNvPr id="1" name=""/>
+        <p:cNvGrpSpPr/>
+        <p:nvPr/>
+      </p:nvGrpSpPr>
+      <p:grpSpPr>
+        <a:xfrm>
+          <a:off x="0" y="0"/>
+          <a:ext cx="0" cy="0"/>
+          <a:chOff x="0" y="0"/>
+          <a:chExt cx="0" cy="0"/>
+        </a:xfrm>
+      </p:grpSpPr>
+      <p:sp>
+        <p:nvSpPr>
+          <p:cNvPr id="2" name="Title 1">
+            <a:extLst>
+              <a:ext uri="{FF2B5EF4-FFF2-40B4-BE49-F238E27FC236}">
+                <a16:creationId xmlns:a16="http://schemas.microsoft.com/office/drawing/2014/main" id="{4CE6E8DB-FFC2-3C4A-3C6C-1982F225A79F}"/>
+              </a:ext>
+            </a:extLst>
+          </p:cNvPr>
+          <p:cNvSpPr>
+            <a:spLocks noGrp="1"/>
+          </p:cNvSpPr>
+          <p:nvPr>
+            <p:ph type="title"/>
+          </p:nvPr>
+        </p:nvSpPr>
+        <p:spPr/>
+        <p:txBody>
+          <a:bodyPr/>
+          <a:lstStyle/>
+          <a:p>
+            <a:endParaRPr lang="en-US"/>
+          </a:p>
+        </p:txBody>
+      </p:sp>
+      <p:sp>
+        <p:nvSpPr>
+          <p:cNvPr id="3" name="Text Placeholder 2">
+            <a:extLst>
+              <a:ext uri="{FF2B5EF4-FFF2-40B4-BE49-F238E27FC236}">
+                <a16:creationId xmlns:a16="http://schemas.microsoft.com/office/drawing/2014/main" id="{D17CDB7C-3953-9937-1EC8-36E2094BBC87}"/>
+              </a:ext>
+            </a:extLst>
+          </p:cNvPr>
+          <p:cNvSpPr>
+            <a:spLocks noGrp="1"/>
+          </p:cNvSpPr>
+          <p:nvPr>
+            <p:ph type="body" idx="1"/>
+          </p:nvPr>
+        </p:nvSpPr>
+        <p:spPr/>
+        <p:txBody>
+          <a:bodyPr/>
+          <a:lstStyle/>
+          <a:p>
+            <a:endParaRPr lang="en-US"/>
+          </a:p>
+        </p:txBody>
+      </p:sp>
+    </p:spTree>
+    <p:extLst>
+      <p:ext uri="{BB962C8B-B14F-4D97-AF65-F5344CB8AC3E}">
+        <p14:creationId xmlns:p14="http://schemas.microsoft.com/office/powerpoint/2010/main" val="1377739427"/>
+      </p:ext>
+    </p:extLst>
+  </p:cSld>
+  <p:clrMapOvr>
+    <a:masterClrMapping/>
+  </p:clrMapOvr>
+</p:sld>
+</file>
+
+<file path=ppt/slides/slide12.xml><?xml version="1.0" encoding="utf-8"?>
+<p:sld xmlns:a="http://schemas.openxmlformats.org/drawingml/2006/main" xmlns:r="http://schemas.openxmlformats.org/officeDocument/2006/relationships" xmlns:p="http://schemas.openxmlformats.org/presentationml/2006/main">
+  <p:cSld>
+    <p:bg>
+      <p:bgPr>
+        <a:solidFill>
+          <a:srgbClr val="FFFFFF"/>
+        </a:solidFill>
+        <a:effectLst/>
+      </p:bgPr>
+    </p:bg>
+    <p:spTree>
+      <p:nvGrpSpPr>
+        <p:cNvPr id="1" name="Shape 112"/>
+        <p:cNvGrpSpPr/>
+        <p:nvPr/>
+      </p:nvGrpSpPr>
+      <p:grpSpPr>
+        <a:xfrm>
+          <a:off x="0" y="0"/>
+          <a:ext cx="0" cy="0"/>
+          <a:chOff x="0" y="0"/>
+          <a:chExt cx="0" cy="0"/>
+        </a:xfrm>
+      </p:grpSpPr>
+      <p:sp>
+        <p:nvSpPr>
+          <p:cNvPr id="113" name="Google Shape;113;p25"/>
+          <p:cNvSpPr txBox="1">
+            <a:spLocks noGrp="1"/>
+          </p:cNvSpPr>
+          <p:nvPr>
+            <p:ph type="subTitle" idx="4294967295"/>
+          </p:nvPr>
+        </p:nvSpPr>
+        <p:spPr>
+          <a:xfrm>
+            <a:off x="291600" y="574450"/>
+            <a:ext cx="6696900" cy="516000"/>
+          </a:xfrm>
+          <a:prstGeom prst="rect">
+            <a:avLst/>
+          </a:prstGeom>
+        </p:spPr>
+        <p:txBody>
+          <a:bodyPr spcFirstLastPara="1" wrap="square" lIns="91425" tIns="91425" rIns="91425" bIns="91425" anchor="t" anchorCtr="0">
+            <a:noAutofit/>
+          </a:bodyPr>
+          <a:lstStyle/>
+          <a:p>
+            <a:pPr marL="0" lvl="0" indent="0" algn="l" rtl="0">
+              <a:lnSpc>
+                <a:spcPct val="115000"/>
+              </a:lnSpc>
+              <a:spcBef>
+                <a:spcPts val="0"/>
+              </a:spcBef>
+              <a:spcAft>
+                <a:spcPts val="1600"/>
+              </a:spcAft>
+              <a:buNone/>
+            </a:pPr>
+            <a:r>
+              <a:rPr lang="en" sz="1800" dirty="0">
+                <a:solidFill>
+                  <a:srgbClr val="000000"/>
+                </a:solidFill>
+              </a:rPr>
+              <a:t>Statistically significant difference between mothers who smoke and non-smokers:</a:t>
+            </a:r>
+            <a:endParaRPr sz="1800" dirty="0">
+              <a:solidFill>
+                <a:srgbClr val="000000"/>
+              </a:solidFill>
+            </a:endParaRPr>
+          </a:p>
+        </p:txBody>
+      </p:sp>
+      <p:sp>
+        <p:nvSpPr>
+          <p:cNvPr id="114" name="Google Shape;114;p25"/>
+          <p:cNvSpPr txBox="1">
+            <a:spLocks noGrp="1"/>
+          </p:cNvSpPr>
+          <p:nvPr>
+            <p:ph type="subTitle" idx="4294967295"/>
+          </p:nvPr>
+        </p:nvSpPr>
+        <p:spPr>
+          <a:xfrm>
+            <a:off x="4710050" y="1715650"/>
+            <a:ext cx="4320600" cy="1346400"/>
+          </a:xfrm>
+          <a:prstGeom prst="rect">
+            <a:avLst/>
+          </a:prstGeom>
+        </p:spPr>
+        <p:txBody>
+          <a:bodyPr spcFirstLastPara="1" wrap="square" lIns="91425" tIns="91425" rIns="91425" bIns="91425" anchor="t" anchorCtr="0">
+            <a:noAutofit/>
+          </a:bodyPr>
+          <a:lstStyle/>
+          <a:p>
+            <a:pPr marL="457200" lvl="0" indent="-342900" algn="l" rtl="0">
+              <a:spcBef>
+                <a:spcPts val="0"/>
+              </a:spcBef>
+              <a:spcAft>
+                <a:spcPts val="0"/>
+              </a:spcAft>
+              <a:buClr>
+                <a:schemeClr val="dk1"/>
+              </a:buClr>
+              <a:buSzPts val="1800"/>
+              <a:buFont typeface="Open Sans"/>
+              <a:buChar char="●"/>
+            </a:pPr>
+            <a:r>
+              <a:rPr lang="en" sz="1600" dirty="0">
+                <a:solidFill>
+                  <a:schemeClr val="dk1"/>
+                </a:solidFill>
+                <a:latin typeface="Open Sans"/>
+                <a:ea typeface="Open Sans"/>
+                <a:cs typeface="Open Sans"/>
+                <a:sym typeface="Open Sans"/>
+              </a:rPr>
+              <a:t>With 95% confidence, the average weight of newborns from non-smokers is between 7 and 11 ounces higher </a:t>
+            </a:r>
+            <a:r>
+              <a:rPr lang="en-US" sz="1600" dirty="0">
+                <a:solidFill>
+                  <a:schemeClr val="dk1"/>
+                </a:solidFill>
+                <a:latin typeface="Open Sans"/>
+                <a:ea typeface="Open Sans"/>
+                <a:cs typeface="Open Sans"/>
+                <a:sym typeface="Open Sans"/>
+              </a:rPr>
+              <a:t>than newborns from smokers.</a:t>
+            </a:r>
+          </a:p>
+          <a:p>
+            <a:pPr marL="114300" lvl="0" indent="0" algn="l" rtl="0">
+              <a:spcBef>
+                <a:spcPts val="0"/>
+              </a:spcBef>
+              <a:spcAft>
+                <a:spcPts val="0"/>
+              </a:spcAft>
+              <a:buClr>
+                <a:schemeClr val="dk1"/>
+              </a:buClr>
+              <a:buSzPts val="1800"/>
+              <a:buNone/>
+            </a:pPr>
+            <a:endParaRPr sz="1600" dirty="0">
+              <a:solidFill>
+                <a:schemeClr val="dk1"/>
+              </a:solidFill>
+              <a:latin typeface="Open Sans"/>
+              <a:ea typeface="Open Sans"/>
+              <a:cs typeface="Open Sans"/>
+              <a:sym typeface="Open Sans"/>
+            </a:endParaRPr>
+          </a:p>
+          <a:p>
+            <a:pPr marL="457200" lvl="0" indent="-342900" algn="l" rtl="0">
+              <a:spcBef>
+                <a:spcPts val="0"/>
+              </a:spcBef>
+              <a:spcAft>
+                <a:spcPts val="0"/>
+              </a:spcAft>
+              <a:buClr>
+                <a:schemeClr val="dk1"/>
+              </a:buClr>
+              <a:buSzPts val="1800"/>
+              <a:buFont typeface="Open Sans"/>
+              <a:buChar char="●"/>
+            </a:pPr>
+            <a:r>
+              <a:rPr lang="en" sz="1600" dirty="0">
+                <a:solidFill>
+                  <a:schemeClr val="dk1"/>
+                </a:solidFill>
+                <a:latin typeface="Open Sans"/>
+                <a:ea typeface="Open Sans"/>
+                <a:cs typeface="Open Sans"/>
+                <a:sym typeface="Open Sans"/>
+              </a:rPr>
+              <a:t>The average weight of newborns from smokers is 114 ounces while the average weight of non-smokers is 123 ounces.</a:t>
+            </a:r>
+            <a:endParaRPr sz="1600" dirty="0">
+              <a:solidFill>
+                <a:srgbClr val="000000"/>
+              </a:solidFill>
+              <a:latin typeface="Open Sans"/>
+              <a:ea typeface="Open Sans"/>
+              <a:cs typeface="Open Sans"/>
+              <a:sym typeface="Open Sans"/>
+            </a:endParaRPr>
+          </a:p>
+        </p:txBody>
+      </p:sp>
+      <p:pic>
+        <p:nvPicPr>
+          <p:cNvPr id="3" name="Picture 2" descr="A graph showing a number of babies&#10;&#10;Description automatically generated">
+            <a:extLst>
+              <a:ext uri="{FF2B5EF4-FFF2-40B4-BE49-F238E27FC236}">
+                <a16:creationId xmlns:a16="http://schemas.microsoft.com/office/drawing/2014/main" id="{B64ABBFB-E62D-3042-30AC-16A43EB637AE}"/>
+              </a:ext>
+            </a:extLst>
+          </p:cNvPr>
+          <p:cNvPicPr>
+            <a:picLocks noChangeAspect="1"/>
+          </p:cNvPicPr>
+          <p:nvPr/>
+        </p:nvPicPr>
+        <p:blipFill>
+          <a:blip r:embed="rId3"/>
+          <a:stretch>
+            <a:fillRect/>
+          </a:stretch>
+        </p:blipFill>
+        <p:spPr>
+          <a:xfrm>
+            <a:off x="366136" y="1587626"/>
+            <a:ext cx="4129664" cy="2948848"/>
+          </a:xfrm>
+          <a:prstGeom prst="rect">
+            <a:avLst/>
+          </a:prstGeom>
+        </p:spPr>
+      </p:pic>
+    </p:spTree>
+  </p:cSld>
+  <p:clrMapOvr>
+    <a:masterClrMapping/>
+  </p:clrMapOvr>
+</p:sld>
+</file>
+
+<file path=ppt/slides/slide13.xml><?xml version="1.0" encoding="utf-8"?>
+<p:sld xmlns:a="http://schemas.openxmlformats.org/drawingml/2006/main" xmlns:r="http://schemas.openxmlformats.org/officeDocument/2006/relationships" xmlns:p="http://schemas.openxmlformats.org/presentationml/2006/main">
+  <p:cSld>
+    <p:bg>
+      <p:bgPr>
+        <a:solidFill>
+          <a:srgbClr val="FFFFFF"/>
+        </a:solidFill>
+        <a:effectLst/>
+      </p:bgPr>
+    </p:bg>
+    <p:spTree>
+      <p:nvGrpSpPr>
+        <p:cNvPr id="1" name="Shape 119"/>
+        <p:cNvGrpSpPr/>
+        <p:nvPr/>
+      </p:nvGrpSpPr>
+      <p:grpSpPr>
+        <a:xfrm>
+          <a:off x="0" y="0"/>
+          <a:ext cx="0" cy="0"/>
+          <a:chOff x="0" y="0"/>
+          <a:chExt cx="0" cy="0"/>
+        </a:xfrm>
+      </p:grpSpPr>
+      <p:sp>
+        <p:nvSpPr>
+          <p:cNvPr id="120" name="Google Shape;120;p26"/>
+          <p:cNvSpPr txBox="1">
+            <a:spLocks noGrp="1"/>
+          </p:cNvSpPr>
+          <p:nvPr>
+            <p:ph type="subTitle" idx="4294967295"/>
+          </p:nvPr>
+        </p:nvSpPr>
+        <p:spPr>
+          <a:xfrm>
+            <a:off x="291600" y="574450"/>
+            <a:ext cx="6696900" cy="516000"/>
+          </a:xfrm>
+          <a:prstGeom prst="rect">
+            <a:avLst/>
+          </a:prstGeom>
+        </p:spPr>
+        <p:txBody>
+          <a:bodyPr spcFirstLastPara="1" wrap="square" lIns="91425" tIns="91425" rIns="91425" bIns="91425" anchor="t" anchorCtr="0">
+            <a:noAutofit/>
+          </a:bodyPr>
+          <a:lstStyle/>
+          <a:p>
+            <a:pPr marL="0" lvl="0" indent="0" algn="l" rtl="0">
+              <a:lnSpc>
+                <a:spcPct val="115000"/>
+              </a:lnSpc>
+              <a:spcBef>
+                <a:spcPts val="0"/>
+              </a:spcBef>
+              <a:spcAft>
+                <a:spcPts val="1600"/>
+              </a:spcAft>
+              <a:buNone/>
+            </a:pPr>
+            <a:r>
+              <a:rPr lang="en" sz="1800" dirty="0">
+                <a:solidFill>
+                  <a:srgbClr val="000000"/>
+                </a:solidFill>
+              </a:rPr>
+              <a:t>Other factors influencing birth weight?</a:t>
+            </a:r>
+            <a:endParaRPr sz="1800" dirty="0">
+              <a:solidFill>
+                <a:srgbClr val="000000"/>
+              </a:solidFill>
+            </a:endParaRPr>
+          </a:p>
+        </p:txBody>
+      </p:sp>
+      <p:sp>
+        <p:nvSpPr>
+          <p:cNvPr id="121" name="Google Shape;121;p26"/>
+          <p:cNvSpPr txBox="1">
+            <a:spLocks noGrp="1"/>
+          </p:cNvSpPr>
+          <p:nvPr>
+            <p:ph type="subTitle" idx="4294967295"/>
+          </p:nvPr>
+        </p:nvSpPr>
+        <p:spPr>
+          <a:xfrm>
+            <a:off x="72800" y="1594350"/>
+            <a:ext cx="4320600" cy="1346400"/>
+          </a:xfrm>
+          <a:prstGeom prst="rect">
+            <a:avLst/>
+          </a:prstGeom>
+        </p:spPr>
+        <p:txBody>
+          <a:bodyPr spcFirstLastPara="1" wrap="square" lIns="91425" tIns="91425" rIns="91425" bIns="91425" anchor="t" anchorCtr="0">
+            <a:noAutofit/>
+          </a:bodyPr>
+          <a:lstStyle/>
+          <a:p>
+            <a:pPr marL="457200" lvl="0" indent="-342900" algn="l" rtl="0">
+              <a:spcBef>
+                <a:spcPts val="0"/>
+              </a:spcBef>
+              <a:spcAft>
+                <a:spcPts val="0"/>
+              </a:spcAft>
+              <a:buClr>
+                <a:schemeClr val="dk1"/>
+              </a:buClr>
+              <a:buSzPts val="1800"/>
+              <a:buFont typeface="Open Sans"/>
+              <a:buChar char="●"/>
+            </a:pPr>
+            <a:r>
+              <a:rPr lang="en-US" sz="1800" dirty="0">
+                <a:solidFill>
+                  <a:schemeClr val="dk1"/>
+                </a:solidFill>
+                <a:latin typeface="Open Sans"/>
+                <a:ea typeface="Open Sans"/>
+                <a:cs typeface="Open Sans"/>
+                <a:sym typeface="Open Sans"/>
+              </a:rPr>
+              <a:t>Alcohol consumption and the total length of the pregnancy. </a:t>
+            </a:r>
+            <a:endParaRPr sz="1800" dirty="0">
+              <a:solidFill>
+                <a:schemeClr val="dk1"/>
+              </a:solidFill>
+              <a:latin typeface="Open Sans"/>
+              <a:ea typeface="Open Sans"/>
+              <a:cs typeface="Open Sans"/>
+              <a:sym typeface="Open Sans"/>
+            </a:endParaRPr>
+          </a:p>
+          <a:p>
+            <a:pPr marL="457200" lvl="0" indent="-342900" algn="l" rtl="0">
+              <a:spcBef>
+                <a:spcPts val="0"/>
+              </a:spcBef>
+              <a:spcAft>
+                <a:spcPts val="0"/>
+              </a:spcAft>
+              <a:buClr>
+                <a:schemeClr val="dk1"/>
+              </a:buClr>
+              <a:buSzPts val="1800"/>
+              <a:buFont typeface="Open Sans"/>
+              <a:buChar char="●"/>
+            </a:pPr>
+            <a:r>
+              <a:rPr lang="en" sz="1800" dirty="0">
+                <a:solidFill>
+                  <a:schemeClr val="dk1"/>
+                </a:solidFill>
+                <a:latin typeface="Open Sans"/>
+                <a:ea typeface="Open Sans"/>
+                <a:cs typeface="Open Sans"/>
+                <a:sym typeface="Open Sans"/>
+              </a:rPr>
+              <a:t>A/B test </a:t>
+            </a:r>
+            <a:r>
+              <a:rPr lang="en-US" sz="1800" dirty="0">
+                <a:solidFill>
+                  <a:schemeClr val="dk1"/>
+                </a:solidFill>
+                <a:latin typeface="Open Sans"/>
+                <a:ea typeface="Open Sans"/>
+                <a:cs typeface="Open Sans"/>
+                <a:sym typeface="Open Sans"/>
+              </a:rPr>
+              <a:t>differences on different U.S. datasets in the 2000s.</a:t>
+            </a:r>
+            <a:endParaRPr sz="1800" dirty="0">
+              <a:solidFill>
+                <a:schemeClr val="dk1"/>
+              </a:solidFill>
+              <a:latin typeface="Open Sans"/>
+              <a:ea typeface="Open Sans"/>
+              <a:cs typeface="Open Sans"/>
+              <a:sym typeface="Open Sans"/>
+            </a:endParaRPr>
+          </a:p>
+          <a:p>
+            <a:pPr marL="0" lvl="0" indent="0" algn="l" rtl="0">
+              <a:spcBef>
+                <a:spcPts val="0"/>
+              </a:spcBef>
+              <a:spcAft>
+                <a:spcPts val="0"/>
+              </a:spcAft>
+              <a:buNone/>
+            </a:pPr>
+            <a:endParaRPr sz="1800" dirty="0">
+              <a:solidFill>
+                <a:schemeClr val="dk1"/>
+              </a:solidFill>
+              <a:latin typeface="Avenir"/>
+              <a:ea typeface="Avenir"/>
+              <a:cs typeface="Avenir"/>
+              <a:sym typeface="Avenir"/>
+            </a:endParaRPr>
+          </a:p>
+        </p:txBody>
+      </p:sp>
+      <p:pic>
+        <p:nvPicPr>
+          <p:cNvPr id="3" name="Picture 2" descr="A person holding a glass of wine and a pregnant person&#10;&#10;Description automatically generated">
+            <a:extLst>
+              <a:ext uri="{FF2B5EF4-FFF2-40B4-BE49-F238E27FC236}">
+                <a16:creationId xmlns:a16="http://schemas.microsoft.com/office/drawing/2014/main" id="{D8A139D0-9F60-9506-4553-99D4A680369E}"/>
+              </a:ext>
+            </a:extLst>
+          </p:cNvPr>
+          <p:cNvPicPr>
+            <a:picLocks noChangeAspect="1"/>
+          </p:cNvPicPr>
+          <p:nvPr/>
+        </p:nvPicPr>
+        <p:blipFill>
+          <a:blip r:embed="rId3"/>
+          <a:stretch>
+            <a:fillRect/>
+          </a:stretch>
+        </p:blipFill>
+        <p:spPr>
+          <a:xfrm>
+            <a:off x="4572000" y="1132684"/>
+            <a:ext cx="4320600" cy="2878132"/>
+          </a:xfrm>
+          <a:prstGeom prst="rect">
+            <a:avLst/>
+          </a:prstGeom>
+        </p:spPr>
+      </p:pic>
+    </p:spTree>
+  </p:cSld>
+  <p:clrMapOvr>
+    <a:masterClrMapping/>
+  </p:clrMapOvr>
+</p:sld>
+</file>
+
+<file path=ppt/slides/slide14.xml><?xml version="1.0" encoding="utf-8"?>
+<p:sld xmlns:a="http://schemas.openxmlformats.org/drawingml/2006/main" xmlns:r="http://schemas.openxmlformats.org/officeDocument/2006/relationships" xmlns:p="http://schemas.openxmlformats.org/presentationml/2006/main">
+  <p:cSld>
+    <p:spTree>
+      <p:nvGrpSpPr>
         <p:cNvPr id="1" name="Shape 100"/>
         <p:cNvGrpSpPr/>
         <p:nvPr/>
@@ -12075,7 +12730,7 @@
 </p:sld>
 </file>
 
-<file path=ppt/slides/slide11.xml><?xml version="1.0" encoding="utf-8"?>
+<file path=ppt/slides/slide15.xml><?xml version="1.0" encoding="utf-8"?>
 <p:sld xmlns:a="http://schemas.openxmlformats.org/drawingml/2006/main" xmlns:r="http://schemas.openxmlformats.org/officeDocument/2006/relationships" xmlns:p="http://schemas.openxmlformats.org/presentationml/2006/main">
   <p:cSld>
     <p:spTree>
@@ -12142,7 +12797,7 @@
 </p:sld>
 </file>
 
-<file path=ppt/slides/slide12.xml><?xml version="1.0" encoding="utf-8"?>
+<file path=ppt/slides/slide16.xml><?xml version="1.0" encoding="utf-8"?>
 <p:sld xmlns:a="http://schemas.openxmlformats.org/drawingml/2006/main" xmlns:r="http://schemas.openxmlformats.org/officeDocument/2006/relationships" xmlns:p="http://schemas.openxmlformats.org/presentationml/2006/main">
   <p:cSld>
     <p:spTree>
@@ -12821,36 +13476,6 @@
           </a:p>
         </p:txBody>
       </p:sp>
-      <p:pic>
-        <p:nvPicPr>
-          <p:cNvPr id="12" name="Picture 11" descr="A graph showing the temperature of the earth&#10;&#10;Description automatically generated">
-            <a:extLst>
-              <a:ext uri="{FF2B5EF4-FFF2-40B4-BE49-F238E27FC236}">
-                <a16:creationId xmlns:a16="http://schemas.microsoft.com/office/drawing/2014/main" id="{9CD3AFAB-0657-BC8D-2E73-2E378EF871AB}"/>
-              </a:ext>
-            </a:extLst>
-          </p:cNvPr>
-          <p:cNvPicPr>
-            <a:picLocks noChangeAspect="1"/>
-          </p:cNvPicPr>
-          <p:nvPr/>
-        </p:nvPicPr>
-        <p:blipFill>
-          <a:blip r:embed="rId4"/>
-          <a:stretch>
-            <a:fillRect/>
-          </a:stretch>
-        </p:blipFill>
-        <p:spPr>
-          <a:xfrm>
-            <a:off x="3581400" y="1232267"/>
-            <a:ext cx="5384652" cy="3412983"/>
-          </a:xfrm>
-          <a:prstGeom prst="rect">
-            <a:avLst/>
-          </a:prstGeom>
-        </p:spPr>
-      </p:pic>
     </p:spTree>
   </p:cSld>
   <p:clrMapOvr>
@@ -13252,342 +13877,6 @@
 </file>
 
 <file path=ppt/slides/slide5.xml><?xml version="1.0" encoding="utf-8"?>
-<p:sld xmlns:a="http://schemas.openxmlformats.org/drawingml/2006/main" xmlns:r="http://schemas.openxmlformats.org/officeDocument/2006/relationships" xmlns:p="http://schemas.openxmlformats.org/presentationml/2006/main">
-  <p:cSld>
-    <p:spTree>
-      <p:nvGrpSpPr>
-        <p:cNvPr id="1" name="Shape 94"/>
-        <p:cNvGrpSpPr/>
-        <p:nvPr/>
-      </p:nvGrpSpPr>
-      <p:grpSpPr>
-        <a:xfrm>
-          <a:off x="0" y="0"/>
-          <a:ext cx="0" cy="0"/>
-          <a:chOff x="0" y="0"/>
-          <a:chExt cx="0" cy="0"/>
-        </a:xfrm>
-      </p:grpSpPr>
-      <p:sp>
-        <p:nvSpPr>
-          <p:cNvPr id="95" name="Google Shape;95;p22"/>
-          <p:cNvSpPr txBox="1">
-            <a:spLocks noGrp="1"/>
-          </p:cNvSpPr>
-          <p:nvPr>
-            <p:ph type="title"/>
-          </p:nvPr>
-        </p:nvSpPr>
-        <p:spPr>
-          <a:xfrm>
-            <a:off x="311700" y="574450"/>
-            <a:ext cx="6312600" cy="553200"/>
-          </a:xfrm>
-          <a:prstGeom prst="rect">
-            <a:avLst/>
-          </a:prstGeom>
-        </p:spPr>
-        <p:txBody>
-          <a:bodyPr spcFirstLastPara="1" wrap="square" lIns="91425" tIns="91425" rIns="91425" bIns="91425" anchor="t" anchorCtr="0">
-            <a:noAutofit/>
-          </a:bodyPr>
-          <a:lstStyle/>
-          <a:p>
-            <a:pPr marL="0" lvl="0" indent="0" algn="l" rtl="0">
-              <a:spcBef>
-                <a:spcPts val="0"/>
-              </a:spcBef>
-              <a:spcAft>
-                <a:spcPts val="0"/>
-              </a:spcAft>
-              <a:buNone/>
-            </a:pPr>
-            <a:r>
-              <a:rPr lang="en" dirty="0"/>
-              <a:t>Machine Learning Model (Supervised Regression)</a:t>
-            </a:r>
-            <a:endParaRPr dirty="0"/>
-          </a:p>
-        </p:txBody>
-      </p:sp>
-      <p:sp>
-        <p:nvSpPr>
-          <p:cNvPr id="96" name="Google Shape;96;p22"/>
-          <p:cNvSpPr txBox="1">
-            <a:spLocks noGrp="1"/>
-          </p:cNvSpPr>
-          <p:nvPr>
-            <p:ph type="body" idx="1"/>
-          </p:nvPr>
-        </p:nvSpPr>
-        <p:spPr>
-          <a:xfrm>
-            <a:off x="243400" y="1310525"/>
-            <a:ext cx="8520600" cy="3416400"/>
-          </a:xfrm>
-          <a:prstGeom prst="rect">
-            <a:avLst/>
-          </a:prstGeom>
-        </p:spPr>
-        <p:txBody>
-          <a:bodyPr spcFirstLastPara="1" wrap="square" lIns="91425" tIns="91425" rIns="91425" bIns="91425" anchor="t" anchorCtr="0">
-            <a:noAutofit/>
-          </a:bodyPr>
-          <a:lstStyle/>
-          <a:p>
-            <a:pPr marL="114300" lvl="0" indent="0" algn="l" rtl="0">
-              <a:spcBef>
-                <a:spcPts val="0"/>
-              </a:spcBef>
-              <a:spcAft>
-                <a:spcPts val="0"/>
-              </a:spcAft>
-              <a:buClr>
-                <a:schemeClr val="dk1"/>
-              </a:buClr>
-              <a:buSzPts val="1800"/>
-              <a:buNone/>
-            </a:pPr>
-            <a:r>
-              <a:rPr lang="en-US" sz="1800" dirty="0">
-                <a:solidFill>
-                  <a:schemeClr val="dk1"/>
-                </a:solidFill>
-                <a:latin typeface="Open Sans"/>
-                <a:ea typeface="Open Sans"/>
-                <a:cs typeface="Open Sans"/>
-                <a:sym typeface="Open Sans"/>
-              </a:rPr>
-              <a:t>Feature variables:</a:t>
-            </a:r>
-          </a:p>
-          <a:p>
-            <a:pPr marL="114300" lvl="0" indent="0" algn="l" rtl="0">
-              <a:spcBef>
-                <a:spcPts val="0"/>
-              </a:spcBef>
-              <a:spcAft>
-                <a:spcPts val="0"/>
-              </a:spcAft>
-              <a:buClr>
-                <a:schemeClr val="dk1"/>
-              </a:buClr>
-              <a:buSzPts val="1800"/>
-              <a:buNone/>
-            </a:pPr>
-            <a:endParaRPr lang="en-US" sz="1800" dirty="0">
-              <a:solidFill>
-                <a:schemeClr val="dk1"/>
-              </a:solidFill>
-              <a:latin typeface="Open Sans"/>
-              <a:ea typeface="Open Sans"/>
-              <a:cs typeface="Open Sans"/>
-              <a:sym typeface="Open Sans"/>
-            </a:endParaRPr>
-          </a:p>
-          <a:p>
-            <a:pPr marL="457200" lvl="0" indent="-342900" algn="l" rtl="0">
-              <a:spcBef>
-                <a:spcPts val="0"/>
-              </a:spcBef>
-              <a:spcAft>
-                <a:spcPts val="0"/>
-              </a:spcAft>
-              <a:buClr>
-                <a:schemeClr val="dk1"/>
-              </a:buClr>
-              <a:buSzPts val="1800"/>
-              <a:buFont typeface="Open Sans"/>
-              <a:buChar char="●"/>
-            </a:pPr>
-            <a:r>
-              <a:rPr lang="en-US" sz="1800" dirty="0">
-                <a:solidFill>
-                  <a:schemeClr val="dk1"/>
-                </a:solidFill>
-                <a:latin typeface="Open Sans"/>
-                <a:ea typeface="Open Sans"/>
-                <a:cs typeface="Open Sans"/>
-                <a:sym typeface="Open Sans"/>
-              </a:rPr>
-              <a:t>Land Average Temperature (continuous)</a:t>
-            </a:r>
-          </a:p>
-          <a:p>
-            <a:pPr marL="457200" lvl="0" indent="-342900" algn="l" rtl="0">
-              <a:spcBef>
-                <a:spcPts val="0"/>
-              </a:spcBef>
-              <a:spcAft>
-                <a:spcPts val="0"/>
-              </a:spcAft>
-              <a:buClr>
-                <a:schemeClr val="dk1"/>
-              </a:buClr>
-              <a:buSzPts val="1800"/>
-              <a:buFont typeface="Open Sans"/>
-              <a:buChar char="●"/>
-            </a:pPr>
-            <a:r>
-              <a:rPr lang="en-US" sz="1800" dirty="0">
-                <a:solidFill>
-                  <a:schemeClr val="dk1"/>
-                </a:solidFill>
-                <a:latin typeface="Open Sans"/>
-                <a:ea typeface="Open Sans"/>
-                <a:cs typeface="Open Sans"/>
-                <a:sym typeface="Open Sans"/>
-              </a:rPr>
-              <a:t>Land Minimum Temperature (continuous)</a:t>
-            </a:r>
-          </a:p>
-          <a:p>
-            <a:pPr marL="457200" lvl="0" indent="-342900" algn="l" rtl="0">
-              <a:spcBef>
-                <a:spcPts val="0"/>
-              </a:spcBef>
-              <a:spcAft>
-                <a:spcPts val="0"/>
-              </a:spcAft>
-              <a:buClr>
-                <a:schemeClr val="dk1"/>
-              </a:buClr>
-              <a:buSzPts val="1800"/>
-              <a:buFont typeface="Open Sans"/>
-              <a:buChar char="●"/>
-            </a:pPr>
-            <a:r>
-              <a:rPr lang="en-US" sz="1800" dirty="0">
-                <a:solidFill>
-                  <a:schemeClr val="dk1"/>
-                </a:solidFill>
-                <a:latin typeface="Open Sans"/>
-                <a:ea typeface="Open Sans"/>
-                <a:cs typeface="Open Sans"/>
-                <a:sym typeface="Open Sans"/>
-              </a:rPr>
-              <a:t>Land Maximum Temperature (continuous)</a:t>
-            </a:r>
-          </a:p>
-          <a:p>
-            <a:pPr marL="114300" lvl="0" indent="0" algn="l" rtl="0">
-              <a:spcBef>
-                <a:spcPts val="0"/>
-              </a:spcBef>
-              <a:spcAft>
-                <a:spcPts val="0"/>
-              </a:spcAft>
-              <a:buClr>
-                <a:schemeClr val="dk1"/>
-              </a:buClr>
-              <a:buSzPts val="1800"/>
-              <a:buNone/>
-            </a:pPr>
-            <a:endParaRPr lang="en-US" sz="1800" dirty="0">
-              <a:solidFill>
-                <a:schemeClr val="dk1"/>
-              </a:solidFill>
-              <a:latin typeface="Open Sans"/>
-              <a:ea typeface="Open Sans"/>
-              <a:cs typeface="Open Sans"/>
-              <a:sym typeface="Open Sans"/>
-            </a:endParaRPr>
-          </a:p>
-          <a:p>
-            <a:pPr marL="114300" lvl="0" indent="0" algn="l" rtl="0">
-              <a:spcBef>
-                <a:spcPts val="0"/>
-              </a:spcBef>
-              <a:spcAft>
-                <a:spcPts val="0"/>
-              </a:spcAft>
-              <a:buClr>
-                <a:schemeClr val="dk1"/>
-              </a:buClr>
-              <a:buSzPts val="1800"/>
-              <a:buNone/>
-            </a:pPr>
-            <a:r>
-              <a:rPr lang="en-US" sz="1800" dirty="0">
-                <a:solidFill>
-                  <a:schemeClr val="dk1"/>
-                </a:solidFill>
-                <a:latin typeface="Open Sans"/>
-                <a:ea typeface="Open Sans"/>
-                <a:cs typeface="Open Sans"/>
-                <a:sym typeface="Open Sans"/>
-              </a:rPr>
-              <a:t>Target variable:</a:t>
-            </a:r>
-          </a:p>
-          <a:p>
-            <a:pPr marL="114300" lvl="0" indent="0" algn="l" rtl="0">
-              <a:spcBef>
-                <a:spcPts val="0"/>
-              </a:spcBef>
-              <a:spcAft>
-                <a:spcPts val="0"/>
-              </a:spcAft>
-              <a:buClr>
-                <a:schemeClr val="dk1"/>
-              </a:buClr>
-              <a:buSzPts val="1800"/>
-              <a:buNone/>
-            </a:pPr>
-            <a:endParaRPr lang="en-US" sz="1800" dirty="0">
-              <a:solidFill>
-                <a:schemeClr val="dk1"/>
-              </a:solidFill>
-              <a:latin typeface="Open Sans"/>
-              <a:ea typeface="Open Sans"/>
-              <a:cs typeface="Open Sans"/>
-              <a:sym typeface="Open Sans"/>
-            </a:endParaRPr>
-          </a:p>
-          <a:p>
-            <a:pPr marL="457200" lvl="0" indent="-342900" algn="l" rtl="0">
-              <a:spcBef>
-                <a:spcPts val="0"/>
-              </a:spcBef>
-              <a:spcAft>
-                <a:spcPts val="0"/>
-              </a:spcAft>
-              <a:buClr>
-                <a:schemeClr val="dk1"/>
-              </a:buClr>
-              <a:buSzPts val="1800"/>
-              <a:buFont typeface="Open Sans"/>
-              <a:buChar char="●"/>
-            </a:pPr>
-            <a:r>
-              <a:rPr lang="en-US" sz="1800" dirty="0">
-                <a:solidFill>
-                  <a:schemeClr val="dk1"/>
-                </a:solidFill>
-                <a:latin typeface="Open Sans"/>
-                <a:ea typeface="Open Sans"/>
-                <a:cs typeface="Open Sans"/>
-                <a:sym typeface="Open Sans"/>
-              </a:rPr>
-              <a:t>Land and Ocean Average Temperature (continuous)</a:t>
-            </a:r>
-          </a:p>
-        </p:txBody>
-      </p:sp>
-    </p:spTree>
-    <p:extLst>
-      <p:ext uri="{BB962C8B-B14F-4D97-AF65-F5344CB8AC3E}">
-        <p14:creationId xmlns:p14="http://schemas.microsoft.com/office/powerpoint/2010/main" val="1124150435"/>
-      </p:ext>
-    </p:extLst>
-  </p:cSld>
-  <p:clrMapOvr>
-    <a:masterClrMapping/>
-  </p:clrMapOvr>
-</p:sld>
-</file>
-
-<file path=ppt/slides/slide6.xml><?xml version="1.0" encoding="utf-8"?>
 <p:sld xmlns:a="http://schemas.openxmlformats.org/drawingml/2006/main" xmlns:r="http://schemas.openxmlformats.org/officeDocument/2006/relationships" xmlns:p="http://schemas.openxmlformats.org/presentationml/2006/main">
   <p:cSld>
     <p:spTree>
@@ -13653,10 +13942,40 @@
           <a:bodyPr/>
           <a:lstStyle/>
           <a:p>
-            <a:endParaRPr lang="en-US"/>
+            <a:endParaRPr lang="en-US" dirty="0"/>
           </a:p>
         </p:txBody>
       </p:sp>
+      <p:pic>
+        <p:nvPicPr>
+          <p:cNvPr id="7" name="Picture 6" descr="A graph showing the temperature of the year&#10;&#10;Description automatically generated">
+            <a:extLst>
+              <a:ext uri="{FF2B5EF4-FFF2-40B4-BE49-F238E27FC236}">
+                <a16:creationId xmlns:a16="http://schemas.microsoft.com/office/drawing/2014/main" id="{0D34106F-8661-1C30-13E6-3879932A3D71}"/>
+              </a:ext>
+            </a:extLst>
+          </p:cNvPr>
+          <p:cNvPicPr>
+            <a:picLocks noChangeAspect="1"/>
+          </p:cNvPicPr>
+          <p:nvPr/>
+        </p:nvPicPr>
+        <p:blipFill>
+          <a:blip r:embed="rId2"/>
+          <a:stretch>
+            <a:fillRect/>
+          </a:stretch>
+        </p:blipFill>
+        <p:spPr>
+          <a:xfrm>
+            <a:off x="311700" y="998225"/>
+            <a:ext cx="7578464" cy="3905467"/>
+          </a:xfrm>
+          <a:prstGeom prst="rect">
+            <a:avLst/>
+          </a:prstGeom>
+        </p:spPr>
+      </p:pic>
     </p:spTree>
     <p:extLst>
       <p:ext uri="{BB962C8B-B14F-4D97-AF65-F5344CB8AC3E}">
@@ -13670,7 +13989,7 @@
 </p:sld>
 </file>
 
-<file path=ppt/slides/slide7.xml><?xml version="1.0" encoding="utf-8"?>
+<file path=ppt/slides/slide6.xml><?xml version="1.0" encoding="utf-8"?>
 <p:sld xmlns:a="http://schemas.openxmlformats.org/drawingml/2006/main" xmlns:r="http://schemas.openxmlformats.org/officeDocument/2006/relationships" xmlns:p="http://schemas.openxmlformats.org/presentationml/2006/main">
   <p:cSld>
     <p:spTree>
@@ -13753,20 +14072,12 @@
 </p:sld>
 </file>
 
-<file path=ppt/slides/slide8.xml><?xml version="1.0" encoding="utf-8"?>
+<file path=ppt/slides/slide7.xml><?xml version="1.0" encoding="utf-8"?>
 <p:sld xmlns:a="http://schemas.openxmlformats.org/drawingml/2006/main" xmlns:r="http://schemas.openxmlformats.org/officeDocument/2006/relationships" xmlns:p="http://schemas.openxmlformats.org/presentationml/2006/main">
   <p:cSld>
-    <p:bg>
-      <p:bgPr>
-        <a:solidFill>
-          <a:srgbClr val="FFFFFF"/>
-        </a:solidFill>
-        <a:effectLst/>
-      </p:bgPr>
-    </p:bg>
     <p:spTree>
       <p:nvGrpSpPr>
-        <p:cNvPr id="1" name="Shape 112"/>
+        <p:cNvPr id="1" name="Shape 94"/>
         <p:cNvGrpSpPr/>
         <p:nvPr/>
       </p:nvGrpSpPr>
@@ -13780,18 +14091,18 @@
       </p:grpSpPr>
       <p:sp>
         <p:nvSpPr>
-          <p:cNvPr id="113" name="Google Shape;113;p25"/>
+          <p:cNvPr id="95" name="Google Shape;95;p22"/>
           <p:cNvSpPr txBox="1">
             <a:spLocks noGrp="1"/>
           </p:cNvSpPr>
           <p:nvPr>
-            <p:ph type="subTitle" idx="4294967295"/>
+            <p:ph type="title"/>
           </p:nvPr>
         </p:nvSpPr>
         <p:spPr>
           <a:xfrm>
-            <a:off x="291600" y="574450"/>
-            <a:ext cx="6696900" cy="516000"/>
+            <a:off x="311700" y="574450"/>
+            <a:ext cx="6312600" cy="553200"/>
           </a:xfrm>
           <a:prstGeom prst="rect">
             <a:avLst/>
@@ -13804,47 +14115,36 @@
           <a:lstStyle/>
           <a:p>
             <a:pPr marL="0" lvl="0" indent="0" algn="l" rtl="0">
-              <a:lnSpc>
-                <a:spcPct val="115000"/>
-              </a:lnSpc>
-              <a:spcBef>
-                <a:spcPts val="0"/>
-              </a:spcBef>
-              <a:spcAft>
-                <a:spcPts val="1600"/>
+              <a:spcBef>
+                <a:spcPts val="0"/>
+              </a:spcBef>
+              <a:spcAft>
+                <a:spcPts val="0"/>
               </a:spcAft>
               <a:buNone/>
             </a:pPr>
             <a:r>
-              <a:rPr lang="en" sz="1800" dirty="0">
-                <a:solidFill>
-                  <a:srgbClr val="000000"/>
-                </a:solidFill>
-              </a:rPr>
-              <a:t>Statistically significant difference between mothers who smoke and non-smokers:</a:t>
+              <a:rPr lang="en" dirty="0"/>
+              <a:t>Machine Learning Model (Supervised Regression)</a:t>
             </a:r>
-            <a:endParaRPr sz="1800" dirty="0">
-              <a:solidFill>
-                <a:srgbClr val="000000"/>
-              </a:solidFill>
-            </a:endParaRPr>
+            <a:endParaRPr dirty="0"/>
           </a:p>
         </p:txBody>
       </p:sp>
       <p:sp>
         <p:nvSpPr>
-          <p:cNvPr id="114" name="Google Shape;114;p25"/>
+          <p:cNvPr id="96" name="Google Shape;96;p22"/>
           <p:cNvSpPr txBox="1">
             <a:spLocks noGrp="1"/>
           </p:cNvSpPr>
           <p:nvPr>
-            <p:ph type="subTitle" idx="4294967295"/>
+            <p:ph type="body" idx="1"/>
           </p:nvPr>
         </p:nvSpPr>
         <p:spPr>
           <a:xfrm>
-            <a:off x="4710050" y="1715650"/>
-            <a:ext cx="4320600" cy="1346400"/>
+            <a:off x="243400" y="1310525"/>
+            <a:ext cx="8520600" cy="3416400"/>
           </a:xfrm>
           <a:prstGeom prst="rect">
             <a:avLst/>
@@ -13856,7 +14156,7 @@
           </a:bodyPr>
           <a:lstStyle/>
           <a:p>
-            <a:pPr marL="457200" lvl="0" indent="-342900" algn="l" rtl="0">
+            <a:pPr marL="114300" lvl="0" indent="0" algn="l" rtl="0">
               <a:spcBef>
                 <a:spcPts val="0"/>
               </a:spcBef>
@@ -13867,11 +14167,10 @@
                 <a:schemeClr val="dk1"/>
               </a:buClr>
               <a:buSzPts val="1800"/>
-              <a:buFont typeface="Open Sans"/>
-              <a:buChar char="●"/>
+              <a:buNone/>
             </a:pPr>
             <a:r>
-              <a:rPr lang="en" sz="1600" dirty="0">
+              <a:rPr lang="en-US" sz="1800" dirty="0">
                 <a:solidFill>
                   <a:schemeClr val="dk1"/>
                 </a:solidFill>
@@ -13880,19 +14179,7 @@
                 <a:cs typeface="Open Sans"/>
                 <a:sym typeface="Open Sans"/>
               </a:rPr>
-              <a:t>With 95% confidence, the average weight of newborns from non-smokers is between 7 and 11 ounces higher </a:t>
-            </a:r>
-            <a:r>
-              <a:rPr lang="en-US" sz="1600" dirty="0">
-                <a:solidFill>
-                  <a:schemeClr val="dk1"/>
-                </a:solidFill>
-                <a:latin typeface="Open Sans"/>
-                <a:ea typeface="Open Sans"/>
-                <a:cs typeface="Open Sans"/>
-                <a:sym typeface="Open Sans"/>
-              </a:rPr>
-              <a:t>than newborns from smokers.</a:t>
+              <a:t>Feature variables:</a:t>
             </a:r>
           </a:p>
           <a:p>
@@ -13909,7 +14196,7 @@
               <a:buSzPts val="1800"/>
               <a:buNone/>
             </a:pPr>
-            <a:endParaRPr sz="1600" dirty="0">
+            <a:endParaRPr lang="en-US" sz="1800" dirty="0">
               <a:solidFill>
                 <a:schemeClr val="dk1"/>
               </a:solidFill>
@@ -13935,7 +14222,7 @@
               <a:buChar char="●"/>
             </a:pPr>
             <a:r>
-              <a:rPr lang="en" sz="1600" dirty="0">
+              <a:rPr lang="en-US" sz="1800" dirty="0">
                 <a:solidFill>
                   <a:schemeClr val="dk1"/>
                 </a:solidFill>
@@ -13944,11 +14231,82 @@
                 <a:cs typeface="Open Sans"/>
                 <a:sym typeface="Open Sans"/>
               </a:rPr>
-              <a:t>The average weight of newborns from smokers is 114 ounces while the average weight of non-smokers is 123 ounces.</a:t>
+              <a:t>Land Average Temperature (continuous)</a:t>
             </a:r>
-            <a:endParaRPr sz="1600" dirty="0">
+          </a:p>
+          <a:p>
+            <a:pPr marL="457200" lvl="0" indent="-342900" algn="l" rtl="0">
+              <a:spcBef>
+                <a:spcPts val="0"/>
+              </a:spcBef>
+              <a:spcAft>
+                <a:spcPts val="0"/>
+              </a:spcAft>
+              <a:buClr>
+                <a:schemeClr val="dk1"/>
+              </a:buClr>
+              <a:buSzPts val="1800"/>
+              <a:buFont typeface="Open Sans"/>
+              <a:buChar char="●"/>
+            </a:pPr>
+            <a:r>
+              <a:rPr lang="en-US" sz="1800" dirty="0">
+                <a:solidFill>
+                  <a:schemeClr val="dk1"/>
+                </a:solidFill>
+                <a:latin typeface="Open Sans"/>
+                <a:ea typeface="Open Sans"/>
+                <a:cs typeface="Open Sans"/>
+                <a:sym typeface="Open Sans"/>
+              </a:rPr>
+              <a:t>Land Minimum Temperature (continuous)</a:t>
+            </a:r>
+          </a:p>
+          <a:p>
+            <a:pPr marL="457200" lvl="0" indent="-342900" algn="l" rtl="0">
+              <a:spcBef>
+                <a:spcPts val="0"/>
+              </a:spcBef>
+              <a:spcAft>
+                <a:spcPts val="0"/>
+              </a:spcAft>
+              <a:buClr>
+                <a:schemeClr val="dk1"/>
+              </a:buClr>
+              <a:buSzPts val="1800"/>
+              <a:buFont typeface="Open Sans"/>
+              <a:buChar char="●"/>
+            </a:pPr>
+            <a:r>
+              <a:rPr lang="en-US" sz="1800" dirty="0">
+                <a:solidFill>
+                  <a:schemeClr val="dk1"/>
+                </a:solidFill>
+                <a:latin typeface="Open Sans"/>
+                <a:ea typeface="Open Sans"/>
+                <a:cs typeface="Open Sans"/>
+                <a:sym typeface="Open Sans"/>
+              </a:rPr>
+              <a:t>Land Maximum Temperature (continuous)</a:t>
+            </a:r>
+          </a:p>
+          <a:p>
+            <a:pPr marL="114300" lvl="0" indent="0" algn="l" rtl="0">
+              <a:spcBef>
+                <a:spcPts val="0"/>
+              </a:spcBef>
+              <a:spcAft>
+                <a:spcPts val="0"/>
+              </a:spcAft>
+              <a:buClr>
+                <a:schemeClr val="dk1"/>
+              </a:buClr>
+              <a:buSzPts val="1800"/>
+              <a:buNone/>
+            </a:pPr>
+            <a:endParaRPr lang="en-US" sz="1800" dirty="0">
               <a:solidFill>
-                <a:srgbClr val="000000"/>
+                <a:schemeClr val="dk1"/>
               </a:solidFill>
               <a:latin typeface="Open Sans"/>
               <a:ea typeface="Open Sans"/>
@@ -13956,39 +14314,93 @@
               <a:sym typeface="Open Sans"/>
             </a:endParaRPr>
           </a:p>
+          <a:p>
+            <a:pPr marL="114300" lvl="0" indent="0" algn="l" rtl="0">
+              <a:spcBef>
+                <a:spcPts val="0"/>
+              </a:spcBef>
+              <a:spcAft>
+                <a:spcPts val="0"/>
+              </a:spcAft>
+              <a:buClr>
+                <a:schemeClr val="dk1"/>
+              </a:buClr>
+              <a:buSzPts val="1800"/>
+              <a:buNone/>
+            </a:pPr>
+            <a:r>
+              <a:rPr lang="en-US" sz="1800" dirty="0">
+                <a:solidFill>
+                  <a:schemeClr val="dk1"/>
+                </a:solidFill>
+                <a:latin typeface="Open Sans"/>
+                <a:ea typeface="Open Sans"/>
+                <a:cs typeface="Open Sans"/>
+                <a:sym typeface="Open Sans"/>
+              </a:rPr>
+              <a:t>Target variable:</a:t>
+            </a:r>
+          </a:p>
+          <a:p>
+            <a:pPr marL="114300" lvl="0" indent="0" algn="l" rtl="0">
+              <a:spcBef>
+                <a:spcPts val="0"/>
+              </a:spcBef>
+              <a:spcAft>
+                <a:spcPts val="0"/>
+              </a:spcAft>
+              <a:buClr>
+                <a:schemeClr val="dk1"/>
+              </a:buClr>
+              <a:buSzPts val="1800"/>
+              <a:buNone/>
+            </a:pPr>
+            <a:endParaRPr lang="en-US" sz="1800" dirty="0">
+              <a:solidFill>
+                <a:schemeClr val="dk1"/>
+              </a:solidFill>
+              <a:latin typeface="Open Sans"/>
+              <a:ea typeface="Open Sans"/>
+              <a:cs typeface="Open Sans"/>
+              <a:sym typeface="Open Sans"/>
+            </a:endParaRPr>
+          </a:p>
+          <a:p>
+            <a:pPr marL="457200" lvl="0" indent="-342900" algn="l" rtl="0">
+              <a:spcBef>
+                <a:spcPts val="0"/>
+              </a:spcBef>
+              <a:spcAft>
+                <a:spcPts val="0"/>
+              </a:spcAft>
+              <a:buClr>
+                <a:schemeClr val="dk1"/>
+              </a:buClr>
+              <a:buSzPts val="1800"/>
+              <a:buFont typeface="Open Sans"/>
+              <a:buChar char="●"/>
+            </a:pPr>
+            <a:r>
+              <a:rPr lang="en-US" sz="1800" dirty="0">
+                <a:solidFill>
+                  <a:schemeClr val="dk1"/>
+                </a:solidFill>
+                <a:latin typeface="Open Sans"/>
+                <a:ea typeface="Open Sans"/>
+                <a:cs typeface="Open Sans"/>
+                <a:sym typeface="Open Sans"/>
+              </a:rPr>
+              <a:t>Land and Ocean Average Temperature (continuous)</a:t>
+            </a:r>
+          </a:p>
         </p:txBody>
       </p:sp>
-      <p:pic>
-        <p:nvPicPr>
-          <p:cNvPr id="3" name="Picture 2" descr="A graph showing a number of babies&#10;&#10;Description automatically generated">
-            <a:extLst>
-              <a:ext uri="{FF2B5EF4-FFF2-40B4-BE49-F238E27FC236}">
-                <a16:creationId xmlns:a16="http://schemas.microsoft.com/office/drawing/2014/main" id="{B64ABBFB-E62D-3042-30AC-16A43EB637AE}"/>
-              </a:ext>
-            </a:extLst>
-          </p:cNvPr>
-          <p:cNvPicPr>
-            <a:picLocks noChangeAspect="1"/>
-          </p:cNvPicPr>
-          <p:nvPr/>
-        </p:nvPicPr>
-        <p:blipFill>
-          <a:blip r:embed="rId3"/>
-          <a:stretch>
-            <a:fillRect/>
-          </a:stretch>
-        </p:blipFill>
-        <p:spPr>
-          <a:xfrm>
-            <a:off x="366136" y="1587626"/>
-            <a:ext cx="4129664" cy="2948848"/>
-          </a:xfrm>
-          <a:prstGeom prst="rect">
-            <a:avLst/>
-          </a:prstGeom>
-        </p:spPr>
-      </p:pic>
     </p:spTree>
+    <p:extLst>
+      <p:ext uri="{BB962C8B-B14F-4D97-AF65-F5344CB8AC3E}">
+        <p14:creationId xmlns:p14="http://schemas.microsoft.com/office/powerpoint/2010/main" val="1124150435"/>
+      </p:ext>
+    </p:extLst>
   </p:cSld>
   <p:clrMapOvr>
     <a:masterClrMapping/>
@@ -13996,20 +14408,12 @@
 </p:sld>
 </file>
 
-<file path=ppt/slides/slide9.xml><?xml version="1.0" encoding="utf-8"?>
+<file path=ppt/slides/slide8.xml><?xml version="1.0" encoding="utf-8"?>
 <p:sld xmlns:a="http://schemas.openxmlformats.org/drawingml/2006/main" xmlns:r="http://schemas.openxmlformats.org/officeDocument/2006/relationships" xmlns:p="http://schemas.openxmlformats.org/presentationml/2006/main">
   <p:cSld>
-    <p:bg>
-      <p:bgPr>
-        <a:solidFill>
-          <a:srgbClr val="FFFFFF"/>
-        </a:solidFill>
-        <a:effectLst/>
-      </p:bgPr>
-    </p:bg>
     <p:spTree>
       <p:nvGrpSpPr>
-        <p:cNvPr id="1" name="Shape 119"/>
+        <p:cNvPr id="1" name=""/>
         <p:cNvGrpSpPr/>
         <p:nvPr/>
       </p:nvGrpSpPr>
@@ -14023,220 +14427,140 @@
       </p:grpSpPr>
       <p:sp>
         <p:nvSpPr>
-          <p:cNvPr id="120" name="Google Shape;120;p26"/>
-          <p:cNvSpPr txBox="1">
+          <p:cNvPr id="2" name="Title 1">
+            <a:extLst>
+              <a:ext uri="{FF2B5EF4-FFF2-40B4-BE49-F238E27FC236}">
+                <a16:creationId xmlns:a16="http://schemas.microsoft.com/office/drawing/2014/main" id="{E39D70B9-5B4C-51E5-7454-AEC276F2347F}"/>
+              </a:ext>
+            </a:extLst>
+          </p:cNvPr>
+          <p:cNvSpPr>
             <a:spLocks noGrp="1"/>
           </p:cNvSpPr>
           <p:nvPr>
-            <p:ph type="subTitle" idx="4294967295"/>
+            <p:ph type="title"/>
           </p:nvPr>
         </p:nvSpPr>
-        <p:spPr>
-          <a:xfrm>
-            <a:off x="291600" y="574450"/>
-            <a:ext cx="6696900" cy="516000"/>
-          </a:xfrm>
-          <a:prstGeom prst="rect">
-            <a:avLst/>
-          </a:prstGeom>
-        </p:spPr>
+        <p:spPr/>
         <p:txBody>
-          <a:bodyPr spcFirstLastPara="1" wrap="square" lIns="91425" tIns="91425" rIns="91425" bIns="91425" anchor="t" anchorCtr="0">
-            <a:noAutofit/>
-          </a:bodyPr>
+          <a:bodyPr/>
           <a:lstStyle/>
           <a:p>
-            <a:pPr marL="0" lvl="0" indent="0" algn="l" rtl="0">
-              <a:lnSpc>
-                <a:spcPct val="115000"/>
-              </a:lnSpc>
-              <a:spcBef>
-                <a:spcPts val="0"/>
-              </a:spcBef>
-              <a:spcAft>
-                <a:spcPts val="1600"/>
-              </a:spcAft>
-              <a:buNone/>
-            </a:pPr>
-            <a:r>
-              <a:rPr lang="en" sz="1800" dirty="0">
-                <a:solidFill>
-                  <a:srgbClr val="000000"/>
-                </a:solidFill>
-              </a:rPr>
-              <a:t>Other factors influencing birth weight?</a:t>
-            </a:r>
-            <a:endParaRPr sz="1800" dirty="0">
-              <a:solidFill>
-                <a:srgbClr val="000000"/>
-              </a:solidFill>
-            </a:endParaRPr>
+            <a:endParaRPr lang="en-US"/>
           </a:p>
         </p:txBody>
       </p:sp>
       <p:sp>
         <p:nvSpPr>
-          <p:cNvPr id="121" name="Google Shape;121;p26"/>
-          <p:cNvSpPr txBox="1">
+          <p:cNvPr id="3" name="Text Placeholder 2">
+            <a:extLst>
+              <a:ext uri="{FF2B5EF4-FFF2-40B4-BE49-F238E27FC236}">
+                <a16:creationId xmlns:a16="http://schemas.microsoft.com/office/drawing/2014/main" id="{44EA5EC2-9C43-BEF2-F3A6-E4AE6BEE6FB0}"/>
+              </a:ext>
+            </a:extLst>
+          </p:cNvPr>
+          <p:cNvSpPr>
             <a:spLocks noGrp="1"/>
           </p:cNvSpPr>
           <p:nvPr>
-            <p:ph type="subTitle" idx="4294967295"/>
+            <p:ph type="body" idx="1"/>
           </p:nvPr>
         </p:nvSpPr>
-        <p:spPr>
-          <a:xfrm>
-            <a:off x="72800" y="1594350"/>
-            <a:ext cx="4320600" cy="1346400"/>
-          </a:xfrm>
-          <a:prstGeom prst="rect">
-            <a:avLst/>
-          </a:prstGeom>
-        </p:spPr>
+        <p:spPr/>
         <p:txBody>
-          <a:bodyPr spcFirstLastPara="1" wrap="square" lIns="91425" tIns="91425" rIns="91425" bIns="91425" anchor="t" anchorCtr="0">
-            <a:noAutofit/>
-          </a:bodyPr>
+          <a:bodyPr/>
           <a:lstStyle/>
           <a:p>
-            <a:pPr marL="457200" lvl="0" indent="-342900" algn="l" rtl="0">
-              <a:spcBef>
-                <a:spcPts val="0"/>
-              </a:spcBef>
-              <a:spcAft>
-                <a:spcPts val="0"/>
-              </a:spcAft>
-              <a:buClr>
-                <a:schemeClr val="dk1"/>
-              </a:buClr>
-              <a:buSzPts val="1800"/>
-              <a:buFont typeface="Open Sans"/>
-              <a:buChar char="●"/>
-            </a:pPr>
-            <a:r>
-              <a:rPr lang="en-US" sz="1800" dirty="0">
-                <a:solidFill>
-                  <a:schemeClr val="dk1"/>
-                </a:solidFill>
-                <a:latin typeface="Open Sans"/>
-                <a:ea typeface="Open Sans"/>
-                <a:cs typeface="Open Sans"/>
-                <a:sym typeface="Open Sans"/>
-              </a:rPr>
-              <a:t>Alcohol consumption and the total length of the pregnancy. </a:t>
-            </a:r>
-            <a:endParaRPr sz="1800" dirty="0">
-              <a:solidFill>
-                <a:schemeClr val="dk1"/>
-              </a:solidFill>
-              <a:latin typeface="Open Sans"/>
-              <a:ea typeface="Open Sans"/>
-              <a:cs typeface="Open Sans"/>
-              <a:sym typeface="Open Sans"/>
-            </a:endParaRPr>
-          </a:p>
-          <a:p>
-            <a:pPr marL="457200" lvl="0" indent="-342900" algn="l" rtl="0">
-              <a:spcBef>
-                <a:spcPts val="0"/>
-              </a:spcBef>
-              <a:spcAft>
-                <a:spcPts val="0"/>
-              </a:spcAft>
-              <a:buClr>
-                <a:schemeClr val="dk1"/>
-              </a:buClr>
-              <a:buSzPts val="1800"/>
-              <a:buFont typeface="Open Sans"/>
-              <a:buChar char="●"/>
-            </a:pPr>
-            <a:r>
-              <a:rPr lang="en" sz="1800" dirty="0">
-                <a:solidFill>
-                  <a:schemeClr val="dk1"/>
-                </a:solidFill>
-                <a:latin typeface="Open Sans"/>
-                <a:ea typeface="Open Sans"/>
-                <a:cs typeface="Open Sans"/>
-                <a:sym typeface="Open Sans"/>
-              </a:rPr>
-              <a:t>A/B test </a:t>
-            </a:r>
-            <a:r>
-              <a:rPr lang="en-US" sz="1800" dirty="0">
-                <a:solidFill>
-                  <a:schemeClr val="dk1"/>
-                </a:solidFill>
-                <a:latin typeface="Open Sans"/>
-                <a:ea typeface="Open Sans"/>
-                <a:cs typeface="Open Sans"/>
-                <a:sym typeface="Open Sans"/>
-              </a:rPr>
-              <a:t>differences on different U.S. datasets in the 2000s.</a:t>
-            </a:r>
-            <a:endParaRPr sz="1800" dirty="0">
-              <a:solidFill>
-                <a:schemeClr val="dk1"/>
-              </a:solidFill>
-              <a:latin typeface="Open Sans"/>
-              <a:ea typeface="Open Sans"/>
-              <a:cs typeface="Open Sans"/>
-              <a:sym typeface="Open Sans"/>
-            </a:endParaRPr>
-          </a:p>
-          <a:p>
-            <a:pPr marL="0" lvl="0" indent="0" algn="l" rtl="0">
-              <a:spcBef>
-                <a:spcPts val="0"/>
-              </a:spcBef>
-              <a:spcAft>
-                <a:spcPts val="0"/>
-              </a:spcAft>
-              <a:buNone/>
-            </a:pPr>
-            <a:endParaRPr sz="1800" dirty="0">
-              <a:solidFill>
-                <a:schemeClr val="dk1"/>
-              </a:solidFill>
-              <a:latin typeface="Avenir"/>
-              <a:ea typeface="Avenir"/>
-              <a:cs typeface="Avenir"/>
-              <a:sym typeface="Avenir"/>
-            </a:endParaRPr>
+            <a:endParaRPr lang="en-US"/>
           </a:p>
         </p:txBody>
       </p:sp>
-      <p:pic>
-        <p:nvPicPr>
-          <p:cNvPr id="3" name="Picture 2" descr="A person holding a glass of wine and a pregnant person&#10;&#10;Description automatically generated">
+    </p:spTree>
+    <p:extLst>
+      <p:ext uri="{BB962C8B-B14F-4D97-AF65-F5344CB8AC3E}">
+        <p14:creationId xmlns:p14="http://schemas.microsoft.com/office/powerpoint/2010/main" val="102416973"/>
+      </p:ext>
+    </p:extLst>
+  </p:cSld>
+  <p:clrMapOvr>
+    <a:masterClrMapping/>
+  </p:clrMapOvr>
+</p:sld>
+</file>
+
+<file path=ppt/slides/slide9.xml><?xml version="1.0" encoding="utf-8"?>
+<p:sld xmlns:a="http://schemas.openxmlformats.org/drawingml/2006/main" xmlns:r="http://schemas.openxmlformats.org/officeDocument/2006/relationships" xmlns:p="http://schemas.openxmlformats.org/presentationml/2006/main">
+  <p:cSld>
+    <p:spTree>
+      <p:nvGrpSpPr>
+        <p:cNvPr id="1" name=""/>
+        <p:cNvGrpSpPr/>
+        <p:nvPr/>
+      </p:nvGrpSpPr>
+      <p:grpSpPr>
+        <a:xfrm>
+          <a:off x="0" y="0"/>
+          <a:ext cx="0" cy="0"/>
+          <a:chOff x="0" y="0"/>
+          <a:chExt cx="0" cy="0"/>
+        </a:xfrm>
+      </p:grpSpPr>
+      <p:sp>
+        <p:nvSpPr>
+          <p:cNvPr id="2" name="Title 1">
             <a:extLst>
               <a:ext uri="{FF2B5EF4-FFF2-40B4-BE49-F238E27FC236}">
-                <a16:creationId xmlns:a16="http://schemas.microsoft.com/office/drawing/2014/main" id="{D8A139D0-9F60-9506-4553-99D4A680369E}"/>
+                <a16:creationId xmlns:a16="http://schemas.microsoft.com/office/drawing/2014/main" id="{866DCE22-0A18-EE2C-6283-95C0C89522D4}"/>
               </a:ext>
             </a:extLst>
           </p:cNvPr>
-          <p:cNvPicPr>
-            <a:picLocks noChangeAspect="1"/>
-          </p:cNvPicPr>
-          <p:nvPr/>
-        </p:nvPicPr>
-        <p:blipFill>
-          <a:blip r:embed="rId3"/>
-          <a:stretch>
-            <a:fillRect/>
-          </a:stretch>
-        </p:blipFill>
-        <p:spPr>
-          <a:xfrm>
-            <a:off x="4572000" y="1132684"/>
-            <a:ext cx="4320600" cy="2878132"/>
-          </a:xfrm>
-          <a:prstGeom prst="rect">
-            <a:avLst/>
-          </a:prstGeom>
-        </p:spPr>
-      </p:pic>
+          <p:cNvSpPr>
+            <a:spLocks noGrp="1"/>
+          </p:cNvSpPr>
+          <p:nvPr>
+            <p:ph type="title"/>
+          </p:nvPr>
+        </p:nvSpPr>
+        <p:spPr/>
+        <p:txBody>
+          <a:bodyPr/>
+          <a:lstStyle/>
+          <a:p>
+            <a:endParaRPr lang="en-US"/>
+          </a:p>
+        </p:txBody>
+      </p:sp>
+      <p:sp>
+        <p:nvSpPr>
+          <p:cNvPr id="3" name="Text Placeholder 2">
+            <a:extLst>
+              <a:ext uri="{FF2B5EF4-FFF2-40B4-BE49-F238E27FC236}">
+                <a16:creationId xmlns:a16="http://schemas.microsoft.com/office/drawing/2014/main" id="{50CD661C-C438-E469-5FF0-44F717EE5D6D}"/>
+              </a:ext>
+            </a:extLst>
+          </p:cNvPr>
+          <p:cNvSpPr>
+            <a:spLocks noGrp="1"/>
+          </p:cNvSpPr>
+          <p:nvPr>
+            <p:ph type="body" idx="1"/>
+          </p:nvPr>
+        </p:nvSpPr>
+        <p:spPr/>
+        <p:txBody>
+          <a:bodyPr/>
+          <a:lstStyle/>
+          <a:p>
+            <a:endParaRPr lang="en-US"/>
+          </a:p>
+        </p:txBody>
+      </p:sp>
     </p:spTree>
+    <p:extLst>
+      <p:ext uri="{BB962C8B-B14F-4D97-AF65-F5344CB8AC3E}">
+        <p14:creationId xmlns:p14="http://schemas.microsoft.com/office/powerpoint/2010/main" val="1584348"/>
+      </p:ext>
+    </p:extLst>
   </p:cSld>
   <p:clrMapOvr>
     <a:masterClrMapping/>

--- a/Capstone Projects/Capstone_Two_Supervised_ML/Predicting_Temperature_Change.pptx
+++ b/Capstone Projects/Capstone_Two_Supervised_ML/Predicting_Temperature_Change.pptx
@@ -5,12 +5,12 @@
     <p:sldMasterId id="2147483667" r:id="rId1"/>
   </p:sldMasterIdLst>
   <p:notesMasterIdLst>
-    <p:notesMasterId r:id="rId18"/>
+    <p:notesMasterId r:id="rId16"/>
   </p:notesMasterIdLst>
   <p:sldIdLst>
     <p:sldId id="256" r:id="rId2"/>
     <p:sldId id="257" r:id="rId3"/>
-    <p:sldId id="259" r:id="rId4"/>
+    <p:sldId id="273" r:id="rId4"/>
     <p:sldId id="258" r:id="rId5"/>
     <p:sldId id="266" r:id="rId6"/>
     <p:sldId id="267" r:id="rId7"/>
@@ -19,64 +19,62 @@
     <p:sldId id="270" r:id="rId10"/>
     <p:sldId id="271" r:id="rId11"/>
     <p:sldId id="269" r:id="rId12"/>
-    <p:sldId id="260" r:id="rId13"/>
-    <p:sldId id="261" r:id="rId14"/>
-    <p:sldId id="265" r:id="rId15"/>
-    <p:sldId id="262" r:id="rId16"/>
-    <p:sldId id="263" r:id="rId17"/>
+    <p:sldId id="265" r:id="rId13"/>
+    <p:sldId id="262" r:id="rId14"/>
+    <p:sldId id="263" r:id="rId15"/>
   </p:sldIdLst>
   <p:sldSz cx="9144000" cy="5143500" type="screen16x9"/>
   <p:notesSz cx="6858000" cy="9144000"/>
   <p:embeddedFontLst>
     <p:embeddedFont>
       <p:font typeface="Days One" panose="020B0604020202020204" charset="0"/>
-      <p:regular r:id="rId19"/>
+      <p:regular r:id="rId17"/>
     </p:embeddedFont>
     <p:embeddedFont>
       <p:font typeface="IBM Plex Mono" panose="020B0509050203000203" pitchFamily="49" charset="0"/>
-      <p:regular r:id="rId20"/>
-      <p:bold r:id="rId21"/>
-      <p:italic r:id="rId22"/>
-      <p:boldItalic r:id="rId23"/>
+      <p:regular r:id="rId18"/>
+      <p:bold r:id="rId19"/>
+      <p:italic r:id="rId20"/>
+      <p:boldItalic r:id="rId21"/>
     </p:embeddedFont>
     <p:embeddedFont>
       <p:font typeface="IBM Plex Mono Medium" panose="020B0609050203000203" pitchFamily="49" charset="0"/>
-      <p:regular r:id="rId24"/>
-      <p:bold r:id="rId25"/>
-      <p:italic r:id="rId26"/>
-      <p:boldItalic r:id="rId27"/>
+      <p:regular r:id="rId22"/>
+      <p:bold r:id="rId23"/>
+      <p:italic r:id="rId24"/>
+      <p:boldItalic r:id="rId25"/>
     </p:embeddedFont>
     <p:embeddedFont>
       <p:font typeface="Michroma" panose="020B0604020202020204" charset="0"/>
-      <p:regular r:id="rId28"/>
+      <p:regular r:id="rId26"/>
     </p:embeddedFont>
     <p:embeddedFont>
       <p:font typeface="Montserrat Medium" panose="00000600000000000000" pitchFamily="2" charset="0"/>
-      <p:regular r:id="rId29"/>
-      <p:bold r:id="rId30"/>
-      <p:italic r:id="rId31"/>
-      <p:boldItalic r:id="rId32"/>
+      <p:regular r:id="rId27"/>
+      <p:bold r:id="rId28"/>
+      <p:italic r:id="rId29"/>
+      <p:boldItalic r:id="rId30"/>
     </p:embeddedFont>
     <p:embeddedFont>
       <p:font typeface="Open Sans" panose="020B0606030504020204" pitchFamily="34" charset="0"/>
-      <p:regular r:id="rId33"/>
-      <p:bold r:id="rId34"/>
-      <p:italic r:id="rId35"/>
-      <p:boldItalic r:id="rId36"/>
+      <p:regular r:id="rId31"/>
+      <p:bold r:id="rId32"/>
+      <p:italic r:id="rId33"/>
+      <p:boldItalic r:id="rId34"/>
     </p:embeddedFont>
     <p:embeddedFont>
       <p:font typeface="Raleway" pitchFamily="2" charset="0"/>
-      <p:regular r:id="rId37"/>
-      <p:bold r:id="rId38"/>
-      <p:italic r:id="rId39"/>
-      <p:boldItalic r:id="rId40"/>
+      <p:regular r:id="rId35"/>
+      <p:bold r:id="rId36"/>
+      <p:italic r:id="rId37"/>
+      <p:boldItalic r:id="rId38"/>
     </p:embeddedFont>
     <p:embeddedFont>
       <p:font typeface="Space Mono" panose="020B0604020202020204" charset="0"/>
-      <p:regular r:id="rId41"/>
-      <p:bold r:id="rId42"/>
-      <p:italic r:id="rId43"/>
-      <p:boldItalic r:id="rId44"/>
+      <p:regular r:id="rId39"/>
+      <p:bold r:id="rId40"/>
+      <p:italic r:id="rId41"/>
+      <p:boldItalic r:id="rId42"/>
     </p:embeddedFont>
   </p:embeddedFontLst>
   <p:defaultTextStyle>
@@ -864,110 +862,6 @@
 </p:notes>
 </file>
 
-<file path=ppt/notesSlides/notesSlide10.xml><?xml version="1.0" encoding="utf-8"?>
-<p:notes xmlns:a="http://schemas.openxmlformats.org/drawingml/2006/main" xmlns:r="http://schemas.openxmlformats.org/officeDocument/2006/relationships" xmlns:p="http://schemas.openxmlformats.org/presentationml/2006/main" showMasterSp="0" showMasterPhAnim="0">
-  <p:cSld>
-    <p:spTree>
-      <p:nvGrpSpPr>
-        <p:cNvPr id="1" name="Shape 128"/>
-        <p:cNvGrpSpPr/>
-        <p:nvPr/>
-      </p:nvGrpSpPr>
-      <p:grpSpPr>
-        <a:xfrm>
-          <a:off x="0" y="0"/>
-          <a:ext cx="0" cy="0"/>
-          <a:chOff x="0" y="0"/>
-          <a:chExt cx="0" cy="0"/>
-        </a:xfrm>
-      </p:grpSpPr>
-      <p:sp>
-        <p:nvSpPr>
-          <p:cNvPr id="129" name="Google Shape;129;g6c3e2eca67_2_218:notes"/>
-          <p:cNvSpPr>
-            <a:spLocks noGrp="1" noRot="1" noChangeAspect="1"/>
-          </p:cNvSpPr>
-          <p:nvPr>
-            <p:ph type="sldImg" idx="2"/>
-          </p:nvPr>
-        </p:nvSpPr>
-        <p:spPr>
-          <a:xfrm>
-            <a:off x="381000" y="685800"/>
-            <a:ext cx="6096000" cy="3429000"/>
-          </a:xfrm>
-          <a:custGeom>
-            <a:avLst/>
-            <a:gdLst/>
-            <a:ahLst/>
-            <a:cxnLst/>
-            <a:rect l="l" t="t" r="r" b="b"/>
-            <a:pathLst>
-              <a:path w="120000" h="120000" extrusionOk="0">
-                <a:moveTo>
-                  <a:pt x="0" y="0"/>
-                </a:moveTo>
-                <a:lnTo>
-                  <a:pt x="120000" y="0"/>
-                </a:lnTo>
-                <a:lnTo>
-                  <a:pt x="120000" y="120000"/>
-                </a:lnTo>
-                <a:lnTo>
-                  <a:pt x="0" y="120000"/>
-                </a:lnTo>
-                <a:close/>
-              </a:path>
-            </a:pathLst>
-          </a:custGeom>
-        </p:spPr>
-      </p:sp>
-      <p:sp>
-        <p:nvSpPr>
-          <p:cNvPr id="130" name="Google Shape;130;g6c3e2eca67_2_218:notes"/>
-          <p:cNvSpPr txBox="1">
-            <a:spLocks noGrp="1"/>
-          </p:cNvSpPr>
-          <p:nvPr>
-            <p:ph type="body" idx="1"/>
-          </p:nvPr>
-        </p:nvSpPr>
-        <p:spPr>
-          <a:xfrm>
-            <a:off x="685800" y="4343400"/>
-            <a:ext cx="5486400" cy="4114800"/>
-          </a:xfrm>
-          <a:prstGeom prst="rect">
-            <a:avLst/>
-          </a:prstGeom>
-        </p:spPr>
-        <p:txBody>
-          <a:bodyPr spcFirstLastPara="1" wrap="square" lIns="91425" tIns="91425" rIns="91425" bIns="91425" anchor="t" anchorCtr="0">
-            <a:noAutofit/>
-          </a:bodyPr>
-          <a:lstStyle/>
-          <a:p>
-            <a:pPr marL="0" lvl="0" indent="0" algn="l" rtl="0">
-              <a:spcBef>
-                <a:spcPts val="0"/>
-              </a:spcBef>
-              <a:spcAft>
-                <a:spcPts val="0"/>
-              </a:spcAft>
-              <a:buNone/>
-            </a:pPr>
-            <a:endParaRPr/>
-          </a:p>
-        </p:txBody>
-      </p:sp>
-    </p:spTree>
-  </p:cSld>
-  <p:clrMapOvr>
-    <a:masterClrMapping/>
-  </p:clrMapOvr>
-</p:notes>
-</file>
-
 <file path=ppt/notesSlides/notesSlide2.xml><?xml version="1.0" encoding="utf-8"?>
 <p:notes xmlns:a="http://schemas.openxmlformats.org/drawingml/2006/main" xmlns:r="http://schemas.openxmlformats.org/officeDocument/2006/relationships" xmlns:p="http://schemas.openxmlformats.org/presentationml/2006/main" showMasterSp="0" showMasterPhAnim="0">
   <p:cSld>
@@ -1106,7 +1000,7 @@
   <p:cSld>
     <p:spTree>
       <p:nvGrpSpPr>
-        <p:cNvPr id="1" name="Shape 103"/>
+        <p:cNvPr id="1" name="Shape 91"/>
         <p:cNvGrpSpPr/>
         <p:nvPr/>
       </p:nvGrpSpPr>
@@ -1120,7 +1014,7 @@
       </p:grpSpPr>
       <p:sp>
         <p:nvSpPr>
-          <p:cNvPr id="104" name="Google Shape;104;g6ce029fec4_0_109:notes"/>
+          <p:cNvPr id="92" name="Google Shape;92;g764e824d3e_0_133:notes"/>
           <p:cNvSpPr>
             <a:spLocks noGrp="1" noRot="1" noChangeAspect="1"/>
           </p:cNvSpPr>
@@ -1161,7 +1055,7 @@
       </p:sp>
       <p:sp>
         <p:nvSpPr>
-          <p:cNvPr id="105" name="Google Shape;105;g6ce029fec4_0_109:notes"/>
+          <p:cNvPr id="93" name="Google Shape;93;g764e824d3e_0_133:notes"/>
           <p:cNvSpPr txBox="1">
             <a:spLocks noGrp="1"/>
           </p:cNvSpPr>
@@ -1204,7 +1098,7 @@
                   <a:schemeClr val="dk1"/>
                 </a:solidFill>
               </a:rPr>
-              <a:t>Moving from research question to some kind of hypothesis -- you want to use logic, theory and prior empirical evidence to move toward some hypotheses you can test. This is why domain expertise cannot be overlooked among data scientists. </a:t>
+              <a:t>We are framing this problem in terms of a clear business need. And asking the question, what is this analysis actually going to do for our business, right? Remember, it’s our world, the statistics are just living in it! </a:t>
             </a:r>
             <a:endParaRPr>
               <a:solidFill>
@@ -1222,15 +1116,16 @@
               </a:spcAft>
               <a:buNone/>
             </a:pPr>
-            <a:endParaRPr>
-              <a:solidFill>
-                <a:schemeClr val="dk1"/>
-              </a:solidFill>
-            </a:endParaRPr>
+            <a:endParaRPr/>
           </a:p>
         </p:txBody>
       </p:sp>
     </p:spTree>
+    <p:extLst>
+      <p:ext uri="{BB962C8B-B14F-4D97-AF65-F5344CB8AC3E}">
+        <p14:creationId xmlns:p14="http://schemas.microsoft.com/office/powerpoint/2010/main" val="822037714"/>
+      </p:ext>
+    </p:extLst>
   </p:cSld>
   <p:clrMapOvr>
     <a:masterClrMapping/>
@@ -1489,339 +1384,6 @@
   <p:cSld>
     <p:spTree>
       <p:nvGrpSpPr>
-        <p:cNvPr id="1" name="Shape 109"/>
-        <p:cNvGrpSpPr/>
-        <p:nvPr/>
-      </p:nvGrpSpPr>
-      <p:grpSpPr>
-        <a:xfrm>
-          <a:off x="0" y="0"/>
-          <a:ext cx="0" cy="0"/>
-          <a:chOff x="0" y="0"/>
-          <a:chExt cx="0" cy="0"/>
-        </a:xfrm>
-      </p:grpSpPr>
-      <p:sp>
-        <p:nvSpPr>
-          <p:cNvPr id="110" name="Google Shape;110;g76b3b5cf92_0_1:notes"/>
-          <p:cNvSpPr>
-            <a:spLocks noGrp="1" noRot="1" noChangeAspect="1"/>
-          </p:cNvSpPr>
-          <p:nvPr>
-            <p:ph type="sldImg" idx="2"/>
-          </p:nvPr>
-        </p:nvSpPr>
-        <p:spPr>
-          <a:xfrm>
-            <a:off x="381000" y="685800"/>
-            <a:ext cx="6096000" cy="3429000"/>
-          </a:xfrm>
-          <a:custGeom>
-            <a:avLst/>
-            <a:gdLst/>
-            <a:ahLst/>
-            <a:cxnLst/>
-            <a:rect l="l" t="t" r="r" b="b"/>
-            <a:pathLst>
-              <a:path w="120000" h="120000" extrusionOk="0">
-                <a:moveTo>
-                  <a:pt x="0" y="0"/>
-                </a:moveTo>
-                <a:lnTo>
-                  <a:pt x="120000" y="0"/>
-                </a:lnTo>
-                <a:lnTo>
-                  <a:pt x="120000" y="120000"/>
-                </a:lnTo>
-                <a:lnTo>
-                  <a:pt x="0" y="120000"/>
-                </a:lnTo>
-                <a:close/>
-              </a:path>
-            </a:pathLst>
-          </a:custGeom>
-        </p:spPr>
-      </p:sp>
-      <p:sp>
-        <p:nvSpPr>
-          <p:cNvPr id="111" name="Google Shape;111;g76b3b5cf92_0_1:notes"/>
-          <p:cNvSpPr txBox="1">
-            <a:spLocks noGrp="1"/>
-          </p:cNvSpPr>
-          <p:nvPr>
-            <p:ph type="body" idx="1"/>
-          </p:nvPr>
-        </p:nvSpPr>
-        <p:spPr>
-          <a:xfrm>
-            <a:off x="685800" y="4343400"/>
-            <a:ext cx="5486400" cy="4114800"/>
-          </a:xfrm>
-          <a:prstGeom prst="rect">
-            <a:avLst/>
-          </a:prstGeom>
-        </p:spPr>
-        <p:txBody>
-          <a:bodyPr spcFirstLastPara="1" wrap="square" lIns="91425" tIns="91425" rIns="91425" bIns="91425" anchor="t" anchorCtr="0">
-            <a:noAutofit/>
-          </a:bodyPr>
-          <a:lstStyle/>
-          <a:p>
-            <a:pPr marL="0" lvl="0" indent="0" algn="l" rtl="0">
-              <a:spcBef>
-                <a:spcPts val="0"/>
-              </a:spcBef>
-              <a:spcAft>
-                <a:spcPts val="0"/>
-              </a:spcAft>
-              <a:buNone/>
-            </a:pPr>
-            <a:r>
-              <a:rPr lang="en">
-                <a:solidFill>
-                  <a:schemeClr val="dk1"/>
-                </a:solidFill>
-              </a:rPr>
-              <a:t>A statistical method is not a story, but we can tell a story from the statistics. For example, using confidence intervals we can put into dollars what we think would happen if we make some business move, given the data that we have. </a:t>
-            </a:r>
-            <a:endParaRPr>
-              <a:solidFill>
-                <a:schemeClr val="dk1"/>
-              </a:solidFill>
-            </a:endParaRPr>
-          </a:p>
-          <a:p>
-            <a:pPr marL="0" lvl="0" indent="0" algn="l" rtl="0">
-              <a:spcBef>
-                <a:spcPts val="0"/>
-              </a:spcBef>
-              <a:spcAft>
-                <a:spcPts val="0"/>
-              </a:spcAft>
-              <a:buNone/>
-            </a:pPr>
-            <a:endParaRPr>
-              <a:solidFill>
-                <a:schemeClr val="dk1"/>
-              </a:solidFill>
-            </a:endParaRPr>
-          </a:p>
-          <a:p>
-            <a:pPr marL="0" lvl="0" indent="0" algn="l" rtl="0">
-              <a:spcBef>
-                <a:spcPts val="0"/>
-              </a:spcBef>
-              <a:spcAft>
-                <a:spcPts val="0"/>
-              </a:spcAft>
-              <a:buClr>
-                <a:schemeClr val="dk1"/>
-              </a:buClr>
-              <a:buSzPts val="1100"/>
-              <a:buFont typeface="Arial"/>
-              <a:buNone/>
-            </a:pPr>
-            <a:r>
-              <a:rPr lang="en">
-                <a:solidFill>
-                  <a:schemeClr val="dk1"/>
-                </a:solidFill>
-              </a:rPr>
-              <a:t>The words “t-test,” “normality,” “independent samples” etc did not come up at all in this explanation! Although someone who does know about this stuff can still have confidence in the results with the way you have laid out the story and the quantifiable results. </a:t>
-            </a:r>
-            <a:endParaRPr>
-              <a:solidFill>
-                <a:schemeClr val="dk1"/>
-              </a:solidFill>
-            </a:endParaRPr>
-          </a:p>
-          <a:p>
-            <a:pPr marL="0" lvl="0" indent="0" algn="l" rtl="0">
-              <a:spcBef>
-                <a:spcPts val="0"/>
-              </a:spcBef>
-              <a:spcAft>
-                <a:spcPts val="0"/>
-              </a:spcAft>
-              <a:buNone/>
-            </a:pPr>
-            <a:endParaRPr/>
-          </a:p>
-        </p:txBody>
-      </p:sp>
-    </p:spTree>
-  </p:cSld>
-  <p:clrMapOvr>
-    <a:masterClrMapping/>
-  </p:clrMapOvr>
-</p:notes>
-</file>
-
-<file path=ppt/notesSlides/notesSlide7.xml><?xml version="1.0" encoding="utf-8"?>
-<p:notes xmlns:a="http://schemas.openxmlformats.org/drawingml/2006/main" xmlns:r="http://schemas.openxmlformats.org/officeDocument/2006/relationships" xmlns:p="http://schemas.openxmlformats.org/presentationml/2006/main" showMasterSp="0" showMasterPhAnim="0">
-  <p:cSld>
-    <p:spTree>
-      <p:nvGrpSpPr>
-        <p:cNvPr id="1" name="Shape 116"/>
-        <p:cNvGrpSpPr/>
-        <p:nvPr/>
-      </p:nvGrpSpPr>
-      <p:grpSpPr>
-        <a:xfrm>
-          <a:off x="0" y="0"/>
-          <a:ext cx="0" cy="0"/>
-          <a:chOff x="0" y="0"/>
-          <a:chExt cx="0" cy="0"/>
-        </a:xfrm>
-      </p:grpSpPr>
-      <p:sp>
-        <p:nvSpPr>
-          <p:cNvPr id="117" name="Google Shape;117;g76b3b5cf92_0_8:notes"/>
-          <p:cNvSpPr>
-            <a:spLocks noGrp="1" noRot="1" noChangeAspect="1"/>
-          </p:cNvSpPr>
-          <p:nvPr>
-            <p:ph type="sldImg" idx="2"/>
-          </p:nvPr>
-        </p:nvSpPr>
-        <p:spPr>
-          <a:xfrm>
-            <a:off x="381000" y="685800"/>
-            <a:ext cx="6096000" cy="3429000"/>
-          </a:xfrm>
-          <a:custGeom>
-            <a:avLst/>
-            <a:gdLst/>
-            <a:ahLst/>
-            <a:cxnLst/>
-            <a:rect l="l" t="t" r="r" b="b"/>
-            <a:pathLst>
-              <a:path w="120000" h="120000" extrusionOk="0">
-                <a:moveTo>
-                  <a:pt x="0" y="0"/>
-                </a:moveTo>
-                <a:lnTo>
-                  <a:pt x="120000" y="0"/>
-                </a:lnTo>
-                <a:lnTo>
-                  <a:pt x="120000" y="120000"/>
-                </a:lnTo>
-                <a:lnTo>
-                  <a:pt x="0" y="120000"/>
-                </a:lnTo>
-                <a:close/>
-              </a:path>
-            </a:pathLst>
-          </a:custGeom>
-        </p:spPr>
-      </p:sp>
-      <p:sp>
-        <p:nvSpPr>
-          <p:cNvPr id="118" name="Google Shape;118;g76b3b5cf92_0_8:notes"/>
-          <p:cNvSpPr txBox="1">
-            <a:spLocks noGrp="1"/>
-          </p:cNvSpPr>
-          <p:nvPr>
-            <p:ph type="body" idx="1"/>
-          </p:nvPr>
-        </p:nvSpPr>
-        <p:spPr>
-          <a:xfrm>
-            <a:off x="685800" y="4343400"/>
-            <a:ext cx="5486400" cy="4114800"/>
-          </a:xfrm>
-          <a:prstGeom prst="rect">
-            <a:avLst/>
-          </a:prstGeom>
-        </p:spPr>
-        <p:txBody>
-          <a:bodyPr spcFirstLastPara="1" wrap="square" lIns="91425" tIns="91425" rIns="91425" bIns="91425" anchor="t" anchorCtr="0">
-            <a:noAutofit/>
-          </a:bodyPr>
-          <a:lstStyle/>
-          <a:p>
-            <a:pPr marL="0" lvl="0" indent="0" algn="l" rtl="0">
-              <a:spcBef>
-                <a:spcPts val="0"/>
-              </a:spcBef>
-              <a:spcAft>
-                <a:spcPts val="0"/>
-              </a:spcAft>
-              <a:buNone/>
-            </a:pPr>
-            <a:r>
-              <a:rPr lang="en" u="sng">
-                <a:solidFill>
-                  <a:schemeClr val="accent5"/>
-                </a:solidFill>
-                <a:hlinkClick r:id="rId3">
-                  <a:extLst>
-                    <a:ext uri="{A12FA001-AC4F-418D-AE19-62706E023703}">
-                      <ahyp:hlinkClr xmlns:ahyp="http://schemas.microsoft.com/office/drawing/2018/hyperlinkcolor" val="tx"/>
-                    </a:ext>
-                  </a:extLst>
-                </a:hlinkClick>
-              </a:rPr>
-              <a:t>https://unsplash.com/photos/OX_en7CXMj4</a:t>
-            </a:r>
-            <a:r>
-              <a:rPr lang="en">
-                <a:solidFill>
-                  <a:schemeClr val="dk1"/>
-                </a:solidFill>
-              </a:rPr>
-              <a:t>  </a:t>
-            </a:r>
-            <a:endParaRPr>
-              <a:solidFill>
-                <a:schemeClr val="dk1"/>
-              </a:solidFill>
-            </a:endParaRPr>
-          </a:p>
-          <a:p>
-            <a:pPr marL="0" lvl="0" indent="0" algn="l" rtl="0">
-              <a:spcBef>
-                <a:spcPts val="0"/>
-              </a:spcBef>
-              <a:spcAft>
-                <a:spcPts val="0"/>
-              </a:spcAft>
-              <a:buClr>
-                <a:schemeClr val="dk1"/>
-              </a:buClr>
-              <a:buSzPts val="1100"/>
-              <a:buFont typeface="Arial"/>
-              <a:buNone/>
-            </a:pPr>
-            <a:r>
-              <a:rPr lang="en">
-                <a:solidFill>
-                  <a:schemeClr val="dk1"/>
-                </a:solidFill>
-              </a:rPr>
-              <a:t>Then we want to move to recommendations, what is the call to action? What should your audience do now that they know what you have told them?</a:t>
-            </a:r>
-            <a:endParaRPr>
-              <a:solidFill>
-                <a:schemeClr val="dk1"/>
-              </a:solidFill>
-            </a:endParaRPr>
-          </a:p>
-        </p:txBody>
-      </p:sp>
-    </p:spTree>
-  </p:cSld>
-  <p:clrMapOvr>
-    <a:masterClrMapping/>
-  </p:clrMapOvr>
-</p:notes>
-</file>
-
-<file path=ppt/notesSlides/notesSlide8.xml><?xml version="1.0" encoding="utf-8"?>
-<p:notes xmlns:a="http://schemas.openxmlformats.org/drawingml/2006/main" xmlns:r="http://schemas.openxmlformats.org/officeDocument/2006/relationships" xmlns:p="http://schemas.openxmlformats.org/presentationml/2006/main" showMasterSp="0" showMasterPhAnim="0">
-  <p:cSld>
-    <p:spTree>
-      <p:nvGrpSpPr>
         <p:cNvPr id="1" name="Shape 97"/>
         <p:cNvGrpSpPr/>
         <p:nvPr/>
@@ -1930,7 +1492,7 @@
 </p:notes>
 </file>
 
-<file path=ppt/notesSlides/notesSlide9.xml><?xml version="1.0" encoding="utf-8"?>
+<file path=ppt/notesSlides/notesSlide7.xml><?xml version="1.0" encoding="utf-8"?>
 <p:notes xmlns:a="http://schemas.openxmlformats.org/drawingml/2006/main" xmlns:r="http://schemas.openxmlformats.org/officeDocument/2006/relationships" xmlns:p="http://schemas.openxmlformats.org/presentationml/2006/main" showMasterSp="0" showMasterPhAnim="0">
   <p:cSld>
     <p:spTree>
@@ -1991,6 +1553,110 @@
       <p:sp>
         <p:nvSpPr>
           <p:cNvPr id="125" name="Google Shape;125;g76b3b5cf92_0_15:notes"/>
+          <p:cNvSpPr txBox="1">
+            <a:spLocks noGrp="1"/>
+          </p:cNvSpPr>
+          <p:nvPr>
+            <p:ph type="body" idx="1"/>
+          </p:nvPr>
+        </p:nvSpPr>
+        <p:spPr>
+          <a:xfrm>
+            <a:off x="685800" y="4343400"/>
+            <a:ext cx="5486400" cy="4114800"/>
+          </a:xfrm>
+          <a:prstGeom prst="rect">
+            <a:avLst/>
+          </a:prstGeom>
+        </p:spPr>
+        <p:txBody>
+          <a:bodyPr spcFirstLastPara="1" wrap="square" lIns="91425" tIns="91425" rIns="91425" bIns="91425" anchor="t" anchorCtr="0">
+            <a:noAutofit/>
+          </a:bodyPr>
+          <a:lstStyle/>
+          <a:p>
+            <a:pPr marL="0" lvl="0" indent="0" algn="l" rtl="0">
+              <a:spcBef>
+                <a:spcPts val="0"/>
+              </a:spcBef>
+              <a:spcAft>
+                <a:spcPts val="0"/>
+              </a:spcAft>
+              <a:buNone/>
+            </a:pPr>
+            <a:endParaRPr/>
+          </a:p>
+        </p:txBody>
+      </p:sp>
+    </p:spTree>
+  </p:cSld>
+  <p:clrMapOvr>
+    <a:masterClrMapping/>
+  </p:clrMapOvr>
+</p:notes>
+</file>
+
+<file path=ppt/notesSlides/notesSlide8.xml><?xml version="1.0" encoding="utf-8"?>
+<p:notes xmlns:a="http://schemas.openxmlformats.org/drawingml/2006/main" xmlns:r="http://schemas.openxmlformats.org/officeDocument/2006/relationships" xmlns:p="http://schemas.openxmlformats.org/presentationml/2006/main" showMasterSp="0" showMasterPhAnim="0">
+  <p:cSld>
+    <p:spTree>
+      <p:nvGrpSpPr>
+        <p:cNvPr id="1" name="Shape 128"/>
+        <p:cNvGrpSpPr/>
+        <p:nvPr/>
+      </p:nvGrpSpPr>
+      <p:grpSpPr>
+        <a:xfrm>
+          <a:off x="0" y="0"/>
+          <a:ext cx="0" cy="0"/>
+          <a:chOff x="0" y="0"/>
+          <a:chExt cx="0" cy="0"/>
+        </a:xfrm>
+      </p:grpSpPr>
+      <p:sp>
+        <p:nvSpPr>
+          <p:cNvPr id="129" name="Google Shape;129;g6c3e2eca67_2_218:notes"/>
+          <p:cNvSpPr>
+            <a:spLocks noGrp="1" noRot="1" noChangeAspect="1"/>
+          </p:cNvSpPr>
+          <p:nvPr>
+            <p:ph type="sldImg" idx="2"/>
+          </p:nvPr>
+        </p:nvSpPr>
+        <p:spPr>
+          <a:xfrm>
+            <a:off x="381000" y="685800"/>
+            <a:ext cx="6096000" cy="3429000"/>
+          </a:xfrm>
+          <a:custGeom>
+            <a:avLst/>
+            <a:gdLst/>
+            <a:ahLst/>
+            <a:cxnLst/>
+            <a:rect l="l" t="t" r="r" b="b"/>
+            <a:pathLst>
+              <a:path w="120000" h="120000" extrusionOk="0">
+                <a:moveTo>
+                  <a:pt x="0" y="0"/>
+                </a:moveTo>
+                <a:lnTo>
+                  <a:pt x="120000" y="0"/>
+                </a:lnTo>
+                <a:lnTo>
+                  <a:pt x="120000" y="120000"/>
+                </a:lnTo>
+                <a:lnTo>
+                  <a:pt x="0" y="120000"/>
+                </a:lnTo>
+                <a:close/>
+              </a:path>
+            </a:pathLst>
+          </a:custGeom>
+        </p:spPr>
+      </p:sp>
+      <p:sp>
+        <p:nvSpPr>
+          <p:cNvPr id="130" name="Google Shape;130;g6c3e2eca67_2_218:notes"/>
           <p:cNvSpPr txBox="1">
             <a:spLocks noGrp="1"/>
           </p:cNvSpPr>
@@ -5900,114 +5566,6 @@
       <p:sp>
         <p:nvSpPr>
           <p:cNvPr id="83" name="Google Shape;83;p19"/>
-          <p:cNvSpPr txBox="1">
-            <a:spLocks noGrp="1"/>
-          </p:cNvSpPr>
-          <p:nvPr>
-            <p:ph type="sldNum" idx="12"/>
-          </p:nvPr>
-        </p:nvSpPr>
-        <p:spPr>
-          <a:xfrm>
-            <a:off x="8208831" y="198250"/>
-            <a:ext cx="714000" cy="223800"/>
-          </a:xfrm>
-          <a:prstGeom prst="rect">
-            <a:avLst/>
-          </a:prstGeom>
-          <a:noFill/>
-          <a:ln>
-            <a:noFill/>
-          </a:ln>
-        </p:spPr>
-        <p:txBody>
-          <a:bodyPr spcFirstLastPara="1" wrap="square" lIns="91425" tIns="91425" rIns="91425" bIns="91425" anchor="ctr" anchorCtr="0">
-            <a:noAutofit/>
-          </a:bodyPr>
-          <a:lstStyle>
-            <a:lvl1pPr lvl="0" rtl="0">
-              <a:buNone/>
-              <a:defRPr/>
-            </a:lvl1pPr>
-            <a:lvl2pPr lvl="1" rtl="0">
-              <a:buNone/>
-              <a:defRPr/>
-            </a:lvl2pPr>
-            <a:lvl3pPr lvl="2" rtl="0">
-              <a:buNone/>
-              <a:defRPr/>
-            </a:lvl3pPr>
-            <a:lvl4pPr lvl="3" rtl="0">
-              <a:buNone/>
-              <a:defRPr/>
-            </a:lvl4pPr>
-            <a:lvl5pPr lvl="4" rtl="0">
-              <a:buNone/>
-              <a:defRPr/>
-            </a:lvl5pPr>
-            <a:lvl6pPr lvl="5" rtl="0">
-              <a:buNone/>
-              <a:defRPr/>
-            </a:lvl6pPr>
-            <a:lvl7pPr lvl="6" rtl="0">
-              <a:buNone/>
-              <a:defRPr/>
-            </a:lvl7pPr>
-            <a:lvl8pPr lvl="7" rtl="0">
-              <a:buNone/>
-              <a:defRPr/>
-            </a:lvl8pPr>
-            <a:lvl9pPr lvl="8" rtl="0">
-              <a:buNone/>
-              <a:defRPr/>
-            </a:lvl9pPr>
-          </a:lstStyle>
-          <a:p>
-            <a:pPr marL="0" lvl="0" indent="0" algn="l" rtl="0">
-              <a:spcBef>
-                <a:spcPts val="0"/>
-              </a:spcBef>
-              <a:spcAft>
-                <a:spcPts val="0"/>
-              </a:spcAft>
-              <a:buNone/>
-            </a:pPr>
-            <a:fld id="{00000000-1234-1234-1234-123412341234}" type="slidenum">
-              <a:rPr lang="en"/>
-              <a:t>‹#›</a:t>
-            </a:fld>
-            <a:endParaRPr/>
-          </a:p>
-        </p:txBody>
-      </p:sp>
-    </p:spTree>
-  </p:cSld>
-  <p:clrMapOvr>
-    <a:masterClrMapping/>
-  </p:clrMapOvr>
-</p:sldLayout>
-</file>
-
-<file path=ppt/slideLayouts/slideLayout19.xml><?xml version="1.0" encoding="utf-8"?>
-<p:sldLayout xmlns:a="http://schemas.openxmlformats.org/drawingml/2006/main" xmlns:r="http://schemas.openxmlformats.org/officeDocument/2006/relationships" xmlns:p="http://schemas.openxmlformats.org/presentationml/2006/main" matchingName="Blank" type="blank">
-  <p:cSld name="BLANK">
-    <p:spTree>
-      <p:nvGrpSpPr>
-        <p:cNvPr id="1" name="Shape 84"/>
-        <p:cNvGrpSpPr/>
-        <p:nvPr/>
-      </p:nvGrpSpPr>
-      <p:grpSpPr>
-        <a:xfrm>
-          <a:off x="0" y="0"/>
-          <a:ext cx="0" cy="0"/>
-          <a:chOff x="0" y="0"/>
-          <a:chExt cx="0" cy="0"/>
-        </a:xfrm>
-      </p:grpSpPr>
-      <p:sp>
-        <p:nvSpPr>
-          <p:cNvPr id="85" name="Google Shape;85;p20"/>
           <p:cNvSpPr txBox="1">
             <a:spLocks noGrp="1"/>
           </p:cNvSpPr>
@@ -10901,7 +10459,7 @@
           <p:nvPr userDrawn="1"/>
         </p:nvPicPr>
         <p:blipFill>
-          <a:blip r:embed="rId21">
+          <a:blip r:embed="rId20">
             <a:alphaModFix/>
           </a:blip>
           <a:stretch>
@@ -10996,7 +10554,6 @@
     <p:sldLayoutId id="2147483663" r:id="rId16"/>
     <p:sldLayoutId id="2147483664" r:id="rId17"/>
     <p:sldLayoutId id="2147483665" r:id="rId18"/>
-    <p:sldLayoutId id="2147483666" r:id="rId19"/>
   </p:sldLayoutIdLst>
   <p:hf sldNum="0" hdr="0" ftr="0" dt="0"/>
   <p:txStyles>
@@ -12006,497 +11563,6 @@
 <file path=ppt/slides/slide12.xml><?xml version="1.0" encoding="utf-8"?>
 <p:sld xmlns:a="http://schemas.openxmlformats.org/drawingml/2006/main" xmlns:r="http://schemas.openxmlformats.org/officeDocument/2006/relationships" xmlns:p="http://schemas.openxmlformats.org/presentationml/2006/main">
   <p:cSld>
-    <p:bg>
-      <p:bgPr>
-        <a:solidFill>
-          <a:srgbClr val="FFFFFF"/>
-        </a:solidFill>
-        <a:effectLst/>
-      </p:bgPr>
-    </p:bg>
-    <p:spTree>
-      <p:nvGrpSpPr>
-        <p:cNvPr id="1" name="Shape 112"/>
-        <p:cNvGrpSpPr/>
-        <p:nvPr/>
-      </p:nvGrpSpPr>
-      <p:grpSpPr>
-        <a:xfrm>
-          <a:off x="0" y="0"/>
-          <a:ext cx="0" cy="0"/>
-          <a:chOff x="0" y="0"/>
-          <a:chExt cx="0" cy="0"/>
-        </a:xfrm>
-      </p:grpSpPr>
-      <p:sp>
-        <p:nvSpPr>
-          <p:cNvPr id="113" name="Google Shape;113;p25"/>
-          <p:cNvSpPr txBox="1">
-            <a:spLocks noGrp="1"/>
-          </p:cNvSpPr>
-          <p:nvPr>
-            <p:ph type="subTitle" idx="4294967295"/>
-          </p:nvPr>
-        </p:nvSpPr>
-        <p:spPr>
-          <a:xfrm>
-            <a:off x="291600" y="574450"/>
-            <a:ext cx="6696900" cy="516000"/>
-          </a:xfrm>
-          <a:prstGeom prst="rect">
-            <a:avLst/>
-          </a:prstGeom>
-        </p:spPr>
-        <p:txBody>
-          <a:bodyPr spcFirstLastPara="1" wrap="square" lIns="91425" tIns="91425" rIns="91425" bIns="91425" anchor="t" anchorCtr="0">
-            <a:noAutofit/>
-          </a:bodyPr>
-          <a:lstStyle/>
-          <a:p>
-            <a:pPr marL="0" lvl="0" indent="0" algn="l" rtl="0">
-              <a:lnSpc>
-                <a:spcPct val="115000"/>
-              </a:lnSpc>
-              <a:spcBef>
-                <a:spcPts val="0"/>
-              </a:spcBef>
-              <a:spcAft>
-                <a:spcPts val="1600"/>
-              </a:spcAft>
-              <a:buNone/>
-            </a:pPr>
-            <a:r>
-              <a:rPr lang="en" sz="1800" dirty="0">
-                <a:solidFill>
-                  <a:srgbClr val="000000"/>
-                </a:solidFill>
-              </a:rPr>
-              <a:t>Statistically significant difference between mothers who smoke and non-smokers:</a:t>
-            </a:r>
-            <a:endParaRPr sz="1800" dirty="0">
-              <a:solidFill>
-                <a:srgbClr val="000000"/>
-              </a:solidFill>
-            </a:endParaRPr>
-          </a:p>
-        </p:txBody>
-      </p:sp>
-      <p:sp>
-        <p:nvSpPr>
-          <p:cNvPr id="114" name="Google Shape;114;p25"/>
-          <p:cNvSpPr txBox="1">
-            <a:spLocks noGrp="1"/>
-          </p:cNvSpPr>
-          <p:nvPr>
-            <p:ph type="subTitle" idx="4294967295"/>
-          </p:nvPr>
-        </p:nvSpPr>
-        <p:spPr>
-          <a:xfrm>
-            <a:off x="4710050" y="1715650"/>
-            <a:ext cx="4320600" cy="1346400"/>
-          </a:xfrm>
-          <a:prstGeom prst="rect">
-            <a:avLst/>
-          </a:prstGeom>
-        </p:spPr>
-        <p:txBody>
-          <a:bodyPr spcFirstLastPara="1" wrap="square" lIns="91425" tIns="91425" rIns="91425" bIns="91425" anchor="t" anchorCtr="0">
-            <a:noAutofit/>
-          </a:bodyPr>
-          <a:lstStyle/>
-          <a:p>
-            <a:pPr marL="457200" lvl="0" indent="-342900" algn="l" rtl="0">
-              <a:spcBef>
-                <a:spcPts val="0"/>
-              </a:spcBef>
-              <a:spcAft>
-                <a:spcPts val="0"/>
-              </a:spcAft>
-              <a:buClr>
-                <a:schemeClr val="dk1"/>
-              </a:buClr>
-              <a:buSzPts val="1800"/>
-              <a:buFont typeface="Open Sans"/>
-              <a:buChar char="●"/>
-            </a:pPr>
-            <a:r>
-              <a:rPr lang="en" sz="1600" dirty="0">
-                <a:solidFill>
-                  <a:schemeClr val="dk1"/>
-                </a:solidFill>
-                <a:latin typeface="Open Sans"/>
-                <a:ea typeface="Open Sans"/>
-                <a:cs typeface="Open Sans"/>
-                <a:sym typeface="Open Sans"/>
-              </a:rPr>
-              <a:t>With 95% confidence, the average weight of newborns from non-smokers is between 7 and 11 ounces higher </a:t>
-            </a:r>
-            <a:r>
-              <a:rPr lang="en-US" sz="1600" dirty="0">
-                <a:solidFill>
-                  <a:schemeClr val="dk1"/>
-                </a:solidFill>
-                <a:latin typeface="Open Sans"/>
-                <a:ea typeface="Open Sans"/>
-                <a:cs typeface="Open Sans"/>
-                <a:sym typeface="Open Sans"/>
-              </a:rPr>
-              <a:t>than newborns from smokers.</a:t>
-            </a:r>
-          </a:p>
-          <a:p>
-            <a:pPr marL="114300" lvl="0" indent="0" algn="l" rtl="0">
-              <a:spcBef>
-                <a:spcPts val="0"/>
-              </a:spcBef>
-              <a:spcAft>
-                <a:spcPts val="0"/>
-              </a:spcAft>
-              <a:buClr>
-                <a:schemeClr val="dk1"/>
-              </a:buClr>
-              <a:buSzPts val="1800"/>
-              <a:buNone/>
-            </a:pPr>
-            <a:endParaRPr sz="1600" dirty="0">
-              <a:solidFill>
-                <a:schemeClr val="dk1"/>
-              </a:solidFill>
-              <a:latin typeface="Open Sans"/>
-              <a:ea typeface="Open Sans"/>
-              <a:cs typeface="Open Sans"/>
-              <a:sym typeface="Open Sans"/>
-            </a:endParaRPr>
-          </a:p>
-          <a:p>
-            <a:pPr marL="457200" lvl="0" indent="-342900" algn="l" rtl="0">
-              <a:spcBef>
-                <a:spcPts val="0"/>
-              </a:spcBef>
-              <a:spcAft>
-                <a:spcPts val="0"/>
-              </a:spcAft>
-              <a:buClr>
-                <a:schemeClr val="dk1"/>
-              </a:buClr>
-              <a:buSzPts val="1800"/>
-              <a:buFont typeface="Open Sans"/>
-              <a:buChar char="●"/>
-            </a:pPr>
-            <a:r>
-              <a:rPr lang="en" sz="1600" dirty="0">
-                <a:solidFill>
-                  <a:schemeClr val="dk1"/>
-                </a:solidFill>
-                <a:latin typeface="Open Sans"/>
-                <a:ea typeface="Open Sans"/>
-                <a:cs typeface="Open Sans"/>
-                <a:sym typeface="Open Sans"/>
-              </a:rPr>
-              <a:t>The average weight of newborns from smokers is 114 ounces while the average weight of non-smokers is 123 ounces.</a:t>
-            </a:r>
-            <a:endParaRPr sz="1600" dirty="0">
-              <a:solidFill>
-                <a:srgbClr val="000000"/>
-              </a:solidFill>
-              <a:latin typeface="Open Sans"/>
-              <a:ea typeface="Open Sans"/>
-              <a:cs typeface="Open Sans"/>
-              <a:sym typeface="Open Sans"/>
-            </a:endParaRPr>
-          </a:p>
-        </p:txBody>
-      </p:sp>
-      <p:pic>
-        <p:nvPicPr>
-          <p:cNvPr id="3" name="Picture 2" descr="A graph showing a number of babies&#10;&#10;Description automatically generated">
-            <a:extLst>
-              <a:ext uri="{FF2B5EF4-FFF2-40B4-BE49-F238E27FC236}">
-                <a16:creationId xmlns:a16="http://schemas.microsoft.com/office/drawing/2014/main" id="{B64ABBFB-E62D-3042-30AC-16A43EB637AE}"/>
-              </a:ext>
-            </a:extLst>
-          </p:cNvPr>
-          <p:cNvPicPr>
-            <a:picLocks noChangeAspect="1"/>
-          </p:cNvPicPr>
-          <p:nvPr/>
-        </p:nvPicPr>
-        <p:blipFill>
-          <a:blip r:embed="rId3"/>
-          <a:stretch>
-            <a:fillRect/>
-          </a:stretch>
-        </p:blipFill>
-        <p:spPr>
-          <a:xfrm>
-            <a:off x="366136" y="1587626"/>
-            <a:ext cx="4129664" cy="2948848"/>
-          </a:xfrm>
-          <a:prstGeom prst="rect">
-            <a:avLst/>
-          </a:prstGeom>
-        </p:spPr>
-      </p:pic>
-    </p:spTree>
-  </p:cSld>
-  <p:clrMapOvr>
-    <a:masterClrMapping/>
-  </p:clrMapOvr>
-</p:sld>
-</file>
-
-<file path=ppt/slides/slide13.xml><?xml version="1.0" encoding="utf-8"?>
-<p:sld xmlns:a="http://schemas.openxmlformats.org/drawingml/2006/main" xmlns:r="http://schemas.openxmlformats.org/officeDocument/2006/relationships" xmlns:p="http://schemas.openxmlformats.org/presentationml/2006/main">
-  <p:cSld>
-    <p:bg>
-      <p:bgPr>
-        <a:solidFill>
-          <a:srgbClr val="FFFFFF"/>
-        </a:solidFill>
-        <a:effectLst/>
-      </p:bgPr>
-    </p:bg>
-    <p:spTree>
-      <p:nvGrpSpPr>
-        <p:cNvPr id="1" name="Shape 119"/>
-        <p:cNvGrpSpPr/>
-        <p:nvPr/>
-      </p:nvGrpSpPr>
-      <p:grpSpPr>
-        <a:xfrm>
-          <a:off x="0" y="0"/>
-          <a:ext cx="0" cy="0"/>
-          <a:chOff x="0" y="0"/>
-          <a:chExt cx="0" cy="0"/>
-        </a:xfrm>
-      </p:grpSpPr>
-      <p:sp>
-        <p:nvSpPr>
-          <p:cNvPr id="120" name="Google Shape;120;p26"/>
-          <p:cNvSpPr txBox="1">
-            <a:spLocks noGrp="1"/>
-          </p:cNvSpPr>
-          <p:nvPr>
-            <p:ph type="subTitle" idx="4294967295"/>
-          </p:nvPr>
-        </p:nvSpPr>
-        <p:spPr>
-          <a:xfrm>
-            <a:off x="291600" y="574450"/>
-            <a:ext cx="6696900" cy="516000"/>
-          </a:xfrm>
-          <a:prstGeom prst="rect">
-            <a:avLst/>
-          </a:prstGeom>
-        </p:spPr>
-        <p:txBody>
-          <a:bodyPr spcFirstLastPara="1" wrap="square" lIns="91425" tIns="91425" rIns="91425" bIns="91425" anchor="t" anchorCtr="0">
-            <a:noAutofit/>
-          </a:bodyPr>
-          <a:lstStyle/>
-          <a:p>
-            <a:pPr marL="0" lvl="0" indent="0" algn="l" rtl="0">
-              <a:lnSpc>
-                <a:spcPct val="115000"/>
-              </a:lnSpc>
-              <a:spcBef>
-                <a:spcPts val="0"/>
-              </a:spcBef>
-              <a:spcAft>
-                <a:spcPts val="1600"/>
-              </a:spcAft>
-              <a:buNone/>
-            </a:pPr>
-            <a:r>
-              <a:rPr lang="en" sz="1800" dirty="0">
-                <a:solidFill>
-                  <a:srgbClr val="000000"/>
-                </a:solidFill>
-              </a:rPr>
-              <a:t>Other factors influencing birth weight?</a:t>
-            </a:r>
-            <a:endParaRPr sz="1800" dirty="0">
-              <a:solidFill>
-                <a:srgbClr val="000000"/>
-              </a:solidFill>
-            </a:endParaRPr>
-          </a:p>
-        </p:txBody>
-      </p:sp>
-      <p:sp>
-        <p:nvSpPr>
-          <p:cNvPr id="121" name="Google Shape;121;p26"/>
-          <p:cNvSpPr txBox="1">
-            <a:spLocks noGrp="1"/>
-          </p:cNvSpPr>
-          <p:nvPr>
-            <p:ph type="subTitle" idx="4294967295"/>
-          </p:nvPr>
-        </p:nvSpPr>
-        <p:spPr>
-          <a:xfrm>
-            <a:off x="72800" y="1594350"/>
-            <a:ext cx="4320600" cy="1346400"/>
-          </a:xfrm>
-          <a:prstGeom prst="rect">
-            <a:avLst/>
-          </a:prstGeom>
-        </p:spPr>
-        <p:txBody>
-          <a:bodyPr spcFirstLastPara="1" wrap="square" lIns="91425" tIns="91425" rIns="91425" bIns="91425" anchor="t" anchorCtr="0">
-            <a:noAutofit/>
-          </a:bodyPr>
-          <a:lstStyle/>
-          <a:p>
-            <a:pPr marL="457200" lvl="0" indent="-342900" algn="l" rtl="0">
-              <a:spcBef>
-                <a:spcPts val="0"/>
-              </a:spcBef>
-              <a:spcAft>
-                <a:spcPts val="0"/>
-              </a:spcAft>
-              <a:buClr>
-                <a:schemeClr val="dk1"/>
-              </a:buClr>
-              <a:buSzPts val="1800"/>
-              <a:buFont typeface="Open Sans"/>
-              <a:buChar char="●"/>
-            </a:pPr>
-            <a:r>
-              <a:rPr lang="en-US" sz="1800" dirty="0">
-                <a:solidFill>
-                  <a:schemeClr val="dk1"/>
-                </a:solidFill>
-                <a:latin typeface="Open Sans"/>
-                <a:ea typeface="Open Sans"/>
-                <a:cs typeface="Open Sans"/>
-                <a:sym typeface="Open Sans"/>
-              </a:rPr>
-              <a:t>Alcohol consumption and the total length of the pregnancy. </a:t>
-            </a:r>
-            <a:endParaRPr sz="1800" dirty="0">
-              <a:solidFill>
-                <a:schemeClr val="dk1"/>
-              </a:solidFill>
-              <a:latin typeface="Open Sans"/>
-              <a:ea typeface="Open Sans"/>
-              <a:cs typeface="Open Sans"/>
-              <a:sym typeface="Open Sans"/>
-            </a:endParaRPr>
-          </a:p>
-          <a:p>
-            <a:pPr marL="457200" lvl="0" indent="-342900" algn="l" rtl="0">
-              <a:spcBef>
-                <a:spcPts val="0"/>
-              </a:spcBef>
-              <a:spcAft>
-                <a:spcPts val="0"/>
-              </a:spcAft>
-              <a:buClr>
-                <a:schemeClr val="dk1"/>
-              </a:buClr>
-              <a:buSzPts val="1800"/>
-              <a:buFont typeface="Open Sans"/>
-              <a:buChar char="●"/>
-            </a:pPr>
-            <a:r>
-              <a:rPr lang="en" sz="1800" dirty="0">
-                <a:solidFill>
-                  <a:schemeClr val="dk1"/>
-                </a:solidFill>
-                <a:latin typeface="Open Sans"/>
-                <a:ea typeface="Open Sans"/>
-                <a:cs typeface="Open Sans"/>
-                <a:sym typeface="Open Sans"/>
-              </a:rPr>
-              <a:t>A/B test </a:t>
-            </a:r>
-            <a:r>
-              <a:rPr lang="en-US" sz="1800" dirty="0">
-                <a:solidFill>
-                  <a:schemeClr val="dk1"/>
-                </a:solidFill>
-                <a:latin typeface="Open Sans"/>
-                <a:ea typeface="Open Sans"/>
-                <a:cs typeface="Open Sans"/>
-                <a:sym typeface="Open Sans"/>
-              </a:rPr>
-              <a:t>differences on different U.S. datasets in the 2000s.</a:t>
-            </a:r>
-            <a:endParaRPr sz="1800" dirty="0">
-              <a:solidFill>
-                <a:schemeClr val="dk1"/>
-              </a:solidFill>
-              <a:latin typeface="Open Sans"/>
-              <a:ea typeface="Open Sans"/>
-              <a:cs typeface="Open Sans"/>
-              <a:sym typeface="Open Sans"/>
-            </a:endParaRPr>
-          </a:p>
-          <a:p>
-            <a:pPr marL="0" lvl="0" indent="0" algn="l" rtl="0">
-              <a:spcBef>
-                <a:spcPts val="0"/>
-              </a:spcBef>
-              <a:spcAft>
-                <a:spcPts val="0"/>
-              </a:spcAft>
-              <a:buNone/>
-            </a:pPr>
-            <a:endParaRPr sz="1800" dirty="0">
-              <a:solidFill>
-                <a:schemeClr val="dk1"/>
-              </a:solidFill>
-              <a:latin typeface="Avenir"/>
-              <a:ea typeface="Avenir"/>
-              <a:cs typeface="Avenir"/>
-              <a:sym typeface="Avenir"/>
-            </a:endParaRPr>
-          </a:p>
-        </p:txBody>
-      </p:sp>
-      <p:pic>
-        <p:nvPicPr>
-          <p:cNvPr id="3" name="Picture 2" descr="A person holding a glass of wine and a pregnant person&#10;&#10;Description automatically generated">
-            <a:extLst>
-              <a:ext uri="{FF2B5EF4-FFF2-40B4-BE49-F238E27FC236}">
-                <a16:creationId xmlns:a16="http://schemas.microsoft.com/office/drawing/2014/main" id="{D8A139D0-9F60-9506-4553-99D4A680369E}"/>
-              </a:ext>
-            </a:extLst>
-          </p:cNvPr>
-          <p:cNvPicPr>
-            <a:picLocks noChangeAspect="1"/>
-          </p:cNvPicPr>
-          <p:nvPr/>
-        </p:nvPicPr>
-        <p:blipFill>
-          <a:blip r:embed="rId3"/>
-          <a:stretch>
-            <a:fillRect/>
-          </a:stretch>
-        </p:blipFill>
-        <p:spPr>
-          <a:xfrm>
-            <a:off x="4572000" y="1132684"/>
-            <a:ext cx="4320600" cy="2878132"/>
-          </a:xfrm>
-          <a:prstGeom prst="rect">
-            <a:avLst/>
-          </a:prstGeom>
-        </p:spPr>
-      </p:pic>
-    </p:spTree>
-  </p:cSld>
-  <p:clrMapOvr>
-    <a:masterClrMapping/>
-  </p:clrMapOvr>
-</p:sld>
-</file>
-
-<file path=ppt/slides/slide14.xml><?xml version="1.0" encoding="utf-8"?>
-<p:sld xmlns:a="http://schemas.openxmlformats.org/drawingml/2006/main" xmlns:r="http://schemas.openxmlformats.org/officeDocument/2006/relationships" xmlns:p="http://schemas.openxmlformats.org/presentationml/2006/main">
-  <p:cSld>
     <p:spTree>
       <p:nvGrpSpPr>
         <p:cNvPr id="1" name="Shape 100"/>
@@ -12730,7 +11796,7 @@
 </p:sld>
 </file>
 
-<file path=ppt/slides/slide15.xml><?xml version="1.0" encoding="utf-8"?>
+<file path=ppt/slides/slide13.xml><?xml version="1.0" encoding="utf-8"?>
 <p:sld xmlns:a="http://schemas.openxmlformats.org/drawingml/2006/main" xmlns:r="http://schemas.openxmlformats.org/officeDocument/2006/relationships" xmlns:p="http://schemas.openxmlformats.org/presentationml/2006/main">
   <p:cSld>
     <p:spTree>
@@ -12797,7 +11863,7 @@
 </p:sld>
 </file>
 
-<file path=ppt/slides/slide16.xml><?xml version="1.0" encoding="utf-8"?>
+<file path=ppt/slides/slide14.xml><?xml version="1.0" encoding="utf-8"?>
 <p:sld xmlns:a="http://schemas.openxmlformats.org/drawingml/2006/main" xmlns:r="http://schemas.openxmlformats.org/officeDocument/2006/relationships" xmlns:p="http://schemas.openxmlformats.org/presentationml/2006/main">
   <p:cSld>
     <p:spTree>
@@ -13114,17 +12180,9 @@
 <file path=ppt/slides/slide3.xml><?xml version="1.0" encoding="utf-8"?>
 <p:sld xmlns:a="http://schemas.openxmlformats.org/drawingml/2006/main" xmlns:r="http://schemas.openxmlformats.org/officeDocument/2006/relationships" xmlns:p="http://schemas.openxmlformats.org/presentationml/2006/main">
   <p:cSld>
-    <p:bg>
-      <p:bgPr>
-        <a:solidFill>
-          <a:srgbClr val="FFFFFF"/>
-        </a:solidFill>
-        <a:effectLst/>
-      </p:bgPr>
-    </p:bg>
     <p:spTree>
       <p:nvGrpSpPr>
-        <p:cNvPr id="1" name="Shape 106"/>
+        <p:cNvPr id="1" name="Shape 94"/>
         <p:cNvGrpSpPr/>
         <p:nvPr/>
       </p:nvGrpSpPr>
@@ -13138,18 +12196,18 @@
       </p:grpSpPr>
       <p:sp>
         <p:nvSpPr>
-          <p:cNvPr id="107" name="Google Shape;107;p24"/>
+          <p:cNvPr id="95" name="Google Shape;95;p22"/>
           <p:cNvSpPr txBox="1">
             <a:spLocks noGrp="1"/>
           </p:cNvSpPr>
           <p:nvPr>
-            <p:ph type="subTitle" idx="4294967295"/>
+            <p:ph type="title"/>
           </p:nvPr>
         </p:nvSpPr>
         <p:spPr>
           <a:xfrm>
-            <a:off x="291600" y="498250"/>
-            <a:ext cx="7439236" cy="516000"/>
+            <a:off x="311699" y="574450"/>
+            <a:ext cx="6807557" cy="553200"/>
           </a:xfrm>
           <a:prstGeom prst="rect">
             <a:avLst/>
@@ -13162,58 +12220,44 @@
           <a:lstStyle/>
           <a:p>
             <a:pPr marL="0" lvl="0" indent="0" algn="l" rtl="0">
-              <a:lnSpc>
-                <a:spcPct val="115000"/>
-              </a:lnSpc>
-              <a:spcBef>
-                <a:spcPts val="0"/>
-              </a:spcBef>
-              <a:spcAft>
-                <a:spcPts val="1600"/>
+              <a:spcBef>
+                <a:spcPts val="0"/>
+              </a:spcBef>
+              <a:spcAft>
+                <a:spcPts val="0"/>
               </a:spcAft>
               <a:buNone/>
             </a:pPr>
             <a:r>
-              <a:rPr lang="en" sz="2700" dirty="0">
-                <a:solidFill>
-                  <a:srgbClr val="000000"/>
-                </a:solidFill>
-              </a:rPr>
+              <a:rPr lang="en" dirty="0"/>
               <a:t>Recent Temperature Changes</a:t>
             </a:r>
-            <a:endParaRPr sz="2700" dirty="0">
-              <a:solidFill>
-                <a:srgbClr val="000000"/>
-              </a:solidFill>
-            </a:endParaRPr>
+            <a:endParaRPr dirty="0"/>
           </a:p>
         </p:txBody>
       </p:sp>
       <p:sp>
         <p:nvSpPr>
-          <p:cNvPr id="5" name="TextBox 4">
-            <a:extLst>
-              <a:ext uri="{FF2B5EF4-FFF2-40B4-BE49-F238E27FC236}">
-                <a16:creationId xmlns:a16="http://schemas.microsoft.com/office/drawing/2014/main" id="{E2B6AFD2-8B99-F075-B92B-673BC51C2392}"/>
-              </a:ext>
-            </a:extLst>
-          </p:cNvPr>
-          <p:cNvSpPr txBox="1"/>
-          <p:nvPr/>
+          <p:cNvPr id="96" name="Google Shape;96;p22"/>
+          <p:cNvSpPr txBox="1">
+            <a:spLocks noGrp="1"/>
+          </p:cNvSpPr>
+          <p:nvPr>
+            <p:ph type="body" idx="1"/>
+          </p:nvPr>
         </p:nvSpPr>
         <p:spPr>
           <a:xfrm>
-            <a:off x="0" y="1356688"/>
-            <a:ext cx="3650673" cy="2554545"/>
+            <a:off x="243400" y="1310525"/>
+            <a:ext cx="8520600" cy="3416400"/>
           </a:xfrm>
           <a:prstGeom prst="rect">
             <a:avLst/>
           </a:prstGeom>
-          <a:noFill/>
         </p:spPr>
         <p:txBody>
-          <a:bodyPr wrap="square">
-            <a:spAutoFit/>
+          <a:bodyPr spcFirstLastPara="1" wrap="square" lIns="91425" tIns="91425" rIns="91425" bIns="91425" anchor="t" anchorCtr="0">
+            <a:noAutofit/>
           </a:bodyPr>
           <a:lstStyle/>
           <a:p>
@@ -13232,7 +12276,7 @@
               <a:buChar char="●"/>
             </a:pPr>
             <a:r>
-              <a:rPr lang="en-US" sz="1600" dirty="0">
+              <a:rPr lang="en-US" sz="1800" dirty="0">
                 <a:solidFill>
                   <a:schemeClr val="dk1"/>
                 </a:solidFill>
@@ -13244,7 +12288,7 @@
               <a:t>In 1970, the average land and ocean temperature was </a:t>
             </a:r>
             <a:r>
-              <a:rPr lang="en-US" sz="1600" b="1" dirty="0">
+              <a:rPr lang="en-US" sz="1800" b="1" dirty="0">
                 <a:solidFill>
                   <a:schemeClr val="dk1"/>
                 </a:solidFill>
@@ -13256,7 +12300,7 @@
               <a:t>59.6</a:t>
             </a:r>
             <a:r>
-              <a:rPr lang="en-US" sz="1600" dirty="0">
+              <a:rPr lang="en-US" sz="1800" dirty="0">
                 <a:solidFill>
                   <a:schemeClr val="dk1"/>
                 </a:solidFill>
@@ -13269,13 +12313,7 @@
             </a:r>
           </a:p>
           <a:p>
-            <a:pPr marL="457200" lvl="0" indent="-342900" algn="l" rtl="0">
-              <a:spcBef>
-                <a:spcPts val="0"/>
-              </a:spcBef>
-              <a:spcAft>
-                <a:spcPts val="0"/>
-              </a:spcAft>
+            <a:pPr indent="-342900">
               <a:buClr>
                 <a:schemeClr val="dk1"/>
               </a:buClr>
@@ -13284,7 +12322,7 @@
               <a:buChar char="●"/>
             </a:pPr>
             <a:r>
-              <a:rPr lang="en-US" sz="1600" dirty="0">
+              <a:rPr lang="en-US" sz="1800" dirty="0">
                 <a:solidFill>
                   <a:schemeClr val="dk1"/>
                 </a:solidFill>
@@ -13296,7 +12334,7 @@
               <a:t>In 2015, the average temperature increased to </a:t>
             </a:r>
             <a:r>
-              <a:rPr lang="en-US" sz="1600" b="1" dirty="0">
+              <a:rPr lang="en-US" sz="1800" b="1" dirty="0">
                 <a:solidFill>
                   <a:schemeClr val="dk1"/>
                 </a:solidFill>
@@ -13308,7 +12346,7 @@
               <a:t>60.9</a:t>
             </a:r>
             <a:r>
-              <a:rPr lang="en-US" sz="1600" dirty="0">
+              <a:rPr lang="en-US" sz="1800" dirty="0">
                 <a:solidFill>
                   <a:schemeClr val="dk1"/>
                 </a:solidFill>
@@ -13321,13 +12359,7 @@
             </a:r>
           </a:p>
           <a:p>
-            <a:pPr marL="457200" lvl="0" indent="-342900" algn="l" rtl="0">
-              <a:spcBef>
-                <a:spcPts val="0"/>
-              </a:spcBef>
-              <a:spcAft>
-                <a:spcPts val="0"/>
-              </a:spcAft>
+            <a:pPr indent="-342900">
               <a:buClr>
                 <a:schemeClr val="dk1"/>
               </a:buClr>
@@ -13336,7 +12368,7 @@
               <a:buChar char="●"/>
             </a:pPr>
             <a:r>
-              <a:rPr lang="en-US" sz="1600" dirty="0">
+              <a:rPr lang="en-US" sz="1800" dirty="0">
                 <a:solidFill>
                   <a:schemeClr val="dk1"/>
                 </a:solidFill>
@@ -13348,7 +12380,7 @@
               <a:t>Global temperature is projected to warm by about </a:t>
             </a:r>
             <a:r>
-              <a:rPr lang="en-US" sz="1600" b="1" dirty="0">
+              <a:rPr lang="en-US" sz="1800" b="1" dirty="0">
                 <a:solidFill>
                   <a:schemeClr val="dk1"/>
                 </a:solidFill>
@@ -13360,7 +12392,7 @@
               <a:t>1.5</a:t>
             </a:r>
             <a:r>
-              <a:rPr lang="en-US" sz="1600" dirty="0">
+              <a:rPr lang="en-US" sz="1800" dirty="0">
                 <a:solidFill>
                   <a:schemeClr val="dk1"/>
                 </a:solidFill>
@@ -13372,7 +12404,7 @@
               <a:t> degrees by 2050 and </a:t>
             </a:r>
             <a:r>
-              <a:rPr lang="en-US" sz="1600" b="1" dirty="0">
+              <a:rPr lang="en-US" sz="1800" b="1" dirty="0">
                 <a:solidFill>
                   <a:schemeClr val="dk1"/>
                 </a:solidFill>
@@ -13384,7 +12416,7 @@
               <a:t>3.6 – 7.2 </a:t>
             </a:r>
             <a:r>
-              <a:rPr lang="en-US" sz="1600" dirty="0">
+              <a:rPr lang="en-US" sz="1800" dirty="0">
                 <a:solidFill>
                   <a:schemeClr val="dk1"/>
                 </a:solidFill>
@@ -13396,14 +12428,127 @@
               <a:t>degrees by 2100.</a:t>
             </a:r>
           </a:p>
+          <a:p>
+            <a:pPr marL="114300" indent="0">
+              <a:buClr>
+                <a:schemeClr val="dk1"/>
+              </a:buClr>
+              <a:buSzPts val="1800"/>
+              <a:buNone/>
+            </a:pPr>
+            <a:endParaRPr lang="en-US" sz="1800" dirty="0">
+              <a:solidFill>
+                <a:schemeClr val="dk1"/>
+              </a:solidFill>
+              <a:latin typeface="Open Sans"/>
+              <a:ea typeface="Open Sans"/>
+              <a:cs typeface="Open Sans"/>
+              <a:sym typeface="Open Sans"/>
+            </a:endParaRPr>
+          </a:p>
+          <a:p>
+            <a:pPr marL="457200" lvl="0" indent="-342900" algn="l" rtl="0">
+              <a:spcBef>
+                <a:spcPts val="0"/>
+              </a:spcBef>
+              <a:spcAft>
+                <a:spcPts val="0"/>
+              </a:spcAft>
+              <a:buClr>
+                <a:schemeClr val="dk1"/>
+              </a:buClr>
+              <a:buSzPts val="1800"/>
+              <a:buFont typeface="Open Sans"/>
+              <a:buChar char="●"/>
+            </a:pPr>
+            <a:endParaRPr lang="en-US" sz="1800" dirty="0">
+              <a:solidFill>
+                <a:schemeClr val="dk1"/>
+              </a:solidFill>
+              <a:latin typeface="Open Sans"/>
+              <a:ea typeface="Open Sans"/>
+              <a:cs typeface="Open Sans"/>
+              <a:sym typeface="Open Sans"/>
+            </a:endParaRPr>
+          </a:p>
+          <a:p>
+            <a:pPr marL="457200" lvl="0" indent="-342900" algn="l" rtl="0">
+              <a:spcBef>
+                <a:spcPts val="0"/>
+              </a:spcBef>
+              <a:spcAft>
+                <a:spcPts val="0"/>
+              </a:spcAft>
+              <a:buClr>
+                <a:schemeClr val="dk1"/>
+              </a:buClr>
+              <a:buSzPts val="1800"/>
+              <a:buFont typeface="Open Sans"/>
+              <a:buChar char="●"/>
+            </a:pPr>
+            <a:endParaRPr lang="en-US" sz="1800" dirty="0">
+              <a:solidFill>
+                <a:schemeClr val="dk1"/>
+              </a:solidFill>
+              <a:latin typeface="Open Sans"/>
+              <a:ea typeface="Open Sans"/>
+              <a:cs typeface="Open Sans"/>
+              <a:sym typeface="Open Sans"/>
+            </a:endParaRPr>
+          </a:p>
+          <a:p>
+            <a:pPr marL="457200" lvl="0" indent="-342900" algn="l" rtl="0">
+              <a:spcBef>
+                <a:spcPts val="0"/>
+              </a:spcBef>
+              <a:spcAft>
+                <a:spcPts val="0"/>
+              </a:spcAft>
+              <a:buClr>
+                <a:schemeClr val="dk1"/>
+              </a:buClr>
+              <a:buSzPts val="1800"/>
+              <a:buFont typeface="Open Sans"/>
+              <a:buChar char="●"/>
+            </a:pPr>
+            <a:endParaRPr lang="en-US" sz="1800" dirty="0">
+              <a:solidFill>
+                <a:schemeClr val="dk1"/>
+              </a:solidFill>
+              <a:latin typeface="Open Sans"/>
+              <a:ea typeface="Open Sans"/>
+              <a:cs typeface="Open Sans"/>
+              <a:sym typeface="Open Sans"/>
+            </a:endParaRPr>
+          </a:p>
+          <a:p>
+            <a:pPr marL="0" lvl="0" indent="0" algn="l" rtl="0">
+              <a:spcBef>
+                <a:spcPts val="1600"/>
+              </a:spcBef>
+              <a:spcAft>
+                <a:spcPts val="1600"/>
+              </a:spcAft>
+              <a:buNone/>
+            </a:pPr>
+            <a:endParaRPr sz="1800" dirty="0">
+              <a:solidFill>
+                <a:srgbClr val="000000"/>
+              </a:solidFill>
+              <a:latin typeface="Raleway"/>
+              <a:ea typeface="Raleway"/>
+              <a:cs typeface="Raleway"/>
+              <a:sym typeface="Raleway"/>
+            </a:endParaRPr>
+          </a:p>
         </p:txBody>
       </p:sp>
       <p:sp>
         <p:nvSpPr>
-          <p:cNvPr id="7" name="TextBox 6">
+          <p:cNvPr id="2" name="TextBox 1">
             <a:extLst>
               <a:ext uri="{FF2B5EF4-FFF2-40B4-BE49-F238E27FC236}">
-                <a16:creationId xmlns:a16="http://schemas.microsoft.com/office/drawing/2014/main" id="{4C6A6B29-AC78-48A8-26D9-646B849A3873}"/>
+                <a16:creationId xmlns:a16="http://schemas.microsoft.com/office/drawing/2014/main" id="{4A75D4E6-DF36-9DAF-3CD3-2BE194743142}"/>
               </a:ext>
             </a:extLst>
           </p:cNvPr>
@@ -13412,7 +12557,7 @@
         </p:nvSpPr>
         <p:spPr>
           <a:xfrm>
-            <a:off x="291600" y="4573897"/>
+            <a:off x="243400" y="4403135"/>
             <a:ext cx="4765309" cy="307777"/>
           </a:xfrm>
           <a:prstGeom prst="rect">
@@ -13477,6 +12622,11 @@
         </p:txBody>
       </p:sp>
     </p:spTree>
+    <p:extLst>
+      <p:ext uri="{BB962C8B-B14F-4D97-AF65-F5344CB8AC3E}">
+        <p14:creationId xmlns:p14="http://schemas.microsoft.com/office/powerpoint/2010/main" val="2979948892"/>
+      </p:ext>
+    </p:extLst>
   </p:cSld>
   <p:clrMapOvr>
     <a:masterClrMapping/>
@@ -13942,6 +13092,9 @@
           <a:bodyPr/>
           <a:lstStyle/>
           <a:p>
+            <a:pPr marL="158750" indent="0">
+              <a:buNone/>
+            </a:pPr>
             <a:endParaRPr lang="en-US" dirty="0"/>
           </a:p>
         </p:txBody>
@@ -13968,7 +13121,7 @@
         </p:blipFill>
         <p:spPr>
           <a:xfrm>
-            <a:off x="311700" y="998225"/>
+            <a:off x="347650" y="904241"/>
             <a:ext cx="7578464" cy="3905467"/>
           </a:xfrm>
           <a:prstGeom prst="rect">
@@ -14055,10 +13208,43 @@
           <a:bodyPr/>
           <a:lstStyle/>
           <a:p>
+            <a:pPr marL="158750" indent="0">
+              <a:buNone/>
+            </a:pPr>
             <a:endParaRPr lang="en-US" dirty="0"/>
           </a:p>
         </p:txBody>
       </p:sp>
+      <p:pic>
+        <p:nvPicPr>
+          <p:cNvPr id="5" name="Picture 4" descr="A graph showing different colored squares&#10;&#10;Description automatically generated">
+            <a:extLst>
+              <a:ext uri="{FF2B5EF4-FFF2-40B4-BE49-F238E27FC236}">
+                <a16:creationId xmlns:a16="http://schemas.microsoft.com/office/drawing/2014/main" id="{D4D5B60B-6707-A2D2-CB3D-F9992865E60E}"/>
+              </a:ext>
+            </a:extLst>
+          </p:cNvPr>
+          <p:cNvPicPr>
+            <a:picLocks noChangeAspect="1"/>
+          </p:cNvPicPr>
+          <p:nvPr/>
+        </p:nvPicPr>
+        <p:blipFill>
+          <a:blip r:embed="rId2"/>
+          <a:stretch>
+            <a:fillRect/>
+          </a:stretch>
+        </p:blipFill>
+        <p:spPr>
+          <a:xfrm>
+            <a:off x="464298" y="998225"/>
+            <a:ext cx="6910627" cy="3812547"/>
+          </a:xfrm>
+          <a:prstGeom prst="rect">
+            <a:avLst/>
+          </a:prstGeom>
+        </p:spPr>
+      </p:pic>
     </p:spTree>
     <p:extLst>
       <p:ext uri="{BB962C8B-B14F-4D97-AF65-F5344CB8AC3E}">

--- a/Capstone Projects/Capstone_Two_Supervised_ML/Predicting_Temperature_Change.pptx
+++ b/Capstone Projects/Capstone_Two_Supervised_ML/Predicting_Temperature_Change.pptx
@@ -30,7 +30,9 @@
     <p:sldId id="290" r:id="rId27"/>
     <p:sldId id="309" r:id="rId28"/>
     <p:sldId id="310" r:id="rId29"/>
-    <p:sldId id="311" r:id="rId30"/>
+    <p:sldId id="312" r:id="rId30"/>
+    <p:sldId id="311" r:id="rId31"/>
+    <p:sldId id="313" r:id="rId32"/>
   </p:sldIdLst>
   <p:sldSz cx="9144000" cy="5143500" type="screen16x9"/>
   <p:notesSz cx="9144000" cy="5143500"/>
@@ -217,7 +219,7 @@
           <a:p>
             <a:fld id="{1D8BD707-D9CF-40AE-B4C6-C98DA3205C09}" type="datetimeFigureOut">
               <a:rPr lang="en-US"/>
-              <a:t>12/14/2023</a:t>
+              <a:t>12/20/2023</a:t>
             </a:fld>
             <a:endParaRPr lang="en-US"/>
           </a:p>
@@ -394,7 +396,7 @@
           <a:p>
             <a:fld id="{1D8BD707-D9CF-40AE-B4C6-C98DA3205C09}" type="datetimeFigureOut">
               <a:rPr lang="en-US"/>
-              <a:t>12/14/2023</a:t>
+              <a:t>12/20/2023</a:t>
             </a:fld>
             <a:endParaRPr lang="en-US"/>
           </a:p>
@@ -608,7 +610,7 @@
           <a:p>
             <a:fld id="{1D8BD707-D9CF-40AE-B4C6-C98DA3205C09}" type="datetimeFigureOut">
               <a:rPr lang="en-US"/>
-              <a:t>12/14/2023</a:t>
+              <a:t>12/20/2023</a:t>
             </a:fld>
             <a:endParaRPr lang="en-US"/>
           </a:p>
@@ -1052,7 +1054,7 @@
           <a:p>
             <a:fld id="{1D8BD707-D9CF-40AE-B4C6-C98DA3205C09}" type="datetimeFigureOut">
               <a:rPr lang="en-US"/>
-              <a:t>12/14/2023</a:t>
+              <a:t>12/20/2023</a:t>
             </a:fld>
             <a:endParaRPr lang="en-US"/>
           </a:p>
@@ -1171,7 +1173,7 @@
           <a:p>
             <a:fld id="{1D8BD707-D9CF-40AE-B4C6-C98DA3205C09}" type="datetimeFigureOut">
               <a:rPr lang="en-US"/>
-              <a:t>12/14/2023</a:t>
+              <a:t>12/20/2023</a:t>
             </a:fld>
             <a:endParaRPr lang="en-US"/>
           </a:p>
@@ -1396,7 +1398,7 @@
           <a:p>
             <a:fld id="{1D8BD707-D9CF-40AE-B4C6-C98DA3205C09}" type="datetimeFigureOut">
               <a:rPr lang="en-US"/>
-              <a:t>12/14/2023</a:t>
+              <a:t>12/20/2023</a:t>
             </a:fld>
             <a:endParaRPr lang="en-US"/>
           </a:p>
@@ -3380,7 +3382,7 @@
             </a:pPr>
             <a:r>
               <a:rPr lang="en-US" sz="1400" dirty="0"/>
-              <a:t>Land Average Temperature</a:t>
+              <a:t>Average Land Temperature</a:t>
             </a:r>
           </a:p>
           <a:p>
@@ -3396,7 +3398,7 @@
             </a:pPr>
             <a:r>
               <a:rPr lang="en-US" sz="1400" dirty="0"/>
-              <a:t>Land Minimum Temperature</a:t>
+              <a:t>Minimum Land Temperature</a:t>
             </a:r>
           </a:p>
           <a:p>
@@ -3412,7 +3414,7 @@
             </a:pPr>
             <a:r>
               <a:rPr lang="en-US" sz="1400" dirty="0"/>
-              <a:t>Land Maximum Temperature</a:t>
+              <a:t>Maximum Land Temperature</a:t>
             </a:r>
             <a:endParaRPr lang="en-US" sz="1400" b="0" dirty="0">
               <a:solidFill>
@@ -3465,7 +3467,7 @@
             </a:pPr>
             <a:r>
               <a:rPr lang="en-US" sz="1400" dirty="0"/>
-              <a:t>Land and Ocean Average Temperature</a:t>
+              <a:t>Average Land and Ocean Temperature</a:t>
             </a:r>
           </a:p>
           <a:p>
@@ -4373,7 +4375,7 @@
                 <a:ea typeface="Open Sans" panose="020B0606030504020204" pitchFamily="34" charset="0"/>
                 <a:cs typeface="Open Sans" panose="020B0606030504020204" pitchFamily="34" charset="0"/>
               </a:rPr>
-              <a:t>In this case, the yearly average temperature is the baseline. In other words, the baseline is the error I would get if I predicted the average temperature for my target dataset (</a:t>
+              <a:t>In this case, the average yearly temperature is the baseline. In other words, the baseline is the error I would get if I predicted the average temperature for my target dataset (</a:t>
             </a:r>
             <a:r>
               <a:rPr lang="en-US" sz="1600" dirty="0" err="1">
@@ -7943,7 +7945,7 @@
             </a:pPr>
             <a:r>
               <a:rPr lang="en-US" sz="1400" dirty="0"/>
-              <a:t>In this project, we used historical data from the </a:t>
+              <a:t>In this project, I used historical data from the </a:t>
             </a:r>
             <a:r>
               <a:rPr lang="en-US" sz="1400" dirty="0">
@@ -7973,7 +7975,7 @@
             </a:pPr>
             <a:r>
               <a:rPr lang="en-US" sz="1400" dirty="0"/>
-              <a:t>As our target variable is continuous and we know the target and feature variables, we created a supervised regression machine learning model. We tested several supervised ML algorithms and found that our KNN regressor had the best performance metrics.</a:t>
+              <a:t>As my target variable is continuous and I know the target and feature variables, I created a supervised regression machine learning model. I tested several supervised ML algorithms and found that the KNN regressor had the best performance metrics.</a:t>
             </a:r>
           </a:p>
           <a:p>
@@ -8001,7 +8003,7 @@
                 <a:cs typeface="Open Sans"/>
                 <a:sym typeface="Open Sans"/>
               </a:rPr>
-              <a:t>Our model beat the established baseline of 2.03 degrees and correctly predicted the average temperature.</a:t>
+              <a:t>My model beat the established baseline of 2.03 degrees and accurately predicted the average temperature.</a:t>
             </a:r>
           </a:p>
           <a:p>
@@ -8826,7 +8828,700 @@
     </p:spTree>
     <p:extLst>
       <p:ext uri="{BB962C8B-B14F-4D97-AF65-F5344CB8AC3E}">
+        <p14:creationId xmlns:p14="http://schemas.microsoft.com/office/powerpoint/2010/main" val="2588408881"/>
+      </p:ext>
+    </p:extLst>
+  </p:cSld>
+  <p:clrMapOvr>
+    <a:masterClrMapping/>
+  </p:clrMapOvr>
+</p:sld>
+</file>
+
+<file path=ppt/slides/slide27.xml><?xml version="1.0" encoding="utf-8"?>
+<p:sld xmlns:a="http://schemas.openxmlformats.org/drawingml/2006/main" xmlns:r="http://schemas.openxmlformats.org/officeDocument/2006/relationships" xmlns:p="http://schemas.openxmlformats.org/presentationml/2006/main" showMasterSp="0">
+  <p:cSld>
+    <p:spTree>
+      <p:nvGrpSpPr>
+        <p:cNvPr id="1" name=""/>
+        <p:cNvGrpSpPr/>
+        <p:nvPr/>
+      </p:nvGrpSpPr>
+      <p:grpSpPr>
+        <a:xfrm>
+          <a:off x="0" y="0"/>
+          <a:ext cx="0" cy="0"/>
+          <a:chOff x="0" y="0"/>
+          <a:chExt cx="0" cy="0"/>
+        </a:xfrm>
+      </p:grpSpPr>
+      <p:sp>
+        <p:nvSpPr>
+          <p:cNvPr id="2" name="object 2"/>
+          <p:cNvSpPr txBox="1">
+            <a:spLocks noGrp="1"/>
+          </p:cNvSpPr>
+          <p:nvPr>
+            <p:ph type="title"/>
+          </p:nvPr>
+        </p:nvSpPr>
+        <p:spPr>
+          <a:xfrm>
+            <a:off x="384725" y="467785"/>
+            <a:ext cx="8301990" cy="443711"/>
+          </a:xfrm>
+          <a:prstGeom prst="rect">
+            <a:avLst/>
+          </a:prstGeom>
+        </p:spPr>
+        <p:txBody>
+          <a:bodyPr vert="horz" wrap="square" lIns="0" tIns="12700" rIns="0" bIns="0" rtlCol="0">
+            <a:spAutoFit/>
+          </a:bodyPr>
+          <a:lstStyle/>
+          <a:p>
+            <a:pPr marL="12700">
+              <a:lnSpc>
+                <a:spcPct val="100000"/>
+              </a:lnSpc>
+              <a:spcBef>
+                <a:spcPts val="100"/>
+              </a:spcBef>
+            </a:pPr>
+            <a:r>
+              <a:rPr lang="en-US" sz="2800" dirty="0"/>
+              <a:t>Future Work</a:t>
+            </a:r>
+            <a:endParaRPr sz="2800" spc="110" dirty="0"/>
+          </a:p>
+        </p:txBody>
+      </p:sp>
+      <p:grpSp>
+        <p:nvGrpSpPr>
+          <p:cNvPr id="3" name="object 3"/>
+          <p:cNvGrpSpPr/>
+          <p:nvPr/>
+        </p:nvGrpSpPr>
+        <p:grpSpPr>
+          <a:xfrm>
+            <a:off x="693875" y="1212987"/>
+            <a:ext cx="7613650" cy="3426460"/>
+            <a:chOff x="693875" y="1212987"/>
+            <a:chExt cx="7613650" cy="3426460"/>
+          </a:xfrm>
+        </p:grpSpPr>
+        <p:sp>
+          <p:nvSpPr>
+            <p:cNvPr id="4" name="object 4"/>
+            <p:cNvSpPr/>
+            <p:nvPr/>
+          </p:nvSpPr>
+          <p:spPr>
+            <a:xfrm>
+              <a:off x="698566" y="1217750"/>
+              <a:ext cx="7604125" cy="464184"/>
+            </a:xfrm>
+            <a:custGeom>
+              <a:avLst/>
+              <a:gdLst/>
+              <a:ahLst/>
+              <a:cxnLst/>
+              <a:rect l="l" t="t" r="r" b="b"/>
+              <a:pathLst>
+                <a:path w="7604125" h="464185">
+                  <a:moveTo>
+                    <a:pt x="7604093" y="464099"/>
+                  </a:moveTo>
+                  <a:lnTo>
+                    <a:pt x="0" y="464099"/>
+                  </a:lnTo>
+                  <a:lnTo>
+                    <a:pt x="0" y="0"/>
+                  </a:lnTo>
+                  <a:lnTo>
+                    <a:pt x="7604093" y="0"/>
+                  </a:lnTo>
+                  <a:lnTo>
+                    <a:pt x="7604093" y="464099"/>
+                  </a:lnTo>
+                  <a:close/>
+                </a:path>
+              </a:pathLst>
+            </a:custGeom>
+            <a:solidFill>
+              <a:srgbClr val="2A3890"/>
+            </a:solidFill>
+          </p:spPr>
+          <p:txBody>
+            <a:bodyPr wrap="square" lIns="0" tIns="0" rIns="0" bIns="0" rtlCol="0"/>
+            <a:lstStyle/>
+            <a:p>
+              <a:endParaRPr/>
+            </a:p>
+          </p:txBody>
+        </p:sp>
+        <p:sp>
+          <p:nvSpPr>
+            <p:cNvPr id="5" name="object 5"/>
+            <p:cNvSpPr/>
+            <p:nvPr/>
+          </p:nvSpPr>
+          <p:spPr>
+            <a:xfrm>
+              <a:off x="698638" y="1217750"/>
+              <a:ext cx="7604125" cy="3416935"/>
+            </a:xfrm>
+            <a:custGeom>
+              <a:avLst/>
+              <a:gdLst/>
+              <a:ahLst/>
+              <a:cxnLst/>
+              <a:rect l="l" t="t" r="r" b="b"/>
+              <a:pathLst>
+                <a:path w="7604125" h="3416935">
+                  <a:moveTo>
+                    <a:pt x="0" y="0"/>
+                  </a:moveTo>
+                  <a:lnTo>
+                    <a:pt x="7604092" y="0"/>
+                  </a:lnTo>
+                  <a:lnTo>
+                    <a:pt x="7604092" y="3416399"/>
+                  </a:lnTo>
+                  <a:lnTo>
+                    <a:pt x="0" y="3416399"/>
+                  </a:lnTo>
+                  <a:lnTo>
+                    <a:pt x="0" y="0"/>
+                  </a:lnTo>
+                  <a:close/>
+                </a:path>
+              </a:pathLst>
+            </a:custGeom>
+            <a:ln w="9524">
+              <a:solidFill>
+                <a:srgbClr val="2A3890"/>
+              </a:solidFill>
+            </a:ln>
+          </p:spPr>
+          <p:txBody>
+            <a:bodyPr wrap="square" lIns="0" tIns="0" rIns="0" bIns="0" rtlCol="0"/>
+            <a:lstStyle/>
+            <a:p>
+              <a:endParaRPr/>
+            </a:p>
+          </p:txBody>
+        </p:sp>
+      </p:grpSp>
+      <p:sp>
+        <p:nvSpPr>
+          <p:cNvPr id="6" name="object 6"/>
+          <p:cNvSpPr txBox="1"/>
+          <p:nvPr/>
+        </p:nvSpPr>
+        <p:spPr>
+          <a:xfrm>
+            <a:off x="1066800" y="1885950"/>
+            <a:ext cx="6549390" cy="2875146"/>
+          </a:xfrm>
+          <a:prstGeom prst="rect">
+            <a:avLst/>
+          </a:prstGeom>
+        </p:spPr>
+        <p:txBody>
+          <a:bodyPr vert="horz" wrap="square" lIns="0" tIns="12700" rIns="0" bIns="0" rtlCol="0">
+            <a:spAutoFit/>
+          </a:bodyPr>
+          <a:lstStyle/>
+          <a:p>
+            <a:pPr marL="457200" lvl="0" indent="-342900" algn="l" rtl="0">
+              <a:spcBef>
+                <a:spcPts val="0"/>
+              </a:spcBef>
+              <a:spcAft>
+                <a:spcPts val="0"/>
+              </a:spcAft>
+              <a:buClr>
+                <a:schemeClr val="dk1"/>
+              </a:buClr>
+              <a:buSzPts val="1800"/>
+              <a:buFont typeface="Open Sans"/>
+              <a:buChar char="●"/>
+            </a:pPr>
+            <a:r>
+              <a:rPr lang="en-US" sz="1600" dirty="0">
+                <a:latin typeface="Open Sans" panose="020B0606030504020204" pitchFamily="34" charset="0"/>
+                <a:ea typeface="Open Sans" panose="020B0606030504020204" pitchFamily="34" charset="0"/>
+                <a:cs typeface="Open Sans" panose="020B0606030504020204" pitchFamily="34" charset="0"/>
+              </a:rPr>
+              <a:t>Kaggle hosts a variety of machine learning competitions including </a:t>
+            </a:r>
+            <a:r>
+              <a:rPr lang="en-US" sz="1600" dirty="0">
+                <a:latin typeface="Open Sans" panose="020B0606030504020204" pitchFamily="34" charset="0"/>
+                <a:ea typeface="Open Sans" panose="020B0606030504020204" pitchFamily="34" charset="0"/>
+                <a:cs typeface="Open Sans" panose="020B0606030504020204" pitchFamily="34" charset="0"/>
+                <a:hlinkClick r:id="rId2"/>
+              </a:rPr>
+              <a:t>predicting sales of house prices</a:t>
+            </a:r>
+            <a:r>
+              <a:rPr lang="en-US" sz="1600" dirty="0">
+                <a:latin typeface="Open Sans" panose="020B0606030504020204" pitchFamily="34" charset="0"/>
+                <a:ea typeface="Open Sans" panose="020B0606030504020204" pitchFamily="34" charset="0"/>
+                <a:cs typeface="Open Sans" panose="020B0606030504020204" pitchFamily="34" charset="0"/>
+              </a:rPr>
+              <a:t>, </a:t>
+            </a:r>
+            <a:r>
+              <a:rPr lang="en-US" sz="1600" dirty="0">
+                <a:latin typeface="Open Sans" panose="020B0606030504020204" pitchFamily="34" charset="0"/>
+                <a:ea typeface="Open Sans" panose="020B0606030504020204" pitchFamily="34" charset="0"/>
+                <a:cs typeface="Open Sans" panose="020B0606030504020204" pitchFamily="34" charset="0"/>
+                <a:hlinkClick r:id="rId3"/>
+              </a:rPr>
+              <a:t>natural language processing for disaster tweets</a:t>
+            </a:r>
+            <a:r>
+              <a:rPr lang="en-US" sz="1600" dirty="0">
+                <a:latin typeface="Open Sans" panose="020B0606030504020204" pitchFamily="34" charset="0"/>
+                <a:ea typeface="Open Sans" panose="020B0606030504020204" pitchFamily="34" charset="0"/>
+                <a:cs typeface="Open Sans" panose="020B0606030504020204" pitchFamily="34" charset="0"/>
+              </a:rPr>
+              <a:t>, and </a:t>
+            </a:r>
+            <a:r>
+              <a:rPr lang="en-US" sz="1600" dirty="0">
+                <a:latin typeface="Open Sans" panose="020B0606030504020204" pitchFamily="34" charset="0"/>
+                <a:ea typeface="Open Sans" panose="020B0606030504020204" pitchFamily="34" charset="0"/>
+                <a:cs typeface="Open Sans" panose="020B0606030504020204" pitchFamily="34" charset="0"/>
+                <a:hlinkClick r:id="rId4"/>
+              </a:rPr>
+              <a:t>classifying Arabic letters through images</a:t>
+            </a:r>
+            <a:r>
+              <a:rPr lang="en-US" sz="1600" dirty="0">
+                <a:latin typeface="Open Sans" panose="020B0606030504020204" pitchFamily="34" charset="0"/>
+                <a:ea typeface="Open Sans" panose="020B0606030504020204" pitchFamily="34" charset="0"/>
+                <a:cs typeface="Open Sans" panose="020B0606030504020204" pitchFamily="34" charset="0"/>
+              </a:rPr>
+              <a:t>.</a:t>
+            </a:r>
+          </a:p>
+          <a:p>
+            <a:pPr marL="457200" lvl="0" indent="-342900" algn="l" rtl="0">
+              <a:spcBef>
+                <a:spcPts val="0"/>
+              </a:spcBef>
+              <a:spcAft>
+                <a:spcPts val="0"/>
+              </a:spcAft>
+              <a:buClr>
+                <a:schemeClr val="dk1"/>
+              </a:buClr>
+              <a:buSzPts val="1800"/>
+              <a:buFont typeface="Open Sans"/>
+              <a:buChar char="●"/>
+            </a:pPr>
+            <a:r>
+              <a:rPr lang="en-US" sz="1600" dirty="0">
+                <a:latin typeface="Open Sans" panose="020B0606030504020204" pitchFamily="34" charset="0"/>
+                <a:ea typeface="Open Sans" panose="020B0606030504020204" pitchFamily="34" charset="0"/>
+                <a:cs typeface="Open Sans" panose="020B0606030504020204" pitchFamily="34" charset="0"/>
+              </a:rPr>
+              <a:t>I would like to get more involved with the community and participate in competitions.</a:t>
+            </a:r>
+          </a:p>
+          <a:p>
+            <a:pPr marL="457200" lvl="0" indent="-342900" algn="l" rtl="0">
+              <a:spcBef>
+                <a:spcPts val="0"/>
+              </a:spcBef>
+              <a:spcAft>
+                <a:spcPts val="0"/>
+              </a:spcAft>
+              <a:buClr>
+                <a:schemeClr val="dk1"/>
+              </a:buClr>
+              <a:buSzPts val="1800"/>
+              <a:buFont typeface="Open Sans"/>
+              <a:buChar char="●"/>
+            </a:pPr>
+            <a:r>
+              <a:rPr lang="en-US" sz="1600" dirty="0">
+                <a:latin typeface="Open Sans" panose="020B0606030504020204" pitchFamily="34" charset="0"/>
+                <a:ea typeface="Open Sans" panose="020B0606030504020204" pitchFamily="34" charset="0"/>
+                <a:cs typeface="Open Sans" panose="020B0606030504020204" pitchFamily="34" charset="0"/>
+              </a:rPr>
+              <a:t>I am active in two ML Meetup groups and would like to become more active with the machine learning community in Ann Arbor (and elsewhere).</a:t>
+            </a:r>
+          </a:p>
+          <a:p>
+            <a:pPr marL="457200" lvl="0" indent="-342900" algn="l" rtl="0">
+              <a:spcBef>
+                <a:spcPts val="0"/>
+              </a:spcBef>
+              <a:spcAft>
+                <a:spcPts val="0"/>
+              </a:spcAft>
+              <a:buClr>
+                <a:schemeClr val="dk1"/>
+              </a:buClr>
+              <a:buSzPts val="1800"/>
+              <a:buFont typeface="Open Sans"/>
+              <a:buChar char="●"/>
+            </a:pPr>
+            <a:endParaRPr lang="en-US" sz="1400" b="0" dirty="0">
+              <a:solidFill>
+                <a:schemeClr val="dk1"/>
+              </a:solidFill>
+              <a:latin typeface="Open Sans"/>
+              <a:ea typeface="Open Sans"/>
+              <a:cs typeface="Open Sans"/>
+              <a:sym typeface="Open Sans"/>
+            </a:endParaRPr>
+          </a:p>
+          <a:p>
+            <a:pPr marL="457200" lvl="0" indent="-342900" algn="l" rtl="0">
+              <a:spcBef>
+                <a:spcPts val="0"/>
+              </a:spcBef>
+              <a:spcAft>
+                <a:spcPts val="0"/>
+              </a:spcAft>
+              <a:buClr>
+                <a:schemeClr val="dk1"/>
+              </a:buClr>
+              <a:buSzPts val="1800"/>
+              <a:buFont typeface="Open Sans"/>
+              <a:buChar char="●"/>
+            </a:pPr>
+            <a:endParaRPr lang="en-US" sz="1400" b="0" dirty="0">
+              <a:solidFill>
+                <a:schemeClr val="dk1"/>
+              </a:solidFill>
+              <a:latin typeface="Open Sans"/>
+              <a:ea typeface="Open Sans"/>
+              <a:cs typeface="Open Sans"/>
+              <a:sym typeface="Open Sans"/>
+            </a:endParaRPr>
+          </a:p>
+          <a:p>
+            <a:pPr marL="457200" lvl="0" indent="-342900" algn="l" rtl="0">
+              <a:spcBef>
+                <a:spcPts val="0"/>
+              </a:spcBef>
+              <a:spcAft>
+                <a:spcPts val="0"/>
+              </a:spcAft>
+              <a:buClr>
+                <a:schemeClr val="dk1"/>
+              </a:buClr>
+              <a:buSzPts val="1800"/>
+              <a:buFont typeface="Open Sans"/>
+              <a:buChar char="●"/>
+            </a:pPr>
+            <a:endParaRPr lang="en-US" sz="1400" b="0" dirty="0">
+              <a:solidFill>
+                <a:schemeClr val="dk1"/>
+              </a:solidFill>
+              <a:latin typeface="Open Sans"/>
+              <a:ea typeface="Open Sans"/>
+              <a:cs typeface="Open Sans"/>
+              <a:sym typeface="Open Sans"/>
+            </a:endParaRPr>
+          </a:p>
+        </p:txBody>
+      </p:sp>
+    </p:spTree>
+    <p:extLst>
+      <p:ext uri="{BB962C8B-B14F-4D97-AF65-F5344CB8AC3E}">
         <p14:creationId xmlns:p14="http://schemas.microsoft.com/office/powerpoint/2010/main" val="2053165355"/>
+      </p:ext>
+    </p:extLst>
+  </p:cSld>
+  <p:clrMapOvr>
+    <a:masterClrMapping/>
+  </p:clrMapOvr>
+</p:sld>
+</file>
+
+<file path=ppt/slides/slide28.xml><?xml version="1.0" encoding="utf-8"?>
+<p:sld xmlns:a="http://schemas.openxmlformats.org/drawingml/2006/main" xmlns:r="http://schemas.openxmlformats.org/officeDocument/2006/relationships" xmlns:p="http://schemas.openxmlformats.org/presentationml/2006/main" showMasterSp="0">
+  <p:cSld>
+    <p:spTree>
+      <p:nvGrpSpPr>
+        <p:cNvPr id="1" name=""/>
+        <p:cNvGrpSpPr/>
+        <p:nvPr/>
+      </p:nvGrpSpPr>
+      <p:grpSpPr>
+        <a:xfrm>
+          <a:off x="0" y="0"/>
+          <a:ext cx="0" cy="0"/>
+          <a:chOff x="0" y="0"/>
+          <a:chExt cx="0" cy="0"/>
+        </a:xfrm>
+      </p:grpSpPr>
+      <p:sp>
+        <p:nvSpPr>
+          <p:cNvPr id="2" name="object 2"/>
+          <p:cNvSpPr txBox="1">
+            <a:spLocks noGrp="1"/>
+          </p:cNvSpPr>
+          <p:nvPr>
+            <p:ph type="title"/>
+          </p:nvPr>
+        </p:nvSpPr>
+        <p:spPr>
+          <a:xfrm>
+            <a:off x="384725" y="467785"/>
+            <a:ext cx="8301990" cy="443711"/>
+          </a:xfrm>
+          <a:prstGeom prst="rect">
+            <a:avLst/>
+          </a:prstGeom>
+        </p:spPr>
+        <p:txBody>
+          <a:bodyPr vert="horz" wrap="square" lIns="0" tIns="12700" rIns="0" bIns="0" rtlCol="0">
+            <a:spAutoFit/>
+          </a:bodyPr>
+          <a:lstStyle/>
+          <a:p>
+            <a:pPr marL="12700">
+              <a:lnSpc>
+                <a:spcPct val="100000"/>
+              </a:lnSpc>
+              <a:spcBef>
+                <a:spcPts val="100"/>
+              </a:spcBef>
+            </a:pPr>
+            <a:r>
+              <a:rPr lang="en-US" sz="2800" dirty="0"/>
+              <a:t>Questions/Discussion</a:t>
+            </a:r>
+            <a:endParaRPr sz="2800" spc="110" dirty="0"/>
+          </a:p>
+        </p:txBody>
+      </p:sp>
+      <p:grpSp>
+        <p:nvGrpSpPr>
+          <p:cNvPr id="3" name="object 3"/>
+          <p:cNvGrpSpPr/>
+          <p:nvPr/>
+        </p:nvGrpSpPr>
+        <p:grpSpPr>
+          <a:xfrm>
+            <a:off x="693875" y="1212987"/>
+            <a:ext cx="7613650" cy="3426460"/>
+            <a:chOff x="693875" y="1212987"/>
+            <a:chExt cx="7613650" cy="3426460"/>
+          </a:xfrm>
+        </p:grpSpPr>
+        <p:sp>
+          <p:nvSpPr>
+            <p:cNvPr id="4" name="object 4"/>
+            <p:cNvSpPr/>
+            <p:nvPr/>
+          </p:nvSpPr>
+          <p:spPr>
+            <a:xfrm>
+              <a:off x="698566" y="1217750"/>
+              <a:ext cx="7604125" cy="464184"/>
+            </a:xfrm>
+            <a:custGeom>
+              <a:avLst/>
+              <a:gdLst/>
+              <a:ahLst/>
+              <a:cxnLst/>
+              <a:rect l="l" t="t" r="r" b="b"/>
+              <a:pathLst>
+                <a:path w="7604125" h="464185">
+                  <a:moveTo>
+                    <a:pt x="7604093" y="464099"/>
+                  </a:moveTo>
+                  <a:lnTo>
+                    <a:pt x="0" y="464099"/>
+                  </a:lnTo>
+                  <a:lnTo>
+                    <a:pt x="0" y="0"/>
+                  </a:lnTo>
+                  <a:lnTo>
+                    <a:pt x="7604093" y="0"/>
+                  </a:lnTo>
+                  <a:lnTo>
+                    <a:pt x="7604093" y="464099"/>
+                  </a:lnTo>
+                  <a:close/>
+                </a:path>
+              </a:pathLst>
+            </a:custGeom>
+            <a:solidFill>
+              <a:srgbClr val="2A3890"/>
+            </a:solidFill>
+          </p:spPr>
+          <p:txBody>
+            <a:bodyPr wrap="square" lIns="0" tIns="0" rIns="0" bIns="0" rtlCol="0"/>
+            <a:lstStyle/>
+            <a:p>
+              <a:endParaRPr/>
+            </a:p>
+          </p:txBody>
+        </p:sp>
+        <p:sp>
+          <p:nvSpPr>
+            <p:cNvPr id="5" name="object 5"/>
+            <p:cNvSpPr/>
+            <p:nvPr/>
+          </p:nvSpPr>
+          <p:spPr>
+            <a:xfrm>
+              <a:off x="698638" y="1217750"/>
+              <a:ext cx="7604125" cy="3416935"/>
+            </a:xfrm>
+            <a:custGeom>
+              <a:avLst/>
+              <a:gdLst/>
+              <a:ahLst/>
+              <a:cxnLst/>
+              <a:rect l="l" t="t" r="r" b="b"/>
+              <a:pathLst>
+                <a:path w="7604125" h="3416935">
+                  <a:moveTo>
+                    <a:pt x="0" y="0"/>
+                  </a:moveTo>
+                  <a:lnTo>
+                    <a:pt x="7604092" y="0"/>
+                  </a:lnTo>
+                  <a:lnTo>
+                    <a:pt x="7604092" y="3416399"/>
+                  </a:lnTo>
+                  <a:lnTo>
+                    <a:pt x="0" y="3416399"/>
+                  </a:lnTo>
+                  <a:lnTo>
+                    <a:pt x="0" y="0"/>
+                  </a:lnTo>
+                  <a:close/>
+                </a:path>
+              </a:pathLst>
+            </a:custGeom>
+            <a:ln w="9524">
+              <a:solidFill>
+                <a:srgbClr val="2A3890"/>
+              </a:solidFill>
+            </a:ln>
+          </p:spPr>
+          <p:txBody>
+            <a:bodyPr wrap="square" lIns="0" tIns="0" rIns="0" bIns="0" rtlCol="0"/>
+            <a:lstStyle/>
+            <a:p>
+              <a:endParaRPr/>
+            </a:p>
+          </p:txBody>
+        </p:sp>
+      </p:grpSp>
+      <p:sp>
+        <p:nvSpPr>
+          <p:cNvPr id="6" name="object 6"/>
+          <p:cNvSpPr txBox="1"/>
+          <p:nvPr/>
+        </p:nvSpPr>
+        <p:spPr>
+          <a:xfrm>
+            <a:off x="1066800" y="1885950"/>
+            <a:ext cx="6549390" cy="659155"/>
+          </a:xfrm>
+          <a:prstGeom prst="rect">
+            <a:avLst/>
+          </a:prstGeom>
+        </p:spPr>
+        <p:txBody>
+          <a:bodyPr vert="horz" wrap="square" lIns="0" tIns="12700" rIns="0" bIns="0" rtlCol="0">
+            <a:spAutoFit/>
+          </a:bodyPr>
+          <a:lstStyle/>
+          <a:p>
+            <a:pPr marL="457200" lvl="0" indent="-342900" algn="l" rtl="0">
+              <a:spcBef>
+                <a:spcPts val="0"/>
+              </a:spcBef>
+              <a:spcAft>
+                <a:spcPts val="0"/>
+              </a:spcAft>
+              <a:buClr>
+                <a:schemeClr val="dk1"/>
+              </a:buClr>
+              <a:buSzPts val="1800"/>
+              <a:buFont typeface="Open Sans"/>
+              <a:buChar char="●"/>
+            </a:pPr>
+            <a:endParaRPr lang="en-US" sz="1400" b="0" dirty="0">
+              <a:solidFill>
+                <a:schemeClr val="dk1"/>
+              </a:solidFill>
+              <a:latin typeface="Open Sans"/>
+              <a:ea typeface="Open Sans"/>
+              <a:cs typeface="Open Sans"/>
+              <a:sym typeface="Open Sans"/>
+            </a:endParaRPr>
+          </a:p>
+          <a:p>
+            <a:pPr marL="457200" lvl="0" indent="-342900" algn="l" rtl="0">
+              <a:spcBef>
+                <a:spcPts val="0"/>
+              </a:spcBef>
+              <a:spcAft>
+                <a:spcPts val="0"/>
+              </a:spcAft>
+              <a:buClr>
+                <a:schemeClr val="dk1"/>
+              </a:buClr>
+              <a:buSzPts val="1800"/>
+              <a:buFont typeface="Open Sans"/>
+              <a:buChar char="●"/>
+            </a:pPr>
+            <a:endParaRPr lang="en-US" sz="1400" b="0" dirty="0">
+              <a:solidFill>
+                <a:schemeClr val="dk1"/>
+              </a:solidFill>
+              <a:latin typeface="Open Sans"/>
+              <a:ea typeface="Open Sans"/>
+              <a:cs typeface="Open Sans"/>
+              <a:sym typeface="Open Sans"/>
+            </a:endParaRPr>
+          </a:p>
+          <a:p>
+            <a:pPr marL="457200" lvl="0" indent="-342900" algn="l" rtl="0">
+              <a:spcBef>
+                <a:spcPts val="0"/>
+              </a:spcBef>
+              <a:spcAft>
+                <a:spcPts val="0"/>
+              </a:spcAft>
+              <a:buClr>
+                <a:schemeClr val="dk1"/>
+              </a:buClr>
+              <a:buSzPts val="1800"/>
+              <a:buFont typeface="Open Sans"/>
+              <a:buChar char="●"/>
+            </a:pPr>
+            <a:endParaRPr lang="en-US" sz="1400" b="0" dirty="0">
+              <a:solidFill>
+                <a:schemeClr val="dk1"/>
+              </a:solidFill>
+              <a:latin typeface="Open Sans"/>
+              <a:ea typeface="Open Sans"/>
+              <a:cs typeface="Open Sans"/>
+              <a:sym typeface="Open Sans"/>
+            </a:endParaRPr>
+          </a:p>
+        </p:txBody>
+      </p:sp>
+    </p:spTree>
+    <p:extLst>
+      <p:ext uri="{BB962C8B-B14F-4D97-AF65-F5344CB8AC3E}">
+        <p14:creationId xmlns:p14="http://schemas.microsoft.com/office/powerpoint/2010/main" val="3248441281"/>
       </p:ext>
     </p:extLst>
   </p:cSld>
@@ -9060,7 +9755,7 @@
                 <a:cs typeface="Open Sans"/>
                 <a:sym typeface="Open Sans"/>
               </a:rPr>
-              <a:t>Average temperatures in the U.S. between 1750 and 2015.</a:t>
+              <a:t>Average temperatures in the US between 1750 and 2015.</a:t>
             </a:r>
           </a:p>
           <a:p>
@@ -9516,7 +10211,11 @@
               </a:tabLst>
             </a:pPr>
             <a:r>
-              <a:rPr lang="en-US" sz="1600" dirty="0"/>
+              <a:rPr lang="en-US" sz="1600" dirty="0">
+                <a:latin typeface="Open Sans" panose="020B0606030504020204" pitchFamily="34" charset="0"/>
+                <a:ea typeface="Open Sans" panose="020B0606030504020204" pitchFamily="34" charset="0"/>
+                <a:cs typeface="Open Sans" panose="020B0606030504020204" pitchFamily="34" charset="0"/>
+              </a:rPr>
               <a:t>Global Average Land Temperature by Country</a:t>
             </a:r>
           </a:p>
@@ -9532,7 +10231,11 @@
               </a:tabLst>
             </a:pPr>
             <a:r>
-              <a:rPr lang="en-US" sz="1600" dirty="0"/>
+              <a:rPr lang="en-US" sz="1600" dirty="0">
+                <a:latin typeface="Open Sans" panose="020B0606030504020204" pitchFamily="34" charset="0"/>
+                <a:ea typeface="Open Sans" panose="020B0606030504020204" pitchFamily="34" charset="0"/>
+                <a:cs typeface="Open Sans" panose="020B0606030504020204" pitchFamily="34" charset="0"/>
+              </a:rPr>
               <a:t>Global Average Land Temperature by State</a:t>
             </a:r>
           </a:p>
@@ -9548,7 +10251,11 @@
               </a:tabLst>
             </a:pPr>
             <a:r>
-              <a:rPr lang="en-US" sz="1600" dirty="0"/>
+              <a:rPr lang="en-US" sz="1600" dirty="0">
+                <a:latin typeface="Open Sans" panose="020B0606030504020204" pitchFamily="34" charset="0"/>
+                <a:ea typeface="Open Sans" panose="020B0606030504020204" pitchFamily="34" charset="0"/>
+                <a:cs typeface="Open Sans" panose="020B0606030504020204" pitchFamily="34" charset="0"/>
+              </a:rPr>
               <a:t>Global Land Temperatures By Major City </a:t>
             </a:r>
           </a:p>
@@ -9564,7 +10271,11 @@
               </a:tabLst>
             </a:pPr>
             <a:r>
-              <a:rPr lang="en-US" sz="1600" dirty="0"/>
+              <a:rPr lang="en-US" sz="1600" dirty="0">
+                <a:latin typeface="Open Sans" panose="020B0606030504020204" pitchFamily="34" charset="0"/>
+                <a:ea typeface="Open Sans" panose="020B0606030504020204" pitchFamily="34" charset="0"/>
+                <a:cs typeface="Open Sans" panose="020B0606030504020204" pitchFamily="34" charset="0"/>
+              </a:rPr>
               <a:t>Global Land Temperatures By City</a:t>
             </a:r>
           </a:p>
@@ -9587,7 +10298,7 @@
                 <a:cs typeface="Open Sans"/>
                 <a:sym typeface="Open Sans"/>
               </a:rPr>
-              <a:t> I will only analyze the Average Ocean and Land Temperatures.</a:t>
+              <a:t> I will only analyze the Average Land and Ocean Temperatures.</a:t>
             </a:r>
           </a:p>
         </p:txBody>
@@ -9800,7 +10511,7 @@
         <p:spPr>
           <a:xfrm>
             <a:off x="1289068" y="1801513"/>
-            <a:ext cx="6467475" cy="1982594"/>
+            <a:ext cx="6467475" cy="2044149"/>
           </a:xfrm>
           <a:prstGeom prst="rect">
             <a:avLst/>
@@ -9905,7 +10616,7 @@
                 <a:cs typeface="Open Sans"/>
                 <a:sym typeface="Open Sans"/>
               </a:rPr>
-              <a:t>I can model target variable through supervised regression machine learning algorithms.</a:t>
+              <a:t>I can model the target variable through supervised regression machine learning algorithms.</a:t>
             </a:r>
           </a:p>
           <a:p>
@@ -10684,7 +11395,7 @@
                 <a:cs typeface="Open Sans"/>
                 <a:sym typeface="Open Sans"/>
               </a:rPr>
-              <a:t>Therefore, I rejected records before 1850 and made a new dataset from 1850 and onwards. Its shape is (1992,9) and reduces the number of records from 3192 to 1992. </a:t>
+              <a:t>I rejected records before 1850 and made a new dataset from 1850 and onwards. Its shape is (1992,9) and reduces the number of records from 3192 to 1992. </a:t>
             </a:r>
           </a:p>
         </p:txBody>
@@ -11211,18 +11922,18 @@
 </file>
 
 <file path=customXml/item1.xml><?xml version="1.0" encoding="utf-8"?>
+<p:properties xmlns:p="http://schemas.microsoft.com/office/2006/metadata/properties" xmlns:xsi="http://www.w3.org/2001/XMLSchema-instance" xmlns:pc="http://schemas.microsoft.com/office/infopath/2007/PartnerControls">
+  <documentManagement/>
+</p:properties>
+</file>
+
+<file path=customXml/item2.xml><?xml version="1.0" encoding="utf-8"?>
 <?mso-contentType ?>
 <FormTemplates xmlns="http://schemas.microsoft.com/sharepoint/v3/contenttype/forms">
   <Display>DocumentLibraryForm</Display>
   <Edit>DocumentLibraryForm</Edit>
   <New>DocumentLibraryForm</New>
 </FormTemplates>
-</file>
-
-<file path=customXml/item2.xml><?xml version="1.0" encoding="utf-8"?>
-<p:properties xmlns:p="http://schemas.microsoft.com/office/2006/metadata/properties" xmlns:xsi="http://www.w3.org/2001/XMLSchema-instance" xmlns:pc="http://schemas.microsoft.com/office/infopath/2007/PartnerControls">
-  <documentManagement/>
-</p:properties>
 </file>
 
 <file path=customXml/item3.xml><?xml version="1.0" encoding="utf-8"?>
@@ -11364,14 +12075,6 @@
 </file>
 
 <file path=customXml/itemProps1.xml><?xml version="1.0" encoding="utf-8"?>
-<ds:datastoreItem xmlns:ds="http://schemas.openxmlformats.org/officeDocument/2006/customXml" ds:itemID="{0999F663-0E37-44AA-84EA-92ADA0BC51CA}">
-  <ds:schemaRefs>
-    <ds:schemaRef ds:uri="http://schemas.microsoft.com/sharepoint/v3/contenttype/forms"/>
-  </ds:schemaRefs>
-</ds:datastoreItem>
-</file>
-
-<file path=customXml/itemProps2.xml><?xml version="1.0" encoding="utf-8"?>
 <ds:datastoreItem xmlns:ds="http://schemas.openxmlformats.org/officeDocument/2006/customXml" ds:itemID="{B1EEBF50-D743-4E1A-BCFF-3B923D42AE13}">
   <ds:schemaRefs>
     <ds:schemaRef ds:uri="http://schemas.openxmlformats.org/package/2006/metadata/core-properties"/>
@@ -11383,6 +12086,14 @@
     <ds:schemaRef ds:uri="http://purl.org/dc/terms/"/>
     <ds:schemaRef ds:uri="http://schemas.microsoft.com/office/2006/documentManagement/types"/>
     <ds:schemaRef ds:uri="http://schemas.microsoft.com/office/infopath/2007/PartnerControls"/>
+  </ds:schemaRefs>
+</ds:datastoreItem>
+</file>
+
+<file path=customXml/itemProps2.xml><?xml version="1.0" encoding="utf-8"?>
+<ds:datastoreItem xmlns:ds="http://schemas.openxmlformats.org/officeDocument/2006/customXml" ds:itemID="{0999F663-0E37-44AA-84EA-92ADA0BC51CA}">
+  <ds:schemaRefs>
+    <ds:schemaRef ds:uri="http://schemas.microsoft.com/sharepoint/v3/contenttype/forms"/>
   </ds:schemaRefs>
 </ds:datastoreItem>
 </file>

--- a/Capstone Projects/Capstone_Two_Supervised_ML/Predicting_Temperature_Change.pptx
+++ b/Capstone Projects/Capstone_Two_Supervised_ML/Predicting_Temperature_Change.pptx
@@ -9,7 +9,7 @@
     <p:sldId id="258" r:id="rId6"/>
     <p:sldId id="293" r:id="rId7"/>
     <p:sldId id="261" r:id="rId8"/>
-    <p:sldId id="301" r:id="rId9"/>
+    <p:sldId id="314" r:id="rId9"/>
     <p:sldId id="262" r:id="rId10"/>
     <p:sldId id="295" r:id="rId11"/>
     <p:sldId id="297" r:id="rId12"/>
@@ -29,10 +29,12 @@
     <p:sldId id="307" r:id="rId26"/>
     <p:sldId id="290" r:id="rId27"/>
     <p:sldId id="309" r:id="rId28"/>
-    <p:sldId id="310" r:id="rId29"/>
-    <p:sldId id="312" r:id="rId30"/>
-    <p:sldId id="311" r:id="rId31"/>
-    <p:sldId id="313" r:id="rId32"/>
+    <p:sldId id="315" r:id="rId29"/>
+    <p:sldId id="316" r:id="rId30"/>
+    <p:sldId id="310" r:id="rId31"/>
+    <p:sldId id="312" r:id="rId32"/>
+    <p:sldId id="311" r:id="rId33"/>
+    <p:sldId id="313" r:id="rId34"/>
   </p:sldIdLst>
   <p:sldSz cx="9144000" cy="5143500" type="screen16x9"/>
   <p:notesSz cx="9144000" cy="5143500"/>
@@ -6177,8 +6179,8 @@
               </a:spcBef>
             </a:pPr>
             <a:r>
-              <a:rPr dirty="0"/>
-              <a:t>The</a:t>
+              <a:rPr lang="en-US" dirty="0"/>
+              <a:t>General</a:t>
             </a:r>
             <a:r>
               <a:rPr spc="-140" dirty="0"/>
@@ -8148,7 +8150,7 @@
             </a:pPr>
             <a:r>
               <a:rPr lang="en-US" sz="2800" dirty="0"/>
-              <a:t>Recommendations for further research</a:t>
+              <a:t>Real World Applications</a:t>
             </a:r>
             <a:endParaRPr sz="2800" spc="110" dirty="0"/>
           </a:p>
@@ -8280,7 +8282,7 @@
         <p:spPr>
           <a:xfrm>
             <a:off x="1066800" y="1885950"/>
-            <a:ext cx="6549390" cy="2813591"/>
+            <a:ext cx="6549390" cy="2936701"/>
           </a:xfrm>
           <a:prstGeom prst="rect">
             <a:avLst/>
@@ -8307,18 +8309,16 @@
               <a:buChar char="●"/>
             </a:pPr>
             <a:r>
-              <a:rPr lang="en-US" sz="1400" dirty="0"/>
-              <a:t>The </a:t>
-            </a:r>
-            <a:r>
-              <a:rPr lang="en-US" sz="1400" dirty="0">
-                <a:hlinkClick r:id="rId2"/>
-              </a:rPr>
-              <a:t>Berkeley Earth Climate Change study</a:t>
-            </a:r>
-            <a:r>
-              <a:rPr lang="en-US" sz="1400" dirty="0"/>
-              <a:t> includes separate data for Global Average Land Temperature by Country, Global Average Land Temperature by State, and Global Land Temperatures By City. A separate analysis could be performed on any of these datasets.</a:t>
+              <a:rPr lang="en-US" sz="1600" dirty="0">
+                <a:solidFill>
+                  <a:schemeClr val="dk1"/>
+                </a:solidFill>
+                <a:latin typeface="Open Sans"/>
+                <a:ea typeface="Open Sans"/>
+                <a:cs typeface="Open Sans"/>
+                <a:sym typeface="Open Sans"/>
+              </a:rPr>
+              <a:t>My supervised machine learning problem is helpful for predicting average, minimum, or maximum temperature from historical data.</a:t>
             </a:r>
           </a:p>
           <a:p>
@@ -8337,18 +8337,16 @@
               <a:buChar char="●"/>
             </a:pPr>
             <a:r>
-              <a:rPr lang="en-US" sz="1400" dirty="0"/>
-              <a:t>As the temperature data is in the form of time series, one could also use a Recurrent Neural Network (RNN) to predict feature temperatures. This would potentially use a GRU or LSTM. A simplified model on a different dataset is shown </a:t>
-            </a:r>
-            <a:r>
-              <a:rPr lang="en-US" sz="1400" dirty="0">
-                <a:hlinkClick r:id="rId3"/>
-              </a:rPr>
-              <a:t>here</a:t>
-            </a:r>
-            <a:r>
-              <a:rPr lang="en-US" sz="1400" dirty="0"/>
-              <a:t>.</a:t>
+              <a:rPr lang="en-US" sz="1600" dirty="0">
+                <a:solidFill>
+                  <a:schemeClr val="dk1"/>
+                </a:solidFill>
+                <a:latin typeface="Open Sans"/>
+                <a:ea typeface="Open Sans"/>
+                <a:cs typeface="Open Sans"/>
+                <a:sym typeface="Open Sans"/>
+              </a:rPr>
+              <a:t>In the real world, I would like to use an existing dataset to predict future temperatures.</a:t>
             </a:r>
           </a:p>
           <a:p>
@@ -8367,20 +8365,87 @@
               <a:buChar char="●"/>
             </a:pPr>
             <a:r>
-              <a:rPr lang="en-US" sz="1400" dirty="0"/>
-              <a:t>Instead of predicting the average temperature, one could predict the causes of temperature change. This is an </a:t>
-            </a:r>
-            <a:r>
-              <a:rPr lang="en-US" sz="1400" dirty="0">
-                <a:hlinkClick r:id="rId4"/>
-              </a:rPr>
-              <a:t>active area of research</a:t>
-            </a:r>
-            <a:r>
-              <a:rPr lang="en-US" sz="1400" dirty="0"/>
-              <a:t> in machine learning.</a:t>
-            </a:r>
-            <a:endParaRPr lang="en-US" sz="1400" b="0" dirty="0">
+              <a:rPr lang="en-US" sz="1600" dirty="0">
+                <a:solidFill>
+                  <a:schemeClr val="dk1"/>
+                </a:solidFill>
+                <a:latin typeface="Open Sans"/>
+                <a:ea typeface="Open Sans"/>
+                <a:cs typeface="Open Sans"/>
+                <a:sym typeface="Open Sans"/>
+              </a:rPr>
+              <a:t>This requires forecasting time series data in the future. A well- known machine learning method would be implementing a Convolution Neural Network (CNN).</a:t>
+            </a:r>
+          </a:p>
+          <a:p>
+            <a:pPr marL="457200" lvl="0" indent="-342900" algn="l" rtl="0">
+              <a:spcBef>
+                <a:spcPts val="0"/>
+              </a:spcBef>
+              <a:spcAft>
+                <a:spcPts val="0"/>
+              </a:spcAft>
+              <a:buClr>
+                <a:schemeClr val="dk1"/>
+              </a:buClr>
+              <a:buSzPts val="1800"/>
+              <a:buFont typeface="Open Sans"/>
+              <a:buChar char="●"/>
+            </a:pPr>
+            <a:r>
+              <a:rPr lang="en-US" sz="1600" b="0" dirty="0">
+                <a:solidFill>
+                  <a:schemeClr val="dk1"/>
+                </a:solidFill>
+                <a:latin typeface="Open Sans"/>
+                <a:ea typeface="Open Sans"/>
+                <a:cs typeface="Open Sans"/>
+                <a:sym typeface="Open Sans"/>
+              </a:rPr>
+              <a:t>A good overview of the problem is described in </a:t>
+            </a:r>
+            <a:r>
+              <a:rPr lang="en-US" sz="1600" b="0" dirty="0">
+                <a:solidFill>
+                  <a:schemeClr val="dk1"/>
+                </a:solidFill>
+                <a:latin typeface="Open Sans"/>
+                <a:ea typeface="Open Sans"/>
+                <a:cs typeface="Open Sans"/>
+                <a:sym typeface="Open Sans"/>
+                <a:hlinkClick r:id="rId2"/>
+              </a:rPr>
+              <a:t>this Medium post</a:t>
+            </a:r>
+            <a:r>
+              <a:rPr lang="en-US" sz="1600" b="0" dirty="0">
+                <a:solidFill>
+                  <a:schemeClr val="dk1"/>
+                </a:solidFill>
+                <a:latin typeface="Open Sans"/>
+                <a:ea typeface="Open Sans"/>
+                <a:cs typeface="Open Sans"/>
+                <a:sym typeface="Open Sans"/>
+              </a:rPr>
+              <a:t>.</a:t>
+            </a:r>
+          </a:p>
+          <a:p>
+            <a:pPr marL="457200" lvl="0" indent="-342900" algn="l" rtl="0">
+              <a:spcBef>
+                <a:spcPts val="0"/>
+              </a:spcBef>
+              <a:spcAft>
+                <a:spcPts val="0"/>
+              </a:spcAft>
+              <a:buClr>
+                <a:schemeClr val="dk1"/>
+              </a:buClr>
+              <a:buSzPts val="1800"/>
+              <a:buFont typeface="Open Sans"/>
+              <a:buChar char="●"/>
+            </a:pPr>
+            <a:endParaRPr lang="en-US" sz="1600" b="0" dirty="0">
               <a:solidFill>
                 <a:schemeClr val="dk1"/>
               </a:solidFill>
@@ -8415,37 +8480,12 @@
               <a:sym typeface="Open Sans"/>
             </a:endParaRPr>
           </a:p>
-          <a:p>
-            <a:pPr marL="457200" lvl="0" indent="-342900" algn="l" rtl="0">
-              <a:spcBef>
-                <a:spcPts val="0"/>
-              </a:spcBef>
-              <a:spcAft>
-                <a:spcPts val="0"/>
-              </a:spcAft>
-              <a:buClr>
-                <a:schemeClr val="dk1"/>
-              </a:buClr>
-              <a:buSzPts val="1800"/>
-              <a:buFont typeface="Open Sans"/>
-              <a:buChar char="●"/>
-            </a:pPr>
-            <a:endParaRPr lang="en-US" sz="1400" b="0" dirty="0">
-              <a:solidFill>
-                <a:schemeClr val="dk1"/>
-              </a:solidFill>
-              <a:latin typeface="Open Sans"/>
-              <a:ea typeface="Open Sans"/>
-              <a:cs typeface="Open Sans"/>
-              <a:sym typeface="Open Sans"/>
-            </a:endParaRPr>
-          </a:p>
         </p:txBody>
       </p:sp>
     </p:spTree>
     <p:extLst>
       <p:ext uri="{BB962C8B-B14F-4D97-AF65-F5344CB8AC3E}">
-        <p14:creationId xmlns:p14="http://schemas.microsoft.com/office/powerpoint/2010/main" val="1666120286"/>
+        <p14:creationId xmlns:p14="http://schemas.microsoft.com/office/powerpoint/2010/main" val="2089662409"/>
       </p:ext>
     </p:extLst>
   </p:cSld>
@@ -8507,7 +8547,7 @@
             </a:pPr>
             <a:r>
               <a:rPr lang="en-US" sz="2800" dirty="0"/>
-              <a:t>Notebook Locations</a:t>
+              <a:t>Additional Features for Temperature Forecasting</a:t>
             </a:r>
             <a:endParaRPr sz="2800" spc="110" dirty="0"/>
           </a:p>
@@ -8638,8 +8678,8 @@
         </p:nvSpPr>
         <p:spPr>
           <a:xfrm>
-            <a:off x="1066800" y="1885950"/>
-            <a:ext cx="6549390" cy="1151597"/>
+            <a:off x="990600" y="1808550"/>
+            <a:ext cx="6549390" cy="3306033"/>
           </a:xfrm>
           <a:prstGeom prst="rect">
             <a:avLst/>
@@ -8667,44 +8707,140 @@
             </a:pPr>
             <a:r>
               <a:rPr lang="en-US" sz="1600" dirty="0">
-                <a:latin typeface="Open Sans" panose="020B0606030504020204" pitchFamily="34" charset="0"/>
-                <a:ea typeface="Open Sans" panose="020B0606030504020204" pitchFamily="34" charset="0"/>
-                <a:cs typeface="Open Sans" panose="020B0606030504020204" pitchFamily="34" charset="0"/>
-              </a:rPr>
-              <a:t>A </a:t>
-            </a:r>
-            <a:r>
-              <a:rPr lang="en-US" sz="1600" dirty="0" err="1">
-                <a:latin typeface="Open Sans" panose="020B0606030504020204" pitchFamily="34" charset="0"/>
-                <a:ea typeface="Open Sans" panose="020B0606030504020204" pitchFamily="34" charset="0"/>
-                <a:cs typeface="Open Sans" panose="020B0606030504020204" pitchFamily="34" charset="0"/>
-              </a:rPr>
-              <a:t>Jupyter</a:t>
+                <a:solidFill>
+                  <a:schemeClr val="dk1"/>
+                </a:solidFill>
+                <a:latin typeface="Open Sans"/>
+                <a:ea typeface="Open Sans"/>
+                <a:cs typeface="Open Sans"/>
+                <a:sym typeface="Open Sans"/>
+              </a:rPr>
+              <a:t>The National Oceanic and Atmospheric Administration tracks </a:t>
             </a:r>
             <a:r>
               <a:rPr lang="en-US" sz="1600" dirty="0">
-                <a:latin typeface="Open Sans" panose="020B0606030504020204" pitchFamily="34" charset="0"/>
-                <a:ea typeface="Open Sans" panose="020B0606030504020204" pitchFamily="34" charset="0"/>
-                <a:cs typeface="Open Sans" panose="020B0606030504020204" pitchFamily="34" charset="0"/>
-              </a:rPr>
-              <a:t> notebook of my work can be found </a:t>
+                <a:solidFill>
+                  <a:schemeClr val="dk1"/>
+                </a:solidFill>
+                <a:latin typeface="Open Sans"/>
+                <a:ea typeface="Open Sans"/>
+                <a:cs typeface="Open Sans"/>
+                <a:sym typeface="Open Sans"/>
+                <a:hlinkClick r:id="rId2"/>
+              </a:rPr>
+              <a:t>factors impacting temperature and climate</a:t>
             </a:r>
             <a:r>
               <a:rPr lang="en-US" sz="1600" dirty="0">
-                <a:latin typeface="Open Sans" panose="020B0606030504020204" pitchFamily="34" charset="0"/>
-                <a:ea typeface="Open Sans" panose="020B0606030504020204" pitchFamily="34" charset="0"/>
-                <a:cs typeface="Open Sans" panose="020B0606030504020204" pitchFamily="34" charset="0"/>
-                <a:hlinkClick r:id="rId2"/>
-              </a:rPr>
-              <a:t>here</a:t>
-            </a:r>
+                <a:solidFill>
+                  <a:schemeClr val="dk1"/>
+                </a:solidFill>
+                <a:latin typeface="Open Sans"/>
+                <a:ea typeface="Open Sans"/>
+                <a:cs typeface="Open Sans"/>
+                <a:sym typeface="Open Sans"/>
+              </a:rPr>
+              <a:t>. Further analysis can be performed after adding:</a:t>
+            </a:r>
+          </a:p>
+          <a:p>
+            <a:pPr marL="805815" marR="5080" lvl="1" indent="-336550">
+              <a:lnSpc>
+                <a:spcPct val="169600"/>
+              </a:lnSpc>
+              <a:buFont typeface="Arial"/>
+              <a:buChar char="○"/>
+              <a:tabLst>
+                <a:tab pos="805815" algn="l"/>
+              </a:tabLst>
+            </a:pPr>
             <a:r>
               <a:rPr lang="en-US" sz="1600" dirty="0">
                 <a:latin typeface="Open Sans" panose="020B0606030504020204" pitchFamily="34" charset="0"/>
                 <a:ea typeface="Open Sans" panose="020B0606030504020204" pitchFamily="34" charset="0"/>
                 <a:cs typeface="Open Sans" panose="020B0606030504020204" pitchFamily="34" charset="0"/>
               </a:rPr>
-              <a:t>.</a:t>
+              <a:t>Latitude and Elevation</a:t>
+            </a:r>
+          </a:p>
+          <a:p>
+            <a:pPr marL="805815" marR="5080" lvl="1" indent="-336550">
+              <a:lnSpc>
+                <a:spcPct val="169600"/>
+              </a:lnSpc>
+              <a:buFont typeface="Arial"/>
+              <a:buChar char="○"/>
+              <a:tabLst>
+                <a:tab pos="805815" algn="l"/>
+              </a:tabLst>
+            </a:pPr>
+            <a:r>
+              <a:rPr lang="en-US" sz="1600" dirty="0">
+                <a:latin typeface="Open Sans" panose="020B0606030504020204" pitchFamily="34" charset="0"/>
+                <a:ea typeface="Open Sans" panose="020B0606030504020204" pitchFamily="34" charset="0"/>
+                <a:cs typeface="Open Sans" panose="020B0606030504020204" pitchFamily="34" charset="0"/>
+              </a:rPr>
+              <a:t>Nearness to center of large landmasses or bodies of water</a:t>
+            </a:r>
+          </a:p>
+          <a:p>
+            <a:pPr marL="805815" marR="5080" lvl="1" indent="-336550">
+              <a:lnSpc>
+                <a:spcPct val="169600"/>
+              </a:lnSpc>
+              <a:buFont typeface="Arial"/>
+              <a:buChar char="○"/>
+              <a:tabLst>
+                <a:tab pos="805815" algn="l"/>
+              </a:tabLst>
+            </a:pPr>
+            <a:r>
+              <a:rPr lang="en-US" sz="1600" dirty="0">
+                <a:latin typeface="Open Sans" panose="020B0606030504020204" pitchFamily="34" charset="0"/>
+                <a:ea typeface="Open Sans" panose="020B0606030504020204" pitchFamily="34" charset="0"/>
+                <a:cs typeface="Open Sans" panose="020B0606030504020204" pitchFamily="34" charset="0"/>
+              </a:rPr>
+              <a:t>Location relative to large mountain ranges</a:t>
+            </a:r>
+          </a:p>
+          <a:p>
+            <a:pPr marL="805815" marR="5080" lvl="1" indent="-336550">
+              <a:lnSpc>
+                <a:spcPct val="169600"/>
+              </a:lnSpc>
+              <a:buFont typeface="Arial"/>
+              <a:buChar char="○"/>
+              <a:tabLst>
+                <a:tab pos="805815" algn="l"/>
+              </a:tabLst>
+            </a:pPr>
+            <a:r>
+              <a:rPr lang="en-US" sz="1600" dirty="0">
+                <a:latin typeface="Open Sans" panose="020B0606030504020204" pitchFamily="34" charset="0"/>
+                <a:ea typeface="Open Sans" panose="020B0606030504020204" pitchFamily="34" charset="0"/>
+                <a:cs typeface="Open Sans" panose="020B0606030504020204" pitchFamily="34" charset="0"/>
+              </a:rPr>
+              <a:t>Humidity</a:t>
+            </a:r>
+          </a:p>
+          <a:p>
+            <a:pPr marL="805815" marR="5080" lvl="1" indent="-336550">
+              <a:lnSpc>
+                <a:spcPct val="169600"/>
+              </a:lnSpc>
+              <a:buFont typeface="Arial"/>
+              <a:buChar char="○"/>
+              <a:tabLst>
+                <a:tab pos="805815" algn="l"/>
+              </a:tabLst>
+            </a:pPr>
+            <a:r>
+              <a:rPr lang="en-US" sz="1600" dirty="0">
+                <a:latin typeface="Open Sans" panose="020B0606030504020204" pitchFamily="34" charset="0"/>
+                <a:ea typeface="Open Sans" panose="020B0606030504020204" pitchFamily="34" charset="0"/>
+                <a:cs typeface="Open Sans" panose="020B0606030504020204" pitchFamily="34" charset="0"/>
+              </a:rPr>
+              <a:t>Ocean Currents</a:t>
             </a:r>
           </a:p>
           <a:p>
@@ -8722,48 +8858,7 @@
               <a:buFont typeface="Open Sans"/>
               <a:buChar char="●"/>
             </a:pPr>
-            <a:r>
-              <a:rPr lang="en-US" sz="1600" dirty="0">
-                <a:latin typeface="Open Sans" panose="020B0606030504020204" pitchFamily="34" charset="0"/>
-                <a:ea typeface="Open Sans" panose="020B0606030504020204" pitchFamily="34" charset="0"/>
-                <a:cs typeface="Open Sans" panose="020B0606030504020204" pitchFamily="34" charset="0"/>
-              </a:rPr>
-              <a:t>The </a:t>
-            </a:r>
-            <a:r>
-              <a:rPr lang="en-US" sz="1600" dirty="0">
-                <a:latin typeface="Open Sans" panose="020B0606030504020204" pitchFamily="34" charset="0"/>
-                <a:ea typeface="Open Sans" panose="020B0606030504020204" pitchFamily="34" charset="0"/>
-                <a:cs typeface="Open Sans" panose="020B0606030504020204" pitchFamily="34" charset="0"/>
-                <a:hlinkClick r:id="rId3"/>
-              </a:rPr>
-              <a:t>same notebook</a:t>
-            </a:r>
-            <a:r>
-              <a:rPr lang="en-US" sz="1600" dirty="0">
-                <a:latin typeface="Open Sans" panose="020B0606030504020204" pitchFamily="34" charset="0"/>
-                <a:ea typeface="Open Sans" panose="020B0606030504020204" pitchFamily="34" charset="0"/>
-                <a:cs typeface="Open Sans" panose="020B0606030504020204" pitchFamily="34" charset="0"/>
-              </a:rPr>
-              <a:t> is also on Kaggle. </a:t>
-            </a:r>
-          </a:p>
-          <a:p>
-            <a:pPr marL="457200" lvl="0" indent="-342900" algn="l" rtl="0">
-              <a:spcBef>
-                <a:spcPts val="0"/>
-              </a:spcBef>
-              <a:spcAft>
-                <a:spcPts val="0"/>
-              </a:spcAft>
-              <a:buClr>
-                <a:schemeClr val="dk1"/>
-              </a:buClr>
-              <a:buSzPts val="1800"/>
-              <a:buFont typeface="Open Sans"/>
-              <a:buChar char="●"/>
-            </a:pPr>
-            <a:endParaRPr lang="en-US" sz="1400" b="0" dirty="0">
+            <a:endParaRPr lang="en-US" sz="1600" b="0" dirty="0">
               <a:solidFill>
                 <a:schemeClr val="dk1"/>
               </a:solidFill>
@@ -8798,37 +8893,12 @@
               <a:sym typeface="Open Sans"/>
             </a:endParaRPr>
           </a:p>
-          <a:p>
-            <a:pPr marL="457200" lvl="0" indent="-342900" algn="l" rtl="0">
-              <a:spcBef>
-                <a:spcPts val="0"/>
-              </a:spcBef>
-              <a:spcAft>
-                <a:spcPts val="0"/>
-              </a:spcAft>
-              <a:buClr>
-                <a:schemeClr val="dk1"/>
-              </a:buClr>
-              <a:buSzPts val="1800"/>
-              <a:buFont typeface="Open Sans"/>
-              <a:buChar char="●"/>
-            </a:pPr>
-            <a:endParaRPr lang="en-US" sz="1400" b="0" dirty="0">
-              <a:solidFill>
-                <a:schemeClr val="dk1"/>
-              </a:solidFill>
-              <a:latin typeface="Open Sans"/>
-              <a:ea typeface="Open Sans"/>
-              <a:cs typeface="Open Sans"/>
-              <a:sym typeface="Open Sans"/>
-            </a:endParaRPr>
-          </a:p>
         </p:txBody>
       </p:sp>
     </p:spTree>
     <p:extLst>
       <p:ext uri="{BB962C8B-B14F-4D97-AF65-F5344CB8AC3E}">
-        <p14:creationId xmlns:p14="http://schemas.microsoft.com/office/powerpoint/2010/main" val="2588408881"/>
+        <p14:creationId xmlns:p14="http://schemas.microsoft.com/office/powerpoint/2010/main" val="773446582"/>
       </p:ext>
     </p:extLst>
   </p:cSld>
@@ -8890,7 +8960,7 @@
             </a:pPr>
             <a:r>
               <a:rPr lang="en-US" sz="2800" dirty="0"/>
-              <a:t>Future Work</a:t>
+              <a:t>Recommendations for further research</a:t>
             </a:r>
             <a:endParaRPr sz="2800" spc="110" dirty="0"/>
           </a:p>
@@ -9022,7 +9092,7 @@
         <p:spPr>
           <a:xfrm>
             <a:off x="1066800" y="1885950"/>
-            <a:ext cx="6549390" cy="2875146"/>
+            <a:ext cx="6549390" cy="2813591"/>
           </a:xfrm>
           <a:prstGeom prst="rect">
             <a:avLst/>
@@ -9049,63 +9119,18 @@
               <a:buChar char="●"/>
             </a:pPr>
             <a:r>
-              <a:rPr lang="en-US" sz="1600" dirty="0">
-                <a:latin typeface="Open Sans" panose="020B0606030504020204" pitchFamily="34" charset="0"/>
-                <a:ea typeface="Open Sans" panose="020B0606030504020204" pitchFamily="34" charset="0"/>
-                <a:cs typeface="Open Sans" panose="020B0606030504020204" pitchFamily="34" charset="0"/>
-              </a:rPr>
-              <a:t>Kaggle hosts a variety of machine learning competitions including </a:t>
-            </a:r>
-            <a:r>
-              <a:rPr lang="en-US" sz="1600" dirty="0">
-                <a:latin typeface="Open Sans" panose="020B0606030504020204" pitchFamily="34" charset="0"/>
-                <a:ea typeface="Open Sans" panose="020B0606030504020204" pitchFamily="34" charset="0"/>
-                <a:cs typeface="Open Sans" panose="020B0606030504020204" pitchFamily="34" charset="0"/>
+              <a:rPr lang="en-US" sz="1400" dirty="0"/>
+              <a:t>The </a:t>
+            </a:r>
+            <a:r>
+              <a:rPr lang="en-US" sz="1400" dirty="0">
                 <a:hlinkClick r:id="rId2"/>
               </a:rPr>
-              <a:t>predicting sales of house prices</a:t>
-            </a:r>
-            <a:r>
-              <a:rPr lang="en-US" sz="1600" dirty="0">
-                <a:latin typeface="Open Sans" panose="020B0606030504020204" pitchFamily="34" charset="0"/>
-                <a:ea typeface="Open Sans" panose="020B0606030504020204" pitchFamily="34" charset="0"/>
-                <a:cs typeface="Open Sans" panose="020B0606030504020204" pitchFamily="34" charset="0"/>
-              </a:rPr>
-              <a:t>, </a:t>
-            </a:r>
-            <a:r>
-              <a:rPr lang="en-US" sz="1600" dirty="0">
-                <a:latin typeface="Open Sans" panose="020B0606030504020204" pitchFamily="34" charset="0"/>
-                <a:ea typeface="Open Sans" panose="020B0606030504020204" pitchFamily="34" charset="0"/>
-                <a:cs typeface="Open Sans" panose="020B0606030504020204" pitchFamily="34" charset="0"/>
-                <a:hlinkClick r:id="rId3"/>
-              </a:rPr>
-              <a:t>natural language processing for disaster tweets</a:t>
-            </a:r>
-            <a:r>
-              <a:rPr lang="en-US" sz="1600" dirty="0">
-                <a:latin typeface="Open Sans" panose="020B0606030504020204" pitchFamily="34" charset="0"/>
-                <a:ea typeface="Open Sans" panose="020B0606030504020204" pitchFamily="34" charset="0"/>
-                <a:cs typeface="Open Sans" panose="020B0606030504020204" pitchFamily="34" charset="0"/>
-              </a:rPr>
-              <a:t>, and </a:t>
-            </a:r>
-            <a:r>
-              <a:rPr lang="en-US" sz="1600" dirty="0">
-                <a:latin typeface="Open Sans" panose="020B0606030504020204" pitchFamily="34" charset="0"/>
-                <a:ea typeface="Open Sans" panose="020B0606030504020204" pitchFamily="34" charset="0"/>
-                <a:cs typeface="Open Sans" panose="020B0606030504020204" pitchFamily="34" charset="0"/>
-                <a:hlinkClick r:id="rId4"/>
-              </a:rPr>
-              <a:t>classifying Arabic letters through images</a:t>
-            </a:r>
-            <a:r>
-              <a:rPr lang="en-US" sz="1600" dirty="0">
-                <a:latin typeface="Open Sans" panose="020B0606030504020204" pitchFamily="34" charset="0"/>
-                <a:ea typeface="Open Sans" panose="020B0606030504020204" pitchFamily="34" charset="0"/>
-                <a:cs typeface="Open Sans" panose="020B0606030504020204" pitchFamily="34" charset="0"/>
-              </a:rPr>
-              <a:t>.</a:t>
+              <a:t>Berkeley Earth Climate Change study</a:t>
+            </a:r>
+            <a:r>
+              <a:rPr lang="en-US" sz="1400" dirty="0"/>
+              <a:t> includes separate data for Global Average Land Temperature by Country, Global Average Land Temperature by State, and Global Land Temperatures By City. A separate analysis could be performed on any of these datasets.</a:t>
             </a:r>
           </a:p>
           <a:p>
@@ -9124,12 +9149,18 @@
               <a:buChar char="●"/>
             </a:pPr>
             <a:r>
-              <a:rPr lang="en-US" sz="1600" dirty="0">
-                <a:latin typeface="Open Sans" panose="020B0606030504020204" pitchFamily="34" charset="0"/>
-                <a:ea typeface="Open Sans" panose="020B0606030504020204" pitchFamily="34" charset="0"/>
-                <a:cs typeface="Open Sans" panose="020B0606030504020204" pitchFamily="34" charset="0"/>
-              </a:rPr>
-              <a:t>I would like to get more involved with the community and participate in competitions.</a:t>
+              <a:rPr lang="en-US" sz="1400" dirty="0"/>
+              <a:t>As the temperature data is in the form of time series, one could also use a Recurrent Neural Network (RNN) to predict feature temperatures. This would potentially use a GRU or LSTM. A simplified model on a different dataset is shown </a:t>
+            </a:r>
+            <a:r>
+              <a:rPr lang="en-US" sz="1400" dirty="0">
+                <a:hlinkClick r:id="rId3"/>
+              </a:rPr>
+              <a:t>here</a:t>
+            </a:r>
+            <a:r>
+              <a:rPr lang="en-US" sz="1400" dirty="0"/>
+              <a:t>.</a:t>
             </a:r>
           </a:p>
           <a:p>
@@ -9148,29 +9179,19 @@
               <a:buChar char="●"/>
             </a:pPr>
             <a:r>
-              <a:rPr lang="en-US" sz="1600" dirty="0">
-                <a:latin typeface="Open Sans" panose="020B0606030504020204" pitchFamily="34" charset="0"/>
-                <a:ea typeface="Open Sans" panose="020B0606030504020204" pitchFamily="34" charset="0"/>
-                <a:cs typeface="Open Sans" panose="020B0606030504020204" pitchFamily="34" charset="0"/>
-              </a:rPr>
-              <a:t>I am active in two ML Meetup groups and would like to become more active with the machine learning community in Ann Arbor (and elsewhere).</a:t>
-            </a:r>
-          </a:p>
-          <a:p>
-            <a:pPr marL="457200" lvl="0" indent="-342900" algn="l" rtl="0">
-              <a:spcBef>
-                <a:spcPts val="0"/>
-              </a:spcBef>
-              <a:spcAft>
-                <a:spcPts val="0"/>
-              </a:spcAft>
-              <a:buClr>
-                <a:schemeClr val="dk1"/>
-              </a:buClr>
-              <a:buSzPts val="1800"/>
-              <a:buFont typeface="Open Sans"/>
-              <a:buChar char="●"/>
-            </a:pPr>
+              <a:rPr lang="en-US" sz="1400" dirty="0"/>
+              <a:t>Instead of predicting the average temperature, one could predict the causes of temperature change. This is an </a:t>
+            </a:r>
+            <a:r>
+              <a:rPr lang="en-US" sz="1400" dirty="0">
+                <a:hlinkClick r:id="rId4"/>
+              </a:rPr>
+              <a:t>active area of research</a:t>
+            </a:r>
+            <a:r>
+              <a:rPr lang="en-US" sz="1400" dirty="0"/>
+              <a:t> in machine learning.</a:t>
+            </a:r>
             <a:endParaRPr lang="en-US" sz="1400" b="0" dirty="0">
               <a:solidFill>
                 <a:schemeClr val="dk1"/>
@@ -9236,7 +9257,7 @@
     </p:spTree>
     <p:extLst>
       <p:ext uri="{BB962C8B-B14F-4D97-AF65-F5344CB8AC3E}">
-        <p14:creationId xmlns:p14="http://schemas.microsoft.com/office/powerpoint/2010/main" val="2053165355"/>
+        <p14:creationId xmlns:p14="http://schemas.microsoft.com/office/powerpoint/2010/main" val="1666120286"/>
       </p:ext>
     </p:extLst>
   </p:cSld>
@@ -9298,7 +9319,7 @@
             </a:pPr>
             <a:r>
               <a:rPr lang="en-US" sz="2800" dirty="0"/>
-              <a:t>Questions/Discussion</a:t>
+              <a:t>Notebook Locations</a:t>
             </a:r>
             <a:endParaRPr sz="2800" spc="110" dirty="0"/>
           </a:p>
@@ -9430,7 +9451,7 @@
         <p:spPr>
           <a:xfrm>
             <a:off x="1066800" y="1885950"/>
-            <a:ext cx="6549390" cy="659155"/>
+            <a:ext cx="6549390" cy="1151597"/>
           </a:xfrm>
           <a:prstGeom prst="rect">
             <a:avLst/>
@@ -9456,6 +9477,104 @@
               <a:buFont typeface="Open Sans"/>
               <a:buChar char="●"/>
             </a:pPr>
+            <a:r>
+              <a:rPr lang="en-US" sz="1600" dirty="0">
+                <a:latin typeface="Open Sans" panose="020B0606030504020204" pitchFamily="34" charset="0"/>
+                <a:ea typeface="Open Sans" panose="020B0606030504020204" pitchFamily="34" charset="0"/>
+                <a:cs typeface="Open Sans" panose="020B0606030504020204" pitchFamily="34" charset="0"/>
+              </a:rPr>
+              <a:t>A </a:t>
+            </a:r>
+            <a:r>
+              <a:rPr lang="en-US" sz="1600" dirty="0" err="1">
+                <a:latin typeface="Open Sans" panose="020B0606030504020204" pitchFamily="34" charset="0"/>
+                <a:ea typeface="Open Sans" panose="020B0606030504020204" pitchFamily="34" charset="0"/>
+                <a:cs typeface="Open Sans" panose="020B0606030504020204" pitchFamily="34" charset="0"/>
+              </a:rPr>
+              <a:t>Jupyter</a:t>
+            </a:r>
+            <a:r>
+              <a:rPr lang="en-US" sz="1600" dirty="0">
+                <a:latin typeface="Open Sans" panose="020B0606030504020204" pitchFamily="34" charset="0"/>
+                <a:ea typeface="Open Sans" panose="020B0606030504020204" pitchFamily="34" charset="0"/>
+                <a:cs typeface="Open Sans" panose="020B0606030504020204" pitchFamily="34" charset="0"/>
+              </a:rPr>
+              <a:t> notebook of my work can be found </a:t>
+            </a:r>
+            <a:r>
+              <a:rPr lang="en-US" sz="1600" dirty="0">
+                <a:latin typeface="Open Sans" panose="020B0606030504020204" pitchFamily="34" charset="0"/>
+                <a:ea typeface="Open Sans" panose="020B0606030504020204" pitchFamily="34" charset="0"/>
+                <a:cs typeface="Open Sans" panose="020B0606030504020204" pitchFamily="34" charset="0"/>
+                <a:hlinkClick r:id="rId2"/>
+              </a:rPr>
+              <a:t>here</a:t>
+            </a:r>
+            <a:r>
+              <a:rPr lang="en-US" sz="1600" dirty="0">
+                <a:latin typeface="Open Sans" panose="020B0606030504020204" pitchFamily="34" charset="0"/>
+                <a:ea typeface="Open Sans" panose="020B0606030504020204" pitchFamily="34" charset="0"/>
+                <a:cs typeface="Open Sans" panose="020B0606030504020204" pitchFamily="34" charset="0"/>
+              </a:rPr>
+              <a:t>.</a:t>
+            </a:r>
+          </a:p>
+          <a:p>
+            <a:pPr marL="457200" lvl="0" indent="-342900" algn="l" rtl="0">
+              <a:spcBef>
+                <a:spcPts val="0"/>
+              </a:spcBef>
+              <a:spcAft>
+                <a:spcPts val="0"/>
+              </a:spcAft>
+              <a:buClr>
+                <a:schemeClr val="dk1"/>
+              </a:buClr>
+              <a:buSzPts val="1800"/>
+              <a:buFont typeface="Open Sans"/>
+              <a:buChar char="●"/>
+            </a:pPr>
+            <a:r>
+              <a:rPr lang="en-US" sz="1600" dirty="0">
+                <a:latin typeface="Open Sans" panose="020B0606030504020204" pitchFamily="34" charset="0"/>
+                <a:ea typeface="Open Sans" panose="020B0606030504020204" pitchFamily="34" charset="0"/>
+                <a:cs typeface="Open Sans" panose="020B0606030504020204" pitchFamily="34" charset="0"/>
+              </a:rPr>
+              <a:t>The </a:t>
+            </a:r>
+            <a:r>
+              <a:rPr lang="en-US" sz="1600" dirty="0">
+                <a:latin typeface="Open Sans" panose="020B0606030504020204" pitchFamily="34" charset="0"/>
+                <a:ea typeface="Open Sans" panose="020B0606030504020204" pitchFamily="34" charset="0"/>
+                <a:cs typeface="Open Sans" panose="020B0606030504020204" pitchFamily="34" charset="0"/>
+                <a:hlinkClick r:id="rId3"/>
+              </a:rPr>
+              <a:t>same notebook</a:t>
+            </a:r>
+            <a:r>
+              <a:rPr lang="en-US" sz="1600" dirty="0">
+                <a:latin typeface="Open Sans" panose="020B0606030504020204" pitchFamily="34" charset="0"/>
+                <a:ea typeface="Open Sans" panose="020B0606030504020204" pitchFamily="34" charset="0"/>
+                <a:cs typeface="Open Sans" panose="020B0606030504020204" pitchFamily="34" charset="0"/>
+              </a:rPr>
+              <a:t> is also on Kaggle. </a:t>
+            </a:r>
+          </a:p>
+          <a:p>
+            <a:pPr marL="457200" lvl="0" indent="-342900" algn="l" rtl="0">
+              <a:spcBef>
+                <a:spcPts val="0"/>
+              </a:spcBef>
+              <a:spcAft>
+                <a:spcPts val="0"/>
+              </a:spcAft>
+              <a:buClr>
+                <a:schemeClr val="dk1"/>
+              </a:buClr>
+              <a:buSzPts val="1800"/>
+              <a:buFont typeface="Open Sans"/>
+              <a:buChar char="●"/>
+            </a:pPr>
             <a:endParaRPr lang="en-US" sz="1400" b="0" dirty="0">
               <a:solidFill>
                 <a:schemeClr val="dk1"/>
@@ -9521,7 +9640,415 @@
     </p:spTree>
     <p:extLst>
       <p:ext uri="{BB962C8B-B14F-4D97-AF65-F5344CB8AC3E}">
-        <p14:creationId xmlns:p14="http://schemas.microsoft.com/office/powerpoint/2010/main" val="3248441281"/>
+        <p14:creationId xmlns:p14="http://schemas.microsoft.com/office/powerpoint/2010/main" val="2588408881"/>
+      </p:ext>
+    </p:extLst>
+  </p:cSld>
+  <p:clrMapOvr>
+    <a:masterClrMapping/>
+  </p:clrMapOvr>
+</p:sld>
+</file>
+
+<file path=ppt/slides/slide29.xml><?xml version="1.0" encoding="utf-8"?>
+<p:sld xmlns:a="http://schemas.openxmlformats.org/drawingml/2006/main" xmlns:r="http://schemas.openxmlformats.org/officeDocument/2006/relationships" xmlns:p="http://schemas.openxmlformats.org/presentationml/2006/main" showMasterSp="0">
+  <p:cSld>
+    <p:spTree>
+      <p:nvGrpSpPr>
+        <p:cNvPr id="1" name=""/>
+        <p:cNvGrpSpPr/>
+        <p:nvPr/>
+      </p:nvGrpSpPr>
+      <p:grpSpPr>
+        <a:xfrm>
+          <a:off x="0" y="0"/>
+          <a:ext cx="0" cy="0"/>
+          <a:chOff x="0" y="0"/>
+          <a:chExt cx="0" cy="0"/>
+        </a:xfrm>
+      </p:grpSpPr>
+      <p:sp>
+        <p:nvSpPr>
+          <p:cNvPr id="2" name="object 2"/>
+          <p:cNvSpPr txBox="1">
+            <a:spLocks noGrp="1"/>
+          </p:cNvSpPr>
+          <p:nvPr>
+            <p:ph type="title"/>
+          </p:nvPr>
+        </p:nvSpPr>
+        <p:spPr>
+          <a:xfrm>
+            <a:off x="384725" y="467785"/>
+            <a:ext cx="8301990" cy="443711"/>
+          </a:xfrm>
+          <a:prstGeom prst="rect">
+            <a:avLst/>
+          </a:prstGeom>
+        </p:spPr>
+        <p:txBody>
+          <a:bodyPr vert="horz" wrap="square" lIns="0" tIns="12700" rIns="0" bIns="0" rtlCol="0">
+            <a:spAutoFit/>
+          </a:bodyPr>
+          <a:lstStyle/>
+          <a:p>
+            <a:pPr marL="12700">
+              <a:lnSpc>
+                <a:spcPct val="100000"/>
+              </a:lnSpc>
+              <a:spcBef>
+                <a:spcPts val="100"/>
+              </a:spcBef>
+            </a:pPr>
+            <a:r>
+              <a:rPr lang="en-US" sz="2800" dirty="0"/>
+              <a:t>Machine Learning Competitions</a:t>
+            </a:r>
+            <a:endParaRPr sz="2800" spc="110" dirty="0"/>
+          </a:p>
+        </p:txBody>
+      </p:sp>
+      <p:grpSp>
+        <p:nvGrpSpPr>
+          <p:cNvPr id="3" name="object 3"/>
+          <p:cNvGrpSpPr/>
+          <p:nvPr/>
+        </p:nvGrpSpPr>
+        <p:grpSpPr>
+          <a:xfrm>
+            <a:off x="693875" y="1212987"/>
+            <a:ext cx="7613650" cy="3426460"/>
+            <a:chOff x="693875" y="1212987"/>
+            <a:chExt cx="7613650" cy="3426460"/>
+          </a:xfrm>
+        </p:grpSpPr>
+        <p:sp>
+          <p:nvSpPr>
+            <p:cNvPr id="4" name="object 4"/>
+            <p:cNvSpPr/>
+            <p:nvPr/>
+          </p:nvSpPr>
+          <p:spPr>
+            <a:xfrm>
+              <a:off x="698566" y="1217750"/>
+              <a:ext cx="7604125" cy="464184"/>
+            </a:xfrm>
+            <a:custGeom>
+              <a:avLst/>
+              <a:gdLst/>
+              <a:ahLst/>
+              <a:cxnLst/>
+              <a:rect l="l" t="t" r="r" b="b"/>
+              <a:pathLst>
+                <a:path w="7604125" h="464185">
+                  <a:moveTo>
+                    <a:pt x="7604093" y="464099"/>
+                  </a:moveTo>
+                  <a:lnTo>
+                    <a:pt x="0" y="464099"/>
+                  </a:lnTo>
+                  <a:lnTo>
+                    <a:pt x="0" y="0"/>
+                  </a:lnTo>
+                  <a:lnTo>
+                    <a:pt x="7604093" y="0"/>
+                  </a:lnTo>
+                  <a:lnTo>
+                    <a:pt x="7604093" y="464099"/>
+                  </a:lnTo>
+                  <a:close/>
+                </a:path>
+              </a:pathLst>
+            </a:custGeom>
+            <a:solidFill>
+              <a:srgbClr val="2A3890"/>
+            </a:solidFill>
+          </p:spPr>
+          <p:txBody>
+            <a:bodyPr wrap="square" lIns="0" tIns="0" rIns="0" bIns="0" rtlCol="0"/>
+            <a:lstStyle/>
+            <a:p>
+              <a:endParaRPr/>
+            </a:p>
+          </p:txBody>
+        </p:sp>
+        <p:sp>
+          <p:nvSpPr>
+            <p:cNvPr id="5" name="object 5"/>
+            <p:cNvSpPr/>
+            <p:nvPr/>
+          </p:nvSpPr>
+          <p:spPr>
+            <a:xfrm>
+              <a:off x="698638" y="1217750"/>
+              <a:ext cx="7604125" cy="3416935"/>
+            </a:xfrm>
+            <a:custGeom>
+              <a:avLst/>
+              <a:gdLst/>
+              <a:ahLst/>
+              <a:cxnLst/>
+              <a:rect l="l" t="t" r="r" b="b"/>
+              <a:pathLst>
+                <a:path w="7604125" h="3416935">
+                  <a:moveTo>
+                    <a:pt x="0" y="0"/>
+                  </a:moveTo>
+                  <a:lnTo>
+                    <a:pt x="7604092" y="0"/>
+                  </a:lnTo>
+                  <a:lnTo>
+                    <a:pt x="7604092" y="3416399"/>
+                  </a:lnTo>
+                  <a:lnTo>
+                    <a:pt x="0" y="3416399"/>
+                  </a:lnTo>
+                  <a:lnTo>
+                    <a:pt x="0" y="0"/>
+                  </a:lnTo>
+                  <a:close/>
+                </a:path>
+              </a:pathLst>
+            </a:custGeom>
+            <a:ln w="9524">
+              <a:solidFill>
+                <a:srgbClr val="2A3890"/>
+              </a:solidFill>
+            </a:ln>
+          </p:spPr>
+          <p:txBody>
+            <a:bodyPr wrap="square" lIns="0" tIns="0" rIns="0" bIns="0" rtlCol="0"/>
+            <a:lstStyle/>
+            <a:p>
+              <a:endParaRPr/>
+            </a:p>
+          </p:txBody>
+        </p:sp>
+      </p:grpSp>
+      <p:sp>
+        <p:nvSpPr>
+          <p:cNvPr id="6" name="object 6"/>
+          <p:cNvSpPr txBox="1"/>
+          <p:nvPr/>
+        </p:nvSpPr>
+        <p:spPr>
+          <a:xfrm>
+            <a:off x="1066800" y="1885950"/>
+            <a:ext cx="6549390" cy="2875146"/>
+          </a:xfrm>
+          <a:prstGeom prst="rect">
+            <a:avLst/>
+          </a:prstGeom>
+        </p:spPr>
+        <p:txBody>
+          <a:bodyPr vert="horz" wrap="square" lIns="0" tIns="12700" rIns="0" bIns="0" rtlCol="0">
+            <a:spAutoFit/>
+          </a:bodyPr>
+          <a:lstStyle/>
+          <a:p>
+            <a:pPr marL="457200" lvl="0" indent="-342900" algn="l" rtl="0">
+              <a:spcBef>
+                <a:spcPts val="0"/>
+              </a:spcBef>
+              <a:spcAft>
+                <a:spcPts val="0"/>
+              </a:spcAft>
+              <a:buClr>
+                <a:schemeClr val="dk1"/>
+              </a:buClr>
+              <a:buSzPts val="1800"/>
+              <a:buFont typeface="Open Sans"/>
+              <a:buChar char="●"/>
+            </a:pPr>
+            <a:r>
+              <a:rPr lang="en-US" sz="1600" dirty="0">
+                <a:latin typeface="Open Sans" panose="020B0606030504020204" pitchFamily="34" charset="0"/>
+                <a:ea typeface="Open Sans" panose="020B0606030504020204" pitchFamily="34" charset="0"/>
+                <a:cs typeface="Open Sans" panose="020B0606030504020204" pitchFamily="34" charset="0"/>
+              </a:rPr>
+              <a:t>Kaggle hosts a variety of machine learning competitions including </a:t>
+            </a:r>
+            <a:r>
+              <a:rPr lang="en-US" sz="1600" dirty="0">
+                <a:latin typeface="Open Sans" panose="020B0606030504020204" pitchFamily="34" charset="0"/>
+                <a:ea typeface="Open Sans" panose="020B0606030504020204" pitchFamily="34" charset="0"/>
+                <a:cs typeface="Open Sans" panose="020B0606030504020204" pitchFamily="34" charset="0"/>
+                <a:hlinkClick r:id="rId2"/>
+              </a:rPr>
+              <a:t>predicting sales of house prices</a:t>
+            </a:r>
+            <a:r>
+              <a:rPr lang="en-US" sz="1600" dirty="0">
+                <a:latin typeface="Open Sans" panose="020B0606030504020204" pitchFamily="34" charset="0"/>
+                <a:ea typeface="Open Sans" panose="020B0606030504020204" pitchFamily="34" charset="0"/>
+                <a:cs typeface="Open Sans" panose="020B0606030504020204" pitchFamily="34" charset="0"/>
+              </a:rPr>
+              <a:t>, </a:t>
+            </a:r>
+            <a:r>
+              <a:rPr lang="en-US" sz="1600" dirty="0">
+                <a:latin typeface="Open Sans" panose="020B0606030504020204" pitchFamily="34" charset="0"/>
+                <a:ea typeface="Open Sans" panose="020B0606030504020204" pitchFamily="34" charset="0"/>
+                <a:cs typeface="Open Sans" panose="020B0606030504020204" pitchFamily="34" charset="0"/>
+                <a:hlinkClick r:id="rId3"/>
+              </a:rPr>
+              <a:t>natural language processing for disaster tweets</a:t>
+            </a:r>
+            <a:r>
+              <a:rPr lang="en-US" sz="1600" dirty="0">
+                <a:latin typeface="Open Sans" panose="020B0606030504020204" pitchFamily="34" charset="0"/>
+                <a:ea typeface="Open Sans" panose="020B0606030504020204" pitchFamily="34" charset="0"/>
+                <a:cs typeface="Open Sans" panose="020B0606030504020204" pitchFamily="34" charset="0"/>
+              </a:rPr>
+              <a:t>, and </a:t>
+            </a:r>
+            <a:r>
+              <a:rPr lang="en-US" sz="1600" dirty="0">
+                <a:latin typeface="Open Sans" panose="020B0606030504020204" pitchFamily="34" charset="0"/>
+                <a:ea typeface="Open Sans" panose="020B0606030504020204" pitchFamily="34" charset="0"/>
+                <a:cs typeface="Open Sans" panose="020B0606030504020204" pitchFamily="34" charset="0"/>
+                <a:hlinkClick r:id="rId4"/>
+              </a:rPr>
+              <a:t>classifying Arabic letters through images</a:t>
+            </a:r>
+            <a:r>
+              <a:rPr lang="en-US" sz="1600" dirty="0">
+                <a:latin typeface="Open Sans" panose="020B0606030504020204" pitchFamily="34" charset="0"/>
+                <a:ea typeface="Open Sans" panose="020B0606030504020204" pitchFamily="34" charset="0"/>
+                <a:cs typeface="Open Sans" panose="020B0606030504020204" pitchFamily="34" charset="0"/>
+              </a:rPr>
+              <a:t>.</a:t>
+            </a:r>
+          </a:p>
+          <a:p>
+            <a:pPr marL="457200" lvl="0" indent="-342900" algn="l" rtl="0">
+              <a:spcBef>
+                <a:spcPts val="0"/>
+              </a:spcBef>
+              <a:spcAft>
+                <a:spcPts val="0"/>
+              </a:spcAft>
+              <a:buClr>
+                <a:schemeClr val="dk1"/>
+              </a:buClr>
+              <a:buSzPts val="1800"/>
+              <a:buFont typeface="Open Sans"/>
+              <a:buChar char="●"/>
+            </a:pPr>
+            <a:r>
+              <a:rPr lang="en-US" sz="1600" dirty="0">
+                <a:latin typeface="Open Sans" panose="020B0606030504020204" pitchFamily="34" charset="0"/>
+                <a:ea typeface="Open Sans" panose="020B0606030504020204" pitchFamily="34" charset="0"/>
+                <a:cs typeface="Open Sans" panose="020B0606030504020204" pitchFamily="34" charset="0"/>
+              </a:rPr>
+              <a:t>I would like to get more involved with the community and participate in competitions.</a:t>
+            </a:r>
+          </a:p>
+          <a:p>
+            <a:pPr marL="457200" lvl="0" indent="-342900" algn="l" rtl="0">
+              <a:spcBef>
+                <a:spcPts val="0"/>
+              </a:spcBef>
+              <a:spcAft>
+                <a:spcPts val="0"/>
+              </a:spcAft>
+              <a:buClr>
+                <a:schemeClr val="dk1"/>
+              </a:buClr>
+              <a:buSzPts val="1800"/>
+              <a:buFont typeface="Open Sans"/>
+              <a:buChar char="●"/>
+            </a:pPr>
+            <a:r>
+              <a:rPr lang="en-US" sz="1600" dirty="0">
+                <a:latin typeface="Open Sans" panose="020B0606030504020204" pitchFamily="34" charset="0"/>
+                <a:ea typeface="Open Sans" panose="020B0606030504020204" pitchFamily="34" charset="0"/>
+                <a:cs typeface="Open Sans" panose="020B0606030504020204" pitchFamily="34" charset="0"/>
+              </a:rPr>
+              <a:t>I am active in two ML Meetup groups and would like to become more active with the machine learning community in Ann Arbor (and elsewhere).</a:t>
+            </a:r>
+          </a:p>
+          <a:p>
+            <a:pPr marL="457200" lvl="0" indent="-342900" algn="l" rtl="0">
+              <a:spcBef>
+                <a:spcPts val="0"/>
+              </a:spcBef>
+              <a:spcAft>
+                <a:spcPts val="0"/>
+              </a:spcAft>
+              <a:buClr>
+                <a:schemeClr val="dk1"/>
+              </a:buClr>
+              <a:buSzPts val="1800"/>
+              <a:buFont typeface="Open Sans"/>
+              <a:buChar char="●"/>
+            </a:pPr>
+            <a:endParaRPr lang="en-US" sz="1400" b="0" dirty="0">
+              <a:solidFill>
+                <a:schemeClr val="dk1"/>
+              </a:solidFill>
+              <a:latin typeface="Open Sans"/>
+              <a:ea typeface="Open Sans"/>
+              <a:cs typeface="Open Sans"/>
+              <a:sym typeface="Open Sans"/>
+            </a:endParaRPr>
+          </a:p>
+          <a:p>
+            <a:pPr marL="457200" lvl="0" indent="-342900" algn="l" rtl="0">
+              <a:spcBef>
+                <a:spcPts val="0"/>
+              </a:spcBef>
+              <a:spcAft>
+                <a:spcPts val="0"/>
+              </a:spcAft>
+              <a:buClr>
+                <a:schemeClr val="dk1"/>
+              </a:buClr>
+              <a:buSzPts val="1800"/>
+              <a:buFont typeface="Open Sans"/>
+              <a:buChar char="●"/>
+            </a:pPr>
+            <a:endParaRPr lang="en-US" sz="1400" b="0" dirty="0">
+              <a:solidFill>
+                <a:schemeClr val="dk1"/>
+              </a:solidFill>
+              <a:latin typeface="Open Sans"/>
+              <a:ea typeface="Open Sans"/>
+              <a:cs typeface="Open Sans"/>
+              <a:sym typeface="Open Sans"/>
+            </a:endParaRPr>
+          </a:p>
+          <a:p>
+            <a:pPr marL="457200" lvl="0" indent="-342900" algn="l" rtl="0">
+              <a:spcBef>
+                <a:spcPts val="0"/>
+              </a:spcBef>
+              <a:spcAft>
+                <a:spcPts val="0"/>
+              </a:spcAft>
+              <a:buClr>
+                <a:schemeClr val="dk1"/>
+              </a:buClr>
+              <a:buSzPts val="1800"/>
+              <a:buFont typeface="Open Sans"/>
+              <a:buChar char="●"/>
+            </a:pPr>
+            <a:endParaRPr lang="en-US" sz="1400" b="0" dirty="0">
+              <a:solidFill>
+                <a:schemeClr val="dk1"/>
+              </a:solidFill>
+              <a:latin typeface="Open Sans"/>
+              <a:ea typeface="Open Sans"/>
+              <a:cs typeface="Open Sans"/>
+              <a:sym typeface="Open Sans"/>
+            </a:endParaRPr>
+          </a:p>
+        </p:txBody>
+      </p:sp>
+    </p:spTree>
+    <p:extLst>
+      <p:ext uri="{BB962C8B-B14F-4D97-AF65-F5344CB8AC3E}">
+        <p14:creationId xmlns:p14="http://schemas.microsoft.com/office/powerpoint/2010/main" val="2053165355"/>
       </p:ext>
     </p:extLst>
   </p:cSld>
@@ -9578,16 +10105,8 @@
               </a:spcBef>
             </a:pPr>
             <a:r>
-              <a:rPr dirty="0"/>
-              <a:t>The</a:t>
-            </a:r>
-            <a:r>
-              <a:rPr spc="-140" dirty="0"/>
-              <a:t> </a:t>
-            </a:r>
-            <a:r>
-              <a:rPr lang="en-US" spc="-80" dirty="0"/>
-              <a:t>Kaggle dataset</a:t>
+              <a:rPr lang="en-US" dirty="0"/>
+              <a:t>Modeling temperatures through Kaggle dataset</a:t>
             </a:r>
             <a:endParaRPr spc="-10" dirty="0"/>
           </a:p>
@@ -9755,7 +10274,7 @@
                 <a:cs typeface="Open Sans"/>
                 <a:sym typeface="Open Sans"/>
               </a:rPr>
-              <a:t>Average temperatures in the US between 1750 and 2015.</a:t>
+              <a:t>Kaggle dataset: average temperatures in the US between 1750 and 2015.</a:t>
             </a:r>
           </a:p>
           <a:p>
@@ -9923,6 +10442,291 @@
     <p:extLst>
       <p:ext uri="{BB962C8B-B14F-4D97-AF65-F5344CB8AC3E}">
         <p14:creationId xmlns:p14="http://schemas.microsoft.com/office/powerpoint/2010/main" val="1971053513"/>
+      </p:ext>
+    </p:extLst>
+  </p:cSld>
+  <p:clrMapOvr>
+    <a:masterClrMapping/>
+  </p:clrMapOvr>
+</p:sld>
+</file>
+
+<file path=ppt/slides/slide30.xml><?xml version="1.0" encoding="utf-8"?>
+<p:sld xmlns:a="http://schemas.openxmlformats.org/drawingml/2006/main" xmlns:r="http://schemas.openxmlformats.org/officeDocument/2006/relationships" xmlns:p="http://schemas.openxmlformats.org/presentationml/2006/main" showMasterSp="0">
+  <p:cSld>
+    <p:spTree>
+      <p:nvGrpSpPr>
+        <p:cNvPr id="1" name=""/>
+        <p:cNvGrpSpPr/>
+        <p:nvPr/>
+      </p:nvGrpSpPr>
+      <p:grpSpPr>
+        <a:xfrm>
+          <a:off x="0" y="0"/>
+          <a:ext cx="0" cy="0"/>
+          <a:chOff x="0" y="0"/>
+          <a:chExt cx="0" cy="0"/>
+        </a:xfrm>
+      </p:grpSpPr>
+      <p:sp>
+        <p:nvSpPr>
+          <p:cNvPr id="2" name="object 2"/>
+          <p:cNvSpPr txBox="1">
+            <a:spLocks noGrp="1"/>
+          </p:cNvSpPr>
+          <p:nvPr>
+            <p:ph type="title"/>
+          </p:nvPr>
+        </p:nvSpPr>
+        <p:spPr>
+          <a:xfrm>
+            <a:off x="384725" y="467785"/>
+            <a:ext cx="8301990" cy="443711"/>
+          </a:xfrm>
+          <a:prstGeom prst="rect">
+            <a:avLst/>
+          </a:prstGeom>
+        </p:spPr>
+        <p:txBody>
+          <a:bodyPr vert="horz" wrap="square" lIns="0" tIns="12700" rIns="0" bIns="0" rtlCol="0">
+            <a:spAutoFit/>
+          </a:bodyPr>
+          <a:lstStyle/>
+          <a:p>
+            <a:pPr marL="12700">
+              <a:lnSpc>
+                <a:spcPct val="100000"/>
+              </a:lnSpc>
+              <a:spcBef>
+                <a:spcPts val="100"/>
+              </a:spcBef>
+            </a:pPr>
+            <a:r>
+              <a:rPr lang="en-US" sz="2800" dirty="0"/>
+              <a:t>Questions/Discussion</a:t>
+            </a:r>
+            <a:endParaRPr sz="2800" spc="110" dirty="0"/>
+          </a:p>
+        </p:txBody>
+      </p:sp>
+      <p:grpSp>
+        <p:nvGrpSpPr>
+          <p:cNvPr id="3" name="object 3"/>
+          <p:cNvGrpSpPr/>
+          <p:nvPr/>
+        </p:nvGrpSpPr>
+        <p:grpSpPr>
+          <a:xfrm>
+            <a:off x="693875" y="1212987"/>
+            <a:ext cx="7613650" cy="3426460"/>
+            <a:chOff x="693875" y="1212987"/>
+            <a:chExt cx="7613650" cy="3426460"/>
+          </a:xfrm>
+        </p:grpSpPr>
+        <p:sp>
+          <p:nvSpPr>
+            <p:cNvPr id="4" name="object 4"/>
+            <p:cNvSpPr/>
+            <p:nvPr/>
+          </p:nvSpPr>
+          <p:spPr>
+            <a:xfrm>
+              <a:off x="698566" y="1217750"/>
+              <a:ext cx="7604125" cy="464184"/>
+            </a:xfrm>
+            <a:custGeom>
+              <a:avLst/>
+              <a:gdLst/>
+              <a:ahLst/>
+              <a:cxnLst/>
+              <a:rect l="l" t="t" r="r" b="b"/>
+              <a:pathLst>
+                <a:path w="7604125" h="464185">
+                  <a:moveTo>
+                    <a:pt x="7604093" y="464099"/>
+                  </a:moveTo>
+                  <a:lnTo>
+                    <a:pt x="0" y="464099"/>
+                  </a:lnTo>
+                  <a:lnTo>
+                    <a:pt x="0" y="0"/>
+                  </a:lnTo>
+                  <a:lnTo>
+                    <a:pt x="7604093" y="0"/>
+                  </a:lnTo>
+                  <a:lnTo>
+                    <a:pt x="7604093" y="464099"/>
+                  </a:lnTo>
+                  <a:close/>
+                </a:path>
+              </a:pathLst>
+            </a:custGeom>
+            <a:solidFill>
+              <a:srgbClr val="2A3890"/>
+            </a:solidFill>
+          </p:spPr>
+          <p:txBody>
+            <a:bodyPr wrap="square" lIns="0" tIns="0" rIns="0" bIns="0" rtlCol="0"/>
+            <a:lstStyle/>
+            <a:p>
+              <a:endParaRPr/>
+            </a:p>
+          </p:txBody>
+        </p:sp>
+        <p:sp>
+          <p:nvSpPr>
+            <p:cNvPr id="5" name="object 5"/>
+            <p:cNvSpPr/>
+            <p:nvPr/>
+          </p:nvSpPr>
+          <p:spPr>
+            <a:xfrm>
+              <a:off x="698638" y="1217750"/>
+              <a:ext cx="7604125" cy="3416935"/>
+            </a:xfrm>
+            <a:custGeom>
+              <a:avLst/>
+              <a:gdLst/>
+              <a:ahLst/>
+              <a:cxnLst/>
+              <a:rect l="l" t="t" r="r" b="b"/>
+              <a:pathLst>
+                <a:path w="7604125" h="3416935">
+                  <a:moveTo>
+                    <a:pt x="0" y="0"/>
+                  </a:moveTo>
+                  <a:lnTo>
+                    <a:pt x="7604092" y="0"/>
+                  </a:lnTo>
+                  <a:lnTo>
+                    <a:pt x="7604092" y="3416399"/>
+                  </a:lnTo>
+                  <a:lnTo>
+                    <a:pt x="0" y="3416399"/>
+                  </a:lnTo>
+                  <a:lnTo>
+                    <a:pt x="0" y="0"/>
+                  </a:lnTo>
+                  <a:close/>
+                </a:path>
+              </a:pathLst>
+            </a:custGeom>
+            <a:ln w="9524">
+              <a:solidFill>
+                <a:srgbClr val="2A3890"/>
+              </a:solidFill>
+            </a:ln>
+          </p:spPr>
+          <p:txBody>
+            <a:bodyPr wrap="square" lIns="0" tIns="0" rIns="0" bIns="0" rtlCol="0"/>
+            <a:lstStyle/>
+            <a:p>
+              <a:endParaRPr/>
+            </a:p>
+          </p:txBody>
+        </p:sp>
+      </p:grpSp>
+      <p:sp>
+        <p:nvSpPr>
+          <p:cNvPr id="6" name="object 6"/>
+          <p:cNvSpPr txBox="1"/>
+          <p:nvPr/>
+        </p:nvSpPr>
+        <p:spPr>
+          <a:xfrm>
+            <a:off x="1066800" y="1885950"/>
+            <a:ext cx="6549390" cy="659155"/>
+          </a:xfrm>
+          <a:prstGeom prst="rect">
+            <a:avLst/>
+          </a:prstGeom>
+        </p:spPr>
+        <p:txBody>
+          <a:bodyPr vert="horz" wrap="square" lIns="0" tIns="12700" rIns="0" bIns="0" rtlCol="0">
+            <a:spAutoFit/>
+          </a:bodyPr>
+          <a:lstStyle/>
+          <a:p>
+            <a:pPr marL="457200" lvl="0" indent="-342900" algn="l" rtl="0">
+              <a:spcBef>
+                <a:spcPts val="0"/>
+              </a:spcBef>
+              <a:spcAft>
+                <a:spcPts val="0"/>
+              </a:spcAft>
+              <a:buClr>
+                <a:schemeClr val="dk1"/>
+              </a:buClr>
+              <a:buSzPts val="1800"/>
+              <a:buFont typeface="Open Sans"/>
+              <a:buChar char="●"/>
+            </a:pPr>
+            <a:endParaRPr lang="en-US" sz="1400" b="0" dirty="0">
+              <a:solidFill>
+                <a:schemeClr val="dk1"/>
+              </a:solidFill>
+              <a:latin typeface="Open Sans"/>
+              <a:ea typeface="Open Sans"/>
+              <a:cs typeface="Open Sans"/>
+              <a:sym typeface="Open Sans"/>
+            </a:endParaRPr>
+          </a:p>
+          <a:p>
+            <a:pPr marL="457200" lvl="0" indent="-342900" algn="l" rtl="0">
+              <a:spcBef>
+                <a:spcPts val="0"/>
+              </a:spcBef>
+              <a:spcAft>
+                <a:spcPts val="0"/>
+              </a:spcAft>
+              <a:buClr>
+                <a:schemeClr val="dk1"/>
+              </a:buClr>
+              <a:buSzPts val="1800"/>
+              <a:buFont typeface="Open Sans"/>
+              <a:buChar char="●"/>
+            </a:pPr>
+            <a:endParaRPr lang="en-US" sz="1400" b="0" dirty="0">
+              <a:solidFill>
+                <a:schemeClr val="dk1"/>
+              </a:solidFill>
+              <a:latin typeface="Open Sans"/>
+              <a:ea typeface="Open Sans"/>
+              <a:cs typeface="Open Sans"/>
+              <a:sym typeface="Open Sans"/>
+            </a:endParaRPr>
+          </a:p>
+          <a:p>
+            <a:pPr marL="457200" lvl="0" indent="-342900" algn="l" rtl="0">
+              <a:spcBef>
+                <a:spcPts val="0"/>
+              </a:spcBef>
+              <a:spcAft>
+                <a:spcPts val="0"/>
+              </a:spcAft>
+              <a:buClr>
+                <a:schemeClr val="dk1"/>
+              </a:buClr>
+              <a:buSzPts val="1800"/>
+              <a:buFont typeface="Open Sans"/>
+              <a:buChar char="●"/>
+            </a:pPr>
+            <a:endParaRPr lang="en-US" sz="1400" b="0" dirty="0">
+              <a:solidFill>
+                <a:schemeClr val="dk1"/>
+              </a:solidFill>
+              <a:latin typeface="Open Sans"/>
+              <a:ea typeface="Open Sans"/>
+              <a:cs typeface="Open Sans"/>
+              <a:sym typeface="Open Sans"/>
+            </a:endParaRPr>
+          </a:p>
+        </p:txBody>
+      </p:sp>
+    </p:spTree>
+    <p:extLst>
+      <p:ext uri="{BB962C8B-B14F-4D97-AF65-F5344CB8AC3E}">
+        <p14:creationId xmlns:p14="http://schemas.microsoft.com/office/powerpoint/2010/main" val="3248441281"/>
       </p:ext>
     </p:extLst>
   </p:cSld>
@@ -9998,11 +10802,6 @@
               <a:rPr spc="-10" dirty="0"/>
               <a:t>dataset</a:t>
             </a:r>
-            <a:r>
-              <a:rPr lang="en-US" spc="-10" dirty="0"/>
-              <a:t> (continued)</a:t>
-            </a:r>
-            <a:endParaRPr spc="-10" dirty="0"/>
           </a:p>
         </p:txBody>
       </p:sp>
@@ -10196,7 +10995,7 @@
                 <a:cs typeface="Open Sans"/>
                 <a:sym typeface="Open Sans"/>
               </a:rPr>
-              <a:t>The Kaggle dataset has four other input files:</a:t>
+              <a:t>The dataset has four other input files:</a:t>
             </a:r>
           </a:p>
           <a:p>
@@ -10358,28 +11157,8 @@
               </a:spcBef>
             </a:pPr>
             <a:r>
-              <a:rPr dirty="0"/>
-              <a:t>The</a:t>
-            </a:r>
-            <a:r>
-              <a:rPr spc="-165" dirty="0"/>
-              <a:t> </a:t>
-            </a:r>
-            <a:r>
-              <a:rPr spc="50" dirty="0"/>
-              <a:t>Kaggle</a:t>
-            </a:r>
-            <a:r>
-              <a:rPr spc="-160" dirty="0"/>
-              <a:t> </a:t>
-            </a:r>
-            <a:r>
-              <a:rPr spc="-10" dirty="0"/>
-              <a:t>dataset</a:t>
-            </a:r>
-            <a:r>
-              <a:rPr lang="en-US" spc="-10" dirty="0"/>
-              <a:t>: problem setup</a:t>
+              <a:rPr lang="en-US" dirty="0"/>
+              <a:t>Supervised Machine Learning Problem</a:t>
             </a:r>
             <a:endParaRPr spc="-10" dirty="0"/>
           </a:p>
@@ -10510,8 +11289,8 @@
         </p:nvSpPr>
         <p:spPr>
           <a:xfrm>
-            <a:off x="1289068" y="1801513"/>
-            <a:ext cx="6467475" cy="2044149"/>
+            <a:off x="1266890" y="1733550"/>
+            <a:ext cx="6467475" cy="3177729"/>
           </a:xfrm>
           <a:prstGeom prst="rect">
             <a:avLst/>
@@ -10538,7 +11317,7 @@
               <a:buChar char="●"/>
             </a:pPr>
             <a:r>
-              <a:rPr lang="en-US" sz="1600" dirty="0">
+              <a:rPr lang="en-US" sz="1400" b="0" dirty="0">
                 <a:solidFill>
                   <a:schemeClr val="dk1"/>
                 </a:solidFill>
@@ -10547,26 +11326,70 @@
                 <a:cs typeface="Open Sans"/>
                 <a:sym typeface="Open Sans"/>
               </a:rPr>
-              <a:t>Eight continuous variables with known data.</a:t>
-            </a:r>
-          </a:p>
-          <a:p>
-            <a:pPr marL="457200" lvl="0" indent="-342900" algn="l" rtl="0">
-              <a:spcBef>
-                <a:spcPts val="0"/>
-              </a:spcBef>
-              <a:spcAft>
-                <a:spcPts val="0"/>
-              </a:spcAft>
-              <a:buClr>
-                <a:schemeClr val="dk1"/>
-              </a:buClr>
-              <a:buSzPts val="1800"/>
-              <a:buFont typeface="Open Sans"/>
-              <a:buChar char="●"/>
-            </a:pPr>
-            <a:r>
-              <a:rPr lang="en-US" sz="1600" dirty="0">
+              <a:t>Seven Potential Feature Variables:</a:t>
+            </a:r>
+          </a:p>
+          <a:p>
+            <a:pPr marL="805815" marR="5080" lvl="1" indent="-336550">
+              <a:lnSpc>
+                <a:spcPct val="169600"/>
+              </a:lnSpc>
+              <a:buFont typeface="Arial"/>
+              <a:buChar char="○"/>
+              <a:tabLst>
+                <a:tab pos="805815" algn="l"/>
+              </a:tabLst>
+            </a:pPr>
+            <a:r>
+              <a:rPr lang="en-US" sz="1400" dirty="0"/>
+              <a:t>Average Land Temperature, Average Land Temperature Uncertainty </a:t>
+            </a:r>
+          </a:p>
+          <a:p>
+            <a:pPr marL="805815" marR="5080" lvl="1" indent="-336550">
+              <a:lnSpc>
+                <a:spcPct val="169600"/>
+              </a:lnSpc>
+              <a:buFont typeface="Arial"/>
+              <a:buChar char="○"/>
+              <a:tabLst>
+                <a:tab pos="805815" algn="l"/>
+              </a:tabLst>
+            </a:pPr>
+            <a:r>
+              <a:rPr lang="en-US" sz="1400" dirty="0"/>
+              <a:t>Minimum Land Temperature, Minimum Land Temperature Uncertainty</a:t>
+            </a:r>
+          </a:p>
+          <a:p>
+            <a:pPr marL="805815" marR="5080" lvl="1" indent="-336550">
+              <a:lnSpc>
+                <a:spcPct val="169600"/>
+              </a:lnSpc>
+              <a:buFont typeface="Arial"/>
+              <a:buChar char="○"/>
+              <a:tabLst>
+                <a:tab pos="805815" algn="l"/>
+              </a:tabLst>
+            </a:pPr>
+            <a:r>
+              <a:rPr lang="en-US" sz="1400" dirty="0"/>
+              <a:t>Maximum Land Temperature, Maximum Land Temperature Uncertainty</a:t>
+            </a:r>
+          </a:p>
+          <a:p>
+            <a:pPr marL="805815" marR="5080" lvl="1" indent="-336550">
+              <a:lnSpc>
+                <a:spcPct val="169600"/>
+              </a:lnSpc>
+              <a:buFont typeface="Arial"/>
+              <a:buChar char="○"/>
+              <a:tabLst>
+                <a:tab pos="805815" algn="l"/>
+              </a:tabLst>
+            </a:pPr>
+            <a:r>
+              <a:rPr lang="en-US" sz="1400" b="0" dirty="0">
                 <a:solidFill>
                   <a:schemeClr val="dk1"/>
                 </a:solidFill>
@@ -10575,13 +11398,9 @@
                 <a:cs typeface="Open Sans"/>
                 <a:sym typeface="Open Sans"/>
               </a:rPr>
-              <a:t>The target variable is composed of continuous data. Therefore, this is a regression task (as opposed to a </a:t>
-            </a:r>
-            <a:r>
-              <a:rPr lang="en-US" sz="1600" dirty="0"/>
-              <a:t>classification task, which would involve a discrete target variable).</a:t>
-            </a:r>
-            <a:endParaRPr lang="en-US" sz="1600" dirty="0">
+              <a:t>Average Land and Ocean Temperature Uncertainty</a:t>
+            </a:r>
+            <a:endParaRPr lang="en-US" sz="1400" dirty="0">
               <a:solidFill>
                 <a:schemeClr val="dk1"/>
               </a:solidFill>
@@ -10607,7 +11426,7 @@
               <a:buChar char="●"/>
             </a:pPr>
             <a:r>
-              <a:rPr lang="en-US" sz="1600" dirty="0">
+              <a:rPr lang="en-US" sz="1400" b="0" dirty="0">
                 <a:solidFill>
                   <a:schemeClr val="dk1"/>
                 </a:solidFill>
@@ -10616,26 +11435,22 @@
                 <a:cs typeface="Open Sans"/>
                 <a:sym typeface="Open Sans"/>
               </a:rPr>
-              <a:t>I can model the target variable through supervised regression machine learning algorithms.</a:t>
-            </a:r>
-          </a:p>
-          <a:p>
-            <a:pPr marL="457200" lvl="0" indent="-342900" algn="l" rtl="0">
-              <a:spcBef>
-                <a:spcPts val="0"/>
-              </a:spcBef>
-              <a:spcAft>
-                <a:spcPts val="0"/>
-              </a:spcAft>
-              <a:buClr>
-                <a:schemeClr val="dk1"/>
-              </a:buClr>
-              <a:buSzPts val="1800"/>
-              <a:buFont typeface="Open Sans"/>
-              <a:buChar char="●"/>
-            </a:pPr>
-            <a:r>
-              <a:rPr lang="en-US" sz="1600" dirty="0">
+              <a:t>One Target Variable:</a:t>
+            </a:r>
+          </a:p>
+          <a:p>
+            <a:pPr marL="805815" marR="5080" lvl="1" indent="-336550">
+              <a:lnSpc>
+                <a:spcPct val="169600"/>
+              </a:lnSpc>
+              <a:buFont typeface="Arial"/>
+              <a:buChar char="○"/>
+              <a:tabLst>
+                <a:tab pos="805815" algn="l"/>
+              </a:tabLst>
+            </a:pPr>
+            <a:r>
+              <a:rPr lang="en-US" sz="1400" b="0" dirty="0">
                 <a:solidFill>
                   <a:schemeClr val="dk1"/>
                 </a:solidFill>
@@ -10644,15 +11459,97 @@
                 <a:cs typeface="Open Sans"/>
                 <a:sym typeface="Open Sans"/>
               </a:rPr>
-              <a:t>My target variable will be the average land and ocean temperature.</a:t>
-            </a:r>
+              <a:t>Average Land and Ocean Temperature</a:t>
+            </a:r>
+          </a:p>
+          <a:p>
+            <a:pPr marL="457200" lvl="0" indent="-342900" algn="l" rtl="0">
+              <a:spcBef>
+                <a:spcPts val="0"/>
+              </a:spcBef>
+              <a:spcAft>
+                <a:spcPts val="0"/>
+              </a:spcAft>
+              <a:buClr>
+                <a:schemeClr val="dk1"/>
+              </a:buClr>
+              <a:buSzPts val="1800"/>
+              <a:buFont typeface="Open Sans"/>
+              <a:buChar char="●"/>
+            </a:pPr>
+            <a:r>
+              <a:rPr lang="en-US" sz="1400" b="0" dirty="0">
+                <a:solidFill>
+                  <a:schemeClr val="dk1"/>
+                </a:solidFill>
+                <a:latin typeface="Open Sans"/>
+                <a:ea typeface="Open Sans"/>
+                <a:cs typeface="Open Sans"/>
+                <a:sym typeface="Open Sans"/>
+              </a:rPr>
+              <a:t>Supervised ML Problem:</a:t>
+            </a:r>
+          </a:p>
+          <a:p>
+            <a:pPr marL="805815" marR="5080" lvl="1" indent="-336550">
+              <a:lnSpc>
+                <a:spcPct val="169600"/>
+              </a:lnSpc>
+              <a:buFont typeface="Arial"/>
+              <a:buChar char="○"/>
+              <a:tabLst>
+                <a:tab pos="805815" algn="l"/>
+              </a:tabLst>
+            </a:pPr>
+            <a:r>
+              <a:rPr lang="en-US" sz="1400" dirty="0">
+                <a:solidFill>
+                  <a:schemeClr val="dk1"/>
+                </a:solidFill>
+                <a:latin typeface="Open Sans"/>
+                <a:ea typeface="Open Sans"/>
+                <a:cs typeface="Open Sans"/>
+                <a:sym typeface="Open Sans"/>
+              </a:rPr>
+              <a:t>Which feature variables are needed to predict the target variable?</a:t>
+            </a:r>
+            <a:endParaRPr lang="en-US" sz="1400" b="0" dirty="0">
+              <a:solidFill>
+                <a:schemeClr val="dk1"/>
+              </a:solidFill>
+              <a:latin typeface="Open Sans"/>
+              <a:ea typeface="Open Sans"/>
+              <a:cs typeface="Open Sans"/>
+              <a:sym typeface="Open Sans"/>
+            </a:endParaRPr>
+          </a:p>
+          <a:p>
+            <a:pPr marL="805815" marR="5080" lvl="1" indent="-336550">
+              <a:lnSpc>
+                <a:spcPct val="169600"/>
+              </a:lnSpc>
+              <a:buFont typeface="Arial"/>
+              <a:buChar char="○"/>
+              <a:tabLst>
+                <a:tab pos="805815" algn="l"/>
+              </a:tabLst>
+            </a:pPr>
+            <a:endParaRPr lang="en-US" sz="1400" b="0" dirty="0">
+              <a:solidFill>
+                <a:schemeClr val="dk1"/>
+              </a:solidFill>
+              <a:latin typeface="Open Sans"/>
+              <a:ea typeface="Open Sans"/>
+              <a:cs typeface="Open Sans"/>
+              <a:sym typeface="Open Sans"/>
+            </a:endParaRPr>
           </a:p>
         </p:txBody>
       </p:sp>
     </p:spTree>
     <p:extLst>
       <p:ext uri="{BB962C8B-B14F-4D97-AF65-F5344CB8AC3E}">
-        <p14:creationId xmlns:p14="http://schemas.microsoft.com/office/powerpoint/2010/main" val="2219823733"/>
+        <p14:creationId xmlns:p14="http://schemas.microsoft.com/office/powerpoint/2010/main" val="3953997328"/>
       </p:ext>
     </p:extLst>
   </p:cSld>

--- a/Capstone Projects/Capstone_Two_Supervised_ML/Predicting_Temperature_Change.pptx
+++ b/Capstone Projects/Capstone_Two_Supervised_ML/Predicting_Temperature_Change.pptx
@@ -221,7 +221,7 @@
           <a:p>
             <a:fld id="{1D8BD707-D9CF-40AE-B4C6-C98DA3205C09}" type="datetimeFigureOut">
               <a:rPr lang="en-US"/>
-              <a:t>12/20/2023</a:t>
+              <a:t>1/2/2024</a:t>
             </a:fld>
             <a:endParaRPr lang="en-US"/>
           </a:p>
@@ -398,7 +398,7 @@
           <a:p>
             <a:fld id="{1D8BD707-D9CF-40AE-B4C6-C98DA3205C09}" type="datetimeFigureOut">
               <a:rPr lang="en-US"/>
-              <a:t>12/20/2023</a:t>
+              <a:t>1/2/2024</a:t>
             </a:fld>
             <a:endParaRPr lang="en-US"/>
           </a:p>
@@ -612,7 +612,7 @@
           <a:p>
             <a:fld id="{1D8BD707-D9CF-40AE-B4C6-C98DA3205C09}" type="datetimeFigureOut">
               <a:rPr lang="en-US"/>
-              <a:t>12/20/2023</a:t>
+              <a:t>1/2/2024</a:t>
             </a:fld>
             <a:endParaRPr lang="en-US"/>
           </a:p>
@@ -1056,7 +1056,7 @@
           <a:p>
             <a:fld id="{1D8BD707-D9CF-40AE-B4C6-C98DA3205C09}" type="datetimeFigureOut">
               <a:rPr lang="en-US"/>
-              <a:t>12/20/2023</a:t>
+              <a:t>1/2/2024</a:t>
             </a:fld>
             <a:endParaRPr lang="en-US"/>
           </a:p>
@@ -1175,7 +1175,7 @@
           <a:p>
             <a:fld id="{1D8BD707-D9CF-40AE-B4C6-C98DA3205C09}" type="datetimeFigureOut">
               <a:rPr lang="en-US"/>
-              <a:t>12/20/2023</a:t>
+              <a:t>1/2/2024</a:t>
             </a:fld>
             <a:endParaRPr lang="en-US"/>
           </a:p>
@@ -1400,7 +1400,7 @@
           <a:p>
             <a:fld id="{1D8BD707-D9CF-40AE-B4C6-C98DA3205C09}" type="datetimeFigureOut">
               <a:rPr lang="en-US"/>
-              <a:t>12/20/2023</a:t>
+              <a:t>1/2/2024</a:t>
             </a:fld>
             <a:endParaRPr lang="en-US"/>
           </a:p>
@@ -7258,15 +7258,15 @@
               </a:spcBef>
             </a:pPr>
             <a:r>
-              <a:rPr lang="en-US" sz="2800" spc="-20" dirty="0"/>
-              <a:t>Model Preparation</a:t>
-            </a:r>
-            <a:r>
-              <a:rPr lang="en-US" sz="2800" spc="-70" dirty="0"/>
+              <a:rPr lang="en-US" sz="2800" spc="-20"/>
+              <a:t>Model Results</a:t>
+            </a:r>
+            <a:r>
+              <a:rPr lang="en-US" sz="2800" spc="-70"/>
               <a:t>:</a:t>
             </a:r>
             <a:r>
-              <a:rPr lang="en-US" sz="2800" spc="-114" dirty="0"/>
+              <a:rPr lang="en-US" sz="2800" spc="-114"/>
               <a:t> </a:t>
             </a:r>
             <a:r>
@@ -12819,18 +12819,18 @@
 </file>
 
 <file path=customXml/item1.xml><?xml version="1.0" encoding="utf-8"?>
-<p:properties xmlns:p="http://schemas.microsoft.com/office/2006/metadata/properties" xmlns:xsi="http://www.w3.org/2001/XMLSchema-instance" xmlns:pc="http://schemas.microsoft.com/office/infopath/2007/PartnerControls">
-  <documentManagement/>
-</p:properties>
-</file>
-
-<file path=customXml/item2.xml><?xml version="1.0" encoding="utf-8"?>
 <?mso-contentType ?>
 <FormTemplates xmlns="http://schemas.microsoft.com/sharepoint/v3/contenttype/forms">
   <Display>DocumentLibraryForm</Display>
   <Edit>DocumentLibraryForm</Edit>
   <New>DocumentLibraryForm</New>
 </FormTemplates>
+</file>
+
+<file path=customXml/item2.xml><?xml version="1.0" encoding="utf-8"?>
+<p:properties xmlns:p="http://schemas.microsoft.com/office/2006/metadata/properties" xmlns:xsi="http://www.w3.org/2001/XMLSchema-instance" xmlns:pc="http://schemas.microsoft.com/office/infopath/2007/PartnerControls">
+  <documentManagement/>
+</p:properties>
 </file>
 
 <file path=customXml/item3.xml><?xml version="1.0" encoding="utf-8"?>
@@ -12972,6 +12972,14 @@
 </file>
 
 <file path=customXml/itemProps1.xml><?xml version="1.0" encoding="utf-8"?>
+<ds:datastoreItem xmlns:ds="http://schemas.openxmlformats.org/officeDocument/2006/customXml" ds:itemID="{0999F663-0E37-44AA-84EA-92ADA0BC51CA}">
+  <ds:schemaRefs>
+    <ds:schemaRef ds:uri="http://schemas.microsoft.com/sharepoint/v3/contenttype/forms"/>
+  </ds:schemaRefs>
+</ds:datastoreItem>
+</file>
+
+<file path=customXml/itemProps2.xml><?xml version="1.0" encoding="utf-8"?>
 <ds:datastoreItem xmlns:ds="http://schemas.openxmlformats.org/officeDocument/2006/customXml" ds:itemID="{B1EEBF50-D743-4E1A-BCFF-3B923D42AE13}">
   <ds:schemaRefs>
     <ds:schemaRef ds:uri="http://schemas.openxmlformats.org/package/2006/metadata/core-properties"/>
@@ -12983,14 +12991,6 @@
     <ds:schemaRef ds:uri="http://purl.org/dc/terms/"/>
     <ds:schemaRef ds:uri="http://schemas.microsoft.com/office/2006/documentManagement/types"/>
     <ds:schemaRef ds:uri="http://schemas.microsoft.com/office/infopath/2007/PartnerControls"/>
-  </ds:schemaRefs>
-</ds:datastoreItem>
-</file>
-
-<file path=customXml/itemProps2.xml><?xml version="1.0" encoding="utf-8"?>
-<ds:datastoreItem xmlns:ds="http://schemas.openxmlformats.org/officeDocument/2006/customXml" ds:itemID="{0999F663-0E37-44AA-84EA-92ADA0BC51CA}">
-  <ds:schemaRefs>
-    <ds:schemaRef ds:uri="http://schemas.microsoft.com/sharepoint/v3/contenttype/forms"/>
   </ds:schemaRefs>
 </ds:datastoreItem>
 </file>

--- a/Capstone Projects/Capstone_Two_Supervised_ML/Predicting_Temperature_Change.pptx
+++ b/Capstone Projects/Capstone_Two_Supervised_ML/Predicting_Temperature_Change.pptx
@@ -35,6 +35,8 @@
     <p:sldId id="312" r:id="rId32"/>
     <p:sldId id="311" r:id="rId33"/>
     <p:sldId id="313" r:id="rId34"/>
+    <p:sldId id="317" r:id="rId35"/>
+    <p:sldId id="318" r:id="rId36"/>
   </p:sldIdLst>
   <p:sldSz cx="9144000" cy="5143500" type="screen16x9"/>
   <p:notesSz cx="9144000" cy="5143500"/>
@@ -221,7 +223,7 @@
           <a:p>
             <a:fld id="{1D8BD707-D9CF-40AE-B4C6-C98DA3205C09}" type="datetimeFigureOut">
               <a:rPr lang="en-US"/>
-              <a:t>1/2/2024</a:t>
+              <a:t>1/3/2024</a:t>
             </a:fld>
             <a:endParaRPr lang="en-US"/>
           </a:p>
@@ -398,7 +400,7 @@
           <a:p>
             <a:fld id="{1D8BD707-D9CF-40AE-B4C6-C98DA3205C09}" type="datetimeFigureOut">
               <a:rPr lang="en-US"/>
-              <a:t>1/2/2024</a:t>
+              <a:t>1/3/2024</a:t>
             </a:fld>
             <a:endParaRPr lang="en-US"/>
           </a:p>
@@ -612,7 +614,7 @@
           <a:p>
             <a:fld id="{1D8BD707-D9CF-40AE-B4C6-C98DA3205C09}" type="datetimeFigureOut">
               <a:rPr lang="en-US"/>
-              <a:t>1/2/2024</a:t>
+              <a:t>1/3/2024</a:t>
             </a:fld>
             <a:endParaRPr lang="en-US"/>
           </a:p>
@@ -1056,7 +1058,7 @@
           <a:p>
             <a:fld id="{1D8BD707-D9CF-40AE-B4C6-C98DA3205C09}" type="datetimeFigureOut">
               <a:rPr lang="en-US"/>
-              <a:t>1/2/2024</a:t>
+              <a:t>1/3/2024</a:t>
             </a:fld>
             <a:endParaRPr lang="en-US"/>
           </a:p>
@@ -1175,7 +1177,7 @@
           <a:p>
             <a:fld id="{1D8BD707-D9CF-40AE-B4C6-C98DA3205C09}" type="datetimeFigureOut">
               <a:rPr lang="en-US"/>
-              <a:t>1/2/2024</a:t>
+              <a:t>1/3/2024</a:t>
             </a:fld>
             <a:endParaRPr lang="en-US"/>
           </a:p>
@@ -1400,7 +1402,7 @@
           <a:p>
             <a:fld id="{1D8BD707-D9CF-40AE-B4C6-C98DA3205C09}" type="datetimeFigureOut">
               <a:rPr lang="en-US"/>
-              <a:t>1/2/2024</a:t>
+              <a:t>1/3/2024</a:t>
             </a:fld>
             <a:endParaRPr lang="en-US"/>
           </a:p>
@@ -6583,6 +6585,31 @@
               </a:rPr>
               <a:t>Berkeley Earth Climate Data</a:t>
             </a:r>
+            <a:r>
+              <a:rPr lang="en-US" sz="1800" dirty="0">
+                <a:solidFill>
+                  <a:schemeClr val="dk1"/>
+                </a:solidFill>
+                <a:latin typeface="Open Sans"/>
+                <a:ea typeface="Open Sans"/>
+                <a:cs typeface="Open Sans"/>
+                <a:sym typeface="Open Sans"/>
+              </a:rPr>
+              <a:t> </a:t>
+            </a:r>
+            <a:r>
+              <a:rPr lang="en-US" sz="1800" dirty="0">
+                <a:solidFill>
+                  <a:schemeClr val="dk1"/>
+                </a:solidFill>
+                <a:latin typeface="Open Sans"/>
+                <a:ea typeface="Open Sans"/>
+                <a:cs typeface="Open Sans"/>
+                <a:sym typeface="Open Sans"/>
+                <a:hlinkClick r:id="rId3" action="ppaction://hlinksldjump"/>
+              </a:rPr>
+              <a:t>[1]</a:t>
+            </a:r>
             <a:endParaRPr lang="en-US" sz="1800" dirty="0">
               <a:solidFill>
                 <a:schemeClr val="dk1"/>
@@ -8427,6 +8454,31 @@
                 <a:cs typeface="Open Sans"/>
                 <a:sym typeface="Open Sans"/>
               </a:rPr>
+              <a:t> </a:t>
+            </a:r>
+            <a:r>
+              <a:rPr lang="en-US" sz="1600" b="0" dirty="0">
+                <a:solidFill>
+                  <a:schemeClr val="dk1"/>
+                </a:solidFill>
+                <a:latin typeface="Open Sans"/>
+                <a:ea typeface="Open Sans"/>
+                <a:cs typeface="Open Sans"/>
+                <a:sym typeface="Open Sans"/>
+                <a:hlinkClick r:id="rId3" action="ppaction://hlinksldjump"/>
+              </a:rPr>
+              <a:t>[3]</a:t>
+            </a:r>
+            <a:r>
+              <a:rPr lang="en-US" sz="1600" b="0" dirty="0">
+                <a:solidFill>
+                  <a:schemeClr val="dk1"/>
+                </a:solidFill>
+                <a:latin typeface="Open Sans"/>
+                <a:ea typeface="Open Sans"/>
+                <a:cs typeface="Open Sans"/>
+                <a:sym typeface="Open Sans"/>
+              </a:rPr>
               <a:t>.</a:t>
             </a:r>
           </a:p>
@@ -8740,6 +8792,31 @@
                 <a:cs typeface="Open Sans"/>
                 <a:sym typeface="Open Sans"/>
               </a:rPr>
+              <a:t> </a:t>
+            </a:r>
+            <a:r>
+              <a:rPr lang="en-US" sz="1600" dirty="0">
+                <a:solidFill>
+                  <a:schemeClr val="dk1"/>
+                </a:solidFill>
+                <a:latin typeface="Open Sans"/>
+                <a:ea typeface="Open Sans"/>
+                <a:cs typeface="Open Sans"/>
+                <a:sym typeface="Open Sans"/>
+                <a:hlinkClick r:id="rId3" action="ppaction://hlinksldjump"/>
+              </a:rPr>
+              <a:t>[4]</a:t>
+            </a:r>
+            <a:r>
+              <a:rPr lang="en-US" sz="1600" dirty="0">
+                <a:solidFill>
+                  <a:schemeClr val="dk1"/>
+                </a:solidFill>
+                <a:latin typeface="Open Sans"/>
+                <a:ea typeface="Open Sans"/>
+                <a:cs typeface="Open Sans"/>
+                <a:sym typeface="Open Sans"/>
+              </a:rPr>
               <a:t>. Further analysis can be performed after adding:</a:t>
             </a:r>
           </a:p>
@@ -9160,6 +9237,16 @@
             </a:r>
             <a:r>
               <a:rPr lang="en-US" sz="1400" dirty="0"/>
+              <a:t> </a:t>
+            </a:r>
+            <a:r>
+              <a:rPr lang="en-US" sz="1400" dirty="0">
+                <a:hlinkClick r:id="rId4" action="ppaction://hlinksldjump"/>
+              </a:rPr>
+              <a:t>[5]</a:t>
+            </a:r>
+            <a:r>
+              <a:rPr lang="en-US" sz="1400" dirty="0"/>
               <a:t>.</a:t>
             </a:r>
           </a:p>
@@ -9184,9 +9271,19 @@
             </a:r>
             <a:r>
               <a:rPr lang="en-US" sz="1400" dirty="0">
-                <a:hlinkClick r:id="rId4"/>
+                <a:hlinkClick r:id="rId5"/>
               </a:rPr>
               <a:t>active area of research</a:t>
+            </a:r>
+            <a:r>
+              <a:rPr lang="en-US" sz="1400" dirty="0"/>
+              <a:t> </a:t>
+            </a:r>
+            <a:r>
+              <a:rPr lang="en-US" sz="1400" dirty="0">
+                <a:hlinkClick r:id="rId4" action="ppaction://hlinksldjump"/>
+              </a:rPr>
+              <a:t>[6]</a:t>
             </a:r>
             <a:r>
               <a:rPr lang="en-US" sz="1400" dirty="0"/>
@@ -10375,7 +10472,7 @@
         <p:spPr>
           <a:xfrm>
             <a:off x="1600200" y="3741084"/>
-            <a:ext cx="5041183" cy="369332"/>
+            <a:ext cx="5105400" cy="369332"/>
           </a:xfrm>
           <a:prstGeom prst="rect">
             <a:avLst/>
@@ -10425,6 +10522,31 @@
                 <a:hlinkClick r:id="rId2"/>
               </a:rPr>
               <a:t>Earth Surface Temperature Data</a:t>
+            </a:r>
+            <a:r>
+              <a:rPr lang="en-US" sz="1800" dirty="0">
+                <a:solidFill>
+                  <a:schemeClr val="dk1"/>
+                </a:solidFill>
+                <a:latin typeface="Open Sans"/>
+                <a:ea typeface="Open Sans"/>
+                <a:cs typeface="Open Sans"/>
+                <a:sym typeface="Open Sans"/>
+              </a:rPr>
+              <a:t> </a:t>
+            </a:r>
+            <a:r>
+              <a:rPr lang="en-US" sz="1800" dirty="0">
+                <a:solidFill>
+                  <a:schemeClr val="dk1"/>
+                </a:solidFill>
+                <a:latin typeface="Open Sans"/>
+                <a:ea typeface="Open Sans"/>
+                <a:cs typeface="Open Sans"/>
+                <a:sym typeface="Open Sans"/>
+                <a:hlinkClick r:id="rId3" action="ppaction://hlinksldjump"/>
+              </a:rPr>
+              <a:t>[2]</a:t>
             </a:r>
             <a:endParaRPr lang="en-US" sz="1800" dirty="0">
               <a:solidFill>
@@ -10727,6 +10849,938 @@
     <p:extLst>
       <p:ext uri="{BB962C8B-B14F-4D97-AF65-F5344CB8AC3E}">
         <p14:creationId xmlns:p14="http://schemas.microsoft.com/office/powerpoint/2010/main" val="3248441281"/>
+      </p:ext>
+    </p:extLst>
+  </p:cSld>
+  <p:clrMapOvr>
+    <a:masterClrMapping/>
+  </p:clrMapOvr>
+</p:sld>
+</file>
+
+<file path=ppt/slides/slide31.xml><?xml version="1.0" encoding="utf-8"?>
+<p:sld xmlns:a="http://schemas.openxmlformats.org/drawingml/2006/main" xmlns:r="http://schemas.openxmlformats.org/officeDocument/2006/relationships" xmlns:p="http://schemas.openxmlformats.org/presentationml/2006/main" showMasterSp="0">
+  <p:cSld>
+    <p:spTree>
+      <p:nvGrpSpPr>
+        <p:cNvPr id="1" name=""/>
+        <p:cNvGrpSpPr/>
+        <p:nvPr/>
+      </p:nvGrpSpPr>
+      <p:grpSpPr>
+        <a:xfrm>
+          <a:off x="0" y="0"/>
+          <a:ext cx="0" cy="0"/>
+          <a:chOff x="0" y="0"/>
+          <a:chExt cx="0" cy="0"/>
+        </a:xfrm>
+      </p:grpSpPr>
+      <p:sp>
+        <p:nvSpPr>
+          <p:cNvPr id="2" name="object 2"/>
+          <p:cNvSpPr txBox="1">
+            <a:spLocks noGrp="1"/>
+          </p:cNvSpPr>
+          <p:nvPr>
+            <p:ph type="title"/>
+          </p:nvPr>
+        </p:nvSpPr>
+        <p:spPr>
+          <a:xfrm>
+            <a:off x="384725" y="467785"/>
+            <a:ext cx="8301990" cy="443711"/>
+          </a:xfrm>
+          <a:prstGeom prst="rect">
+            <a:avLst/>
+          </a:prstGeom>
+        </p:spPr>
+        <p:txBody>
+          <a:bodyPr vert="horz" wrap="square" lIns="0" tIns="12700" rIns="0" bIns="0" rtlCol="0">
+            <a:spAutoFit/>
+          </a:bodyPr>
+          <a:lstStyle/>
+          <a:p>
+            <a:pPr marL="12700">
+              <a:lnSpc>
+                <a:spcPct val="100000"/>
+              </a:lnSpc>
+              <a:spcBef>
+                <a:spcPts val="100"/>
+              </a:spcBef>
+            </a:pPr>
+            <a:r>
+              <a:rPr lang="en-US" sz="2800" dirty="0"/>
+              <a:t>References</a:t>
+            </a:r>
+            <a:endParaRPr sz="2800" spc="110" dirty="0"/>
+          </a:p>
+        </p:txBody>
+      </p:sp>
+      <p:grpSp>
+        <p:nvGrpSpPr>
+          <p:cNvPr id="3" name="object 3"/>
+          <p:cNvGrpSpPr/>
+          <p:nvPr/>
+        </p:nvGrpSpPr>
+        <p:grpSpPr>
+          <a:xfrm>
+            <a:off x="693875" y="1212987"/>
+            <a:ext cx="7613650" cy="3426460"/>
+            <a:chOff x="693875" y="1212987"/>
+            <a:chExt cx="7613650" cy="3426460"/>
+          </a:xfrm>
+        </p:grpSpPr>
+        <p:sp>
+          <p:nvSpPr>
+            <p:cNvPr id="4" name="object 4"/>
+            <p:cNvSpPr/>
+            <p:nvPr/>
+          </p:nvSpPr>
+          <p:spPr>
+            <a:xfrm>
+              <a:off x="698566" y="1217750"/>
+              <a:ext cx="7604125" cy="464184"/>
+            </a:xfrm>
+            <a:custGeom>
+              <a:avLst/>
+              <a:gdLst/>
+              <a:ahLst/>
+              <a:cxnLst/>
+              <a:rect l="l" t="t" r="r" b="b"/>
+              <a:pathLst>
+                <a:path w="7604125" h="464185">
+                  <a:moveTo>
+                    <a:pt x="7604093" y="464099"/>
+                  </a:moveTo>
+                  <a:lnTo>
+                    <a:pt x="0" y="464099"/>
+                  </a:lnTo>
+                  <a:lnTo>
+                    <a:pt x="0" y="0"/>
+                  </a:lnTo>
+                  <a:lnTo>
+                    <a:pt x="7604093" y="0"/>
+                  </a:lnTo>
+                  <a:lnTo>
+                    <a:pt x="7604093" y="464099"/>
+                  </a:lnTo>
+                  <a:close/>
+                </a:path>
+              </a:pathLst>
+            </a:custGeom>
+            <a:solidFill>
+              <a:srgbClr val="2A3890"/>
+            </a:solidFill>
+          </p:spPr>
+          <p:txBody>
+            <a:bodyPr wrap="square" lIns="0" tIns="0" rIns="0" bIns="0" rtlCol="0"/>
+            <a:lstStyle/>
+            <a:p>
+              <a:endParaRPr/>
+            </a:p>
+          </p:txBody>
+        </p:sp>
+        <p:sp>
+          <p:nvSpPr>
+            <p:cNvPr id="5" name="object 5"/>
+            <p:cNvSpPr/>
+            <p:nvPr/>
+          </p:nvSpPr>
+          <p:spPr>
+            <a:xfrm>
+              <a:off x="698638" y="1217750"/>
+              <a:ext cx="7604125" cy="3416935"/>
+            </a:xfrm>
+            <a:custGeom>
+              <a:avLst/>
+              <a:gdLst/>
+              <a:ahLst/>
+              <a:cxnLst/>
+              <a:rect l="l" t="t" r="r" b="b"/>
+              <a:pathLst>
+                <a:path w="7604125" h="3416935">
+                  <a:moveTo>
+                    <a:pt x="0" y="0"/>
+                  </a:moveTo>
+                  <a:lnTo>
+                    <a:pt x="7604092" y="0"/>
+                  </a:lnTo>
+                  <a:lnTo>
+                    <a:pt x="7604092" y="3416399"/>
+                  </a:lnTo>
+                  <a:lnTo>
+                    <a:pt x="0" y="3416399"/>
+                  </a:lnTo>
+                  <a:lnTo>
+                    <a:pt x="0" y="0"/>
+                  </a:lnTo>
+                  <a:close/>
+                </a:path>
+              </a:pathLst>
+            </a:custGeom>
+            <a:ln w="9524">
+              <a:solidFill>
+                <a:srgbClr val="2A3890"/>
+              </a:solidFill>
+            </a:ln>
+          </p:spPr>
+          <p:txBody>
+            <a:bodyPr wrap="square" lIns="0" tIns="0" rIns="0" bIns="0" rtlCol="0"/>
+            <a:lstStyle/>
+            <a:p>
+              <a:endParaRPr/>
+            </a:p>
+          </p:txBody>
+        </p:sp>
+      </p:grpSp>
+      <p:sp>
+        <p:nvSpPr>
+          <p:cNvPr id="6" name="object 6"/>
+          <p:cNvSpPr txBox="1"/>
+          <p:nvPr/>
+        </p:nvSpPr>
+        <p:spPr>
+          <a:xfrm>
+            <a:off x="1066800" y="1885950"/>
+            <a:ext cx="6549390" cy="3890809"/>
+          </a:xfrm>
+          <a:prstGeom prst="rect">
+            <a:avLst/>
+          </a:prstGeom>
+        </p:spPr>
+        <p:txBody>
+          <a:bodyPr vert="horz" wrap="square" lIns="0" tIns="12700" rIns="0" bIns="0" rtlCol="0">
+            <a:spAutoFit/>
+          </a:bodyPr>
+          <a:lstStyle/>
+          <a:p>
+            <a:pPr marL="457200" lvl="0" indent="-342900" algn="l" rtl="0">
+              <a:spcBef>
+                <a:spcPts val="0"/>
+              </a:spcBef>
+              <a:spcAft>
+                <a:spcPts val="0"/>
+              </a:spcAft>
+              <a:buClr>
+                <a:schemeClr val="dk1"/>
+              </a:buClr>
+              <a:buSzPts val="1800"/>
+              <a:buFont typeface="Open Sans"/>
+              <a:buChar char="●"/>
+            </a:pPr>
+            <a:r>
+              <a:rPr lang="en-US" sz="1400" dirty="0">
+                <a:latin typeface="Open Sans" panose="020B0606030504020204" pitchFamily="34" charset="0"/>
+                <a:ea typeface="Open Sans" panose="020B0606030504020204" pitchFamily="34" charset="0"/>
+                <a:cs typeface="Open Sans" panose="020B0606030504020204" pitchFamily="34" charset="0"/>
+              </a:rPr>
+              <a:t>Muller, E and Muller, F. Berkeley Earth’s data. Berkeley Earth (Nonprofit), 20 Dec. 2010. https://berkeleyearth.org/data/. Accessed 05 Dec. 2023. </a:t>
+            </a:r>
+            <a:r>
+              <a:rPr lang="en-US" sz="1400" dirty="0">
+                <a:latin typeface="Open Sans" panose="020B0606030504020204" pitchFamily="34" charset="0"/>
+                <a:ea typeface="Open Sans" panose="020B0606030504020204" pitchFamily="34" charset="0"/>
+                <a:cs typeface="Open Sans" panose="020B0606030504020204" pitchFamily="34" charset="0"/>
+                <a:hlinkClick r:id="rId2" action="ppaction://hlinksldjump"/>
+              </a:rPr>
+              <a:t>[1]</a:t>
+            </a:r>
+            <a:endParaRPr lang="en-US" sz="1400" dirty="0">
+              <a:latin typeface="Open Sans" panose="020B0606030504020204" pitchFamily="34" charset="0"/>
+              <a:ea typeface="Open Sans" panose="020B0606030504020204" pitchFamily="34" charset="0"/>
+              <a:cs typeface="Open Sans" panose="020B0606030504020204" pitchFamily="34" charset="0"/>
+            </a:endParaRPr>
+          </a:p>
+          <a:p>
+            <a:pPr marL="457200" indent="-342900" algn="l" rtl="0">
+              <a:buClr>
+                <a:schemeClr val="dk1"/>
+              </a:buClr>
+              <a:buSzPts val="1800"/>
+              <a:buFont typeface="Open Sans"/>
+              <a:buChar char="●"/>
+            </a:pPr>
+            <a:r>
+              <a:rPr lang="en-US" sz="1400" dirty="0" err="1"/>
+              <a:t>Sissener</a:t>
+            </a:r>
+            <a:r>
+              <a:rPr lang="en-US" sz="1400" dirty="0">
+                <a:latin typeface="Open Sans" panose="020B0606030504020204" pitchFamily="34" charset="0"/>
+                <a:ea typeface="Open Sans" panose="020B0606030504020204" pitchFamily="34" charset="0"/>
+                <a:cs typeface="Open Sans" panose="020B0606030504020204" pitchFamily="34" charset="0"/>
+              </a:rPr>
+              <a:t>, K. Climate Change: Earth Surface Temperature Data. Kaggle, 02 Jan. 2017. https://www.kaggle.com/datasets/berkeleyearth/climate-change-earth-surface-temperature-data. Accessed </a:t>
+            </a:r>
+            <a:r>
+              <a:rPr lang="en-US" sz="1400" b="0" dirty="0">
+                <a:solidFill>
+                  <a:schemeClr val="dk1"/>
+                </a:solidFill>
+                <a:latin typeface="Open Sans" panose="020B0606030504020204" pitchFamily="34" charset="0"/>
+                <a:ea typeface="Open Sans" panose="020B0606030504020204" pitchFamily="34" charset="0"/>
+                <a:cs typeface="Open Sans" panose="020B0606030504020204" pitchFamily="34" charset="0"/>
+                <a:sym typeface="Open Sans"/>
+              </a:rPr>
+              <a:t>05 Dec. 2023</a:t>
+            </a:r>
+            <a:r>
+              <a:rPr lang="en-US" sz="1400" dirty="0">
+                <a:latin typeface="Open Sans" panose="020B0606030504020204" pitchFamily="34" charset="0"/>
+                <a:ea typeface="Open Sans" panose="020B0606030504020204" pitchFamily="34" charset="0"/>
+                <a:cs typeface="Open Sans" panose="020B0606030504020204" pitchFamily="34" charset="0"/>
+              </a:rPr>
+              <a:t>. </a:t>
+            </a:r>
+            <a:r>
+              <a:rPr lang="en-US" sz="1400" dirty="0">
+                <a:latin typeface="Open Sans" panose="020B0606030504020204" pitchFamily="34" charset="0"/>
+                <a:ea typeface="Open Sans" panose="020B0606030504020204" pitchFamily="34" charset="0"/>
+                <a:cs typeface="Open Sans" panose="020B0606030504020204" pitchFamily="34" charset="0"/>
+                <a:hlinkClick r:id="rId3" action="ppaction://hlinksldjump"/>
+              </a:rPr>
+              <a:t>[2]</a:t>
+            </a:r>
+            <a:endParaRPr lang="en-US" sz="1400" dirty="0">
+              <a:latin typeface="Open Sans" panose="020B0606030504020204" pitchFamily="34" charset="0"/>
+              <a:ea typeface="Open Sans" panose="020B0606030504020204" pitchFamily="34" charset="0"/>
+              <a:cs typeface="Open Sans" panose="020B0606030504020204" pitchFamily="34" charset="0"/>
+            </a:endParaRPr>
+          </a:p>
+          <a:p>
+            <a:pPr marL="457200" indent="-342900" algn="l" rtl="0">
+              <a:buClr>
+                <a:schemeClr val="dk1"/>
+              </a:buClr>
+              <a:buSzPts val="1800"/>
+              <a:buFont typeface="Open Sans"/>
+              <a:buChar char="●"/>
+            </a:pPr>
+            <a:r>
+              <a:rPr lang="en-US" sz="1400" dirty="0">
+                <a:latin typeface="Open Sans" panose="020B0606030504020204" pitchFamily="34" charset="0"/>
+                <a:ea typeface="Open Sans" panose="020B0606030504020204" pitchFamily="34" charset="0"/>
+                <a:cs typeface="Open Sans" panose="020B0606030504020204" pitchFamily="34" charset="0"/>
+              </a:rPr>
+              <a:t>Keith, M. Five Practical Applications of the LSTM Model for Time Series, with Code. Medium, 21 Sep. 2023. https://towardsdatascience.com/five-practical-applications-of-the-lstm-model-for-time-series-with-code-a7aac0aa85c0. Accessed </a:t>
+            </a:r>
+            <a:r>
+              <a:rPr lang="en-US" sz="1400" b="0" dirty="0">
+                <a:solidFill>
+                  <a:schemeClr val="dk1"/>
+                </a:solidFill>
+                <a:latin typeface="Open Sans" panose="020B0606030504020204" pitchFamily="34" charset="0"/>
+                <a:ea typeface="Open Sans" panose="020B0606030504020204" pitchFamily="34" charset="0"/>
+                <a:cs typeface="Open Sans" panose="020B0606030504020204" pitchFamily="34" charset="0"/>
+                <a:sym typeface="Open Sans"/>
+              </a:rPr>
+              <a:t>05 Dec. 2023</a:t>
+            </a:r>
+            <a:r>
+              <a:rPr lang="en-US" sz="1400" dirty="0">
+                <a:latin typeface="Open Sans" panose="020B0606030504020204" pitchFamily="34" charset="0"/>
+                <a:ea typeface="Open Sans" panose="020B0606030504020204" pitchFamily="34" charset="0"/>
+                <a:cs typeface="Open Sans" panose="020B0606030504020204" pitchFamily="34" charset="0"/>
+              </a:rPr>
+              <a:t>. </a:t>
+            </a:r>
+            <a:r>
+              <a:rPr lang="en-US" sz="1400" dirty="0">
+                <a:latin typeface="Open Sans" panose="020B0606030504020204" pitchFamily="34" charset="0"/>
+                <a:ea typeface="Open Sans" panose="020B0606030504020204" pitchFamily="34" charset="0"/>
+                <a:cs typeface="Open Sans" panose="020B0606030504020204" pitchFamily="34" charset="0"/>
+                <a:hlinkClick r:id="rId4" action="ppaction://hlinksldjump"/>
+              </a:rPr>
+              <a:t>[3]</a:t>
+            </a:r>
+            <a:endParaRPr lang="en-US" sz="1400" dirty="0">
+              <a:latin typeface="Open Sans" panose="020B0606030504020204" pitchFamily="34" charset="0"/>
+              <a:ea typeface="Open Sans" panose="020B0606030504020204" pitchFamily="34" charset="0"/>
+              <a:cs typeface="Open Sans" panose="020B0606030504020204" pitchFamily="34" charset="0"/>
+            </a:endParaRPr>
+          </a:p>
+          <a:p>
+            <a:pPr marL="457200" indent="-342900" algn="l" rtl="0">
+              <a:buClr>
+                <a:schemeClr val="dk1"/>
+              </a:buClr>
+              <a:buSzPts val="1800"/>
+              <a:buFont typeface="Open Sans"/>
+              <a:buChar char="●"/>
+            </a:pPr>
+            <a:r>
+              <a:rPr lang="en-US" sz="1400" dirty="0">
+                <a:latin typeface="Open Sans" panose="020B0606030504020204" pitchFamily="34" charset="0"/>
+                <a:ea typeface="Open Sans" panose="020B0606030504020204" pitchFamily="34" charset="0"/>
+                <a:cs typeface="Open Sans" panose="020B0606030504020204" pitchFamily="34" charset="0"/>
+              </a:rPr>
+              <a:t>Factors that Affect Climate. Global Monitoring Laboratory - Earth System Research Laboratories. https://gml.noaa.gov/outreach/lesson_plans/ Factors%20that%20Affect%20Climate.pdf. Accessed 05 Dec. 2023. </a:t>
+            </a:r>
+            <a:r>
+              <a:rPr lang="en-US" sz="1400" dirty="0">
+                <a:latin typeface="Open Sans" panose="020B0606030504020204" pitchFamily="34" charset="0"/>
+                <a:ea typeface="Open Sans" panose="020B0606030504020204" pitchFamily="34" charset="0"/>
+                <a:cs typeface="Open Sans" panose="020B0606030504020204" pitchFamily="34" charset="0"/>
+                <a:hlinkClick r:id="rId4" action="ppaction://hlinksldjump"/>
+              </a:rPr>
+              <a:t>[4]</a:t>
+            </a:r>
+            <a:endParaRPr lang="en-US" sz="1400" dirty="0">
+              <a:latin typeface="Open Sans" panose="020B0606030504020204" pitchFamily="34" charset="0"/>
+              <a:ea typeface="Open Sans" panose="020B0606030504020204" pitchFamily="34" charset="0"/>
+              <a:cs typeface="Open Sans" panose="020B0606030504020204" pitchFamily="34" charset="0"/>
+            </a:endParaRPr>
+          </a:p>
+          <a:p>
+            <a:pPr marL="457200" indent="-342900" algn="l" rtl="0">
+              <a:buClr>
+                <a:schemeClr val="dk1"/>
+              </a:buClr>
+              <a:buSzPts val="1800"/>
+              <a:buFont typeface="Open Sans"/>
+              <a:buChar char="●"/>
+            </a:pPr>
+            <a:endParaRPr lang="en-US" sz="1400" dirty="0">
+              <a:latin typeface="Open Sans" panose="020B0606030504020204" pitchFamily="34" charset="0"/>
+              <a:ea typeface="Open Sans" panose="020B0606030504020204" pitchFamily="34" charset="0"/>
+              <a:cs typeface="Open Sans" panose="020B0606030504020204" pitchFamily="34" charset="0"/>
+            </a:endParaRPr>
+          </a:p>
+          <a:p>
+            <a:pPr marL="457200" indent="-342900" algn="l" rtl="0">
+              <a:buClr>
+                <a:schemeClr val="dk1"/>
+              </a:buClr>
+              <a:buSzPts val="1800"/>
+              <a:buFont typeface="Open Sans"/>
+              <a:buChar char="●"/>
+            </a:pPr>
+            <a:endParaRPr lang="en-US" sz="1400" dirty="0">
+              <a:latin typeface="Open Sans" panose="020B0606030504020204" pitchFamily="34" charset="0"/>
+              <a:ea typeface="Open Sans" panose="020B0606030504020204" pitchFamily="34" charset="0"/>
+              <a:cs typeface="Open Sans" panose="020B0606030504020204" pitchFamily="34" charset="0"/>
+            </a:endParaRPr>
+          </a:p>
+          <a:p>
+            <a:pPr marL="457200" lvl="0" indent="-342900" algn="l" rtl="0">
+              <a:spcBef>
+                <a:spcPts val="0"/>
+              </a:spcBef>
+              <a:spcAft>
+                <a:spcPts val="0"/>
+              </a:spcAft>
+              <a:buClr>
+                <a:schemeClr val="dk1"/>
+              </a:buClr>
+              <a:buSzPts val="1800"/>
+              <a:buFont typeface="Open Sans"/>
+              <a:buChar char="●"/>
+            </a:pPr>
+            <a:endParaRPr lang="en-US" sz="1400" dirty="0">
+              <a:latin typeface="Open Sans" panose="020B0606030504020204" pitchFamily="34" charset="0"/>
+              <a:ea typeface="Open Sans" panose="020B0606030504020204" pitchFamily="34" charset="0"/>
+              <a:cs typeface="Open Sans" panose="020B0606030504020204" pitchFamily="34" charset="0"/>
+            </a:endParaRPr>
+          </a:p>
+          <a:p>
+            <a:pPr marL="457200" lvl="0" indent="-342900" algn="l" rtl="0">
+              <a:spcBef>
+                <a:spcPts val="0"/>
+              </a:spcBef>
+              <a:spcAft>
+                <a:spcPts val="0"/>
+              </a:spcAft>
+              <a:buClr>
+                <a:schemeClr val="dk1"/>
+              </a:buClr>
+              <a:buSzPts val="1800"/>
+              <a:buFont typeface="Open Sans"/>
+              <a:buChar char="●"/>
+            </a:pPr>
+            <a:endParaRPr lang="en-US" sz="1400" b="0" dirty="0">
+              <a:solidFill>
+                <a:schemeClr val="dk1"/>
+              </a:solidFill>
+              <a:latin typeface="Open Sans"/>
+              <a:ea typeface="Open Sans"/>
+              <a:cs typeface="Open Sans"/>
+              <a:sym typeface="Open Sans"/>
+            </a:endParaRPr>
+          </a:p>
+          <a:p>
+            <a:pPr marL="457200" lvl="0" indent="-342900" algn="l" rtl="0">
+              <a:spcBef>
+                <a:spcPts val="0"/>
+              </a:spcBef>
+              <a:spcAft>
+                <a:spcPts val="0"/>
+              </a:spcAft>
+              <a:buClr>
+                <a:schemeClr val="dk1"/>
+              </a:buClr>
+              <a:buSzPts val="1800"/>
+              <a:buFont typeface="Open Sans"/>
+              <a:buChar char="●"/>
+            </a:pPr>
+            <a:endParaRPr lang="en-US" sz="1400" b="0" dirty="0">
+              <a:solidFill>
+                <a:schemeClr val="dk1"/>
+              </a:solidFill>
+              <a:latin typeface="Open Sans"/>
+              <a:ea typeface="Open Sans"/>
+              <a:cs typeface="Open Sans"/>
+              <a:sym typeface="Open Sans"/>
+            </a:endParaRPr>
+          </a:p>
+          <a:p>
+            <a:pPr marL="457200" lvl="0" indent="-342900" algn="l" rtl="0">
+              <a:spcBef>
+                <a:spcPts val="0"/>
+              </a:spcBef>
+              <a:spcAft>
+                <a:spcPts val="0"/>
+              </a:spcAft>
+              <a:buClr>
+                <a:schemeClr val="dk1"/>
+              </a:buClr>
+              <a:buSzPts val="1800"/>
+              <a:buFont typeface="Open Sans"/>
+              <a:buChar char="●"/>
+            </a:pPr>
+            <a:endParaRPr lang="en-US" sz="1400" b="0" dirty="0">
+              <a:solidFill>
+                <a:schemeClr val="dk1"/>
+              </a:solidFill>
+              <a:latin typeface="Open Sans"/>
+              <a:ea typeface="Open Sans"/>
+              <a:cs typeface="Open Sans"/>
+              <a:sym typeface="Open Sans"/>
+            </a:endParaRPr>
+          </a:p>
+        </p:txBody>
+      </p:sp>
+    </p:spTree>
+    <p:extLst>
+      <p:ext uri="{BB962C8B-B14F-4D97-AF65-F5344CB8AC3E}">
+        <p14:creationId xmlns:p14="http://schemas.microsoft.com/office/powerpoint/2010/main" val="3721926575"/>
+      </p:ext>
+    </p:extLst>
+  </p:cSld>
+  <p:clrMapOvr>
+    <a:masterClrMapping/>
+  </p:clrMapOvr>
+</p:sld>
+</file>
+
+<file path=ppt/slides/slide32.xml><?xml version="1.0" encoding="utf-8"?>
+<p:sld xmlns:a="http://schemas.openxmlformats.org/drawingml/2006/main" xmlns:r="http://schemas.openxmlformats.org/officeDocument/2006/relationships" xmlns:p="http://schemas.openxmlformats.org/presentationml/2006/main" showMasterSp="0">
+  <p:cSld>
+    <p:spTree>
+      <p:nvGrpSpPr>
+        <p:cNvPr id="1" name=""/>
+        <p:cNvGrpSpPr/>
+        <p:nvPr/>
+      </p:nvGrpSpPr>
+      <p:grpSpPr>
+        <a:xfrm>
+          <a:off x="0" y="0"/>
+          <a:ext cx="0" cy="0"/>
+          <a:chOff x="0" y="0"/>
+          <a:chExt cx="0" cy="0"/>
+        </a:xfrm>
+      </p:grpSpPr>
+      <p:sp>
+        <p:nvSpPr>
+          <p:cNvPr id="2" name="object 2"/>
+          <p:cNvSpPr txBox="1">
+            <a:spLocks noGrp="1"/>
+          </p:cNvSpPr>
+          <p:nvPr>
+            <p:ph type="title"/>
+          </p:nvPr>
+        </p:nvSpPr>
+        <p:spPr>
+          <a:xfrm>
+            <a:off x="384725" y="467785"/>
+            <a:ext cx="8301990" cy="443711"/>
+          </a:xfrm>
+          <a:prstGeom prst="rect">
+            <a:avLst/>
+          </a:prstGeom>
+        </p:spPr>
+        <p:txBody>
+          <a:bodyPr vert="horz" wrap="square" lIns="0" tIns="12700" rIns="0" bIns="0" rtlCol="0">
+            <a:spAutoFit/>
+          </a:bodyPr>
+          <a:lstStyle/>
+          <a:p>
+            <a:pPr marL="12700">
+              <a:lnSpc>
+                <a:spcPct val="100000"/>
+              </a:lnSpc>
+              <a:spcBef>
+                <a:spcPts val="100"/>
+              </a:spcBef>
+            </a:pPr>
+            <a:r>
+              <a:rPr lang="en-US" sz="2800" dirty="0"/>
+              <a:t>References (Continued)</a:t>
+            </a:r>
+            <a:endParaRPr sz="2800" spc="110" dirty="0"/>
+          </a:p>
+        </p:txBody>
+      </p:sp>
+      <p:grpSp>
+        <p:nvGrpSpPr>
+          <p:cNvPr id="3" name="object 3"/>
+          <p:cNvGrpSpPr/>
+          <p:nvPr/>
+        </p:nvGrpSpPr>
+        <p:grpSpPr>
+          <a:xfrm>
+            <a:off x="693875" y="1212987"/>
+            <a:ext cx="7613650" cy="3426460"/>
+            <a:chOff x="693875" y="1212987"/>
+            <a:chExt cx="7613650" cy="3426460"/>
+          </a:xfrm>
+        </p:grpSpPr>
+        <p:sp>
+          <p:nvSpPr>
+            <p:cNvPr id="4" name="object 4"/>
+            <p:cNvSpPr/>
+            <p:nvPr/>
+          </p:nvSpPr>
+          <p:spPr>
+            <a:xfrm>
+              <a:off x="698566" y="1217750"/>
+              <a:ext cx="7604125" cy="464184"/>
+            </a:xfrm>
+            <a:custGeom>
+              <a:avLst/>
+              <a:gdLst/>
+              <a:ahLst/>
+              <a:cxnLst/>
+              <a:rect l="l" t="t" r="r" b="b"/>
+              <a:pathLst>
+                <a:path w="7604125" h="464185">
+                  <a:moveTo>
+                    <a:pt x="7604093" y="464099"/>
+                  </a:moveTo>
+                  <a:lnTo>
+                    <a:pt x="0" y="464099"/>
+                  </a:lnTo>
+                  <a:lnTo>
+                    <a:pt x="0" y="0"/>
+                  </a:lnTo>
+                  <a:lnTo>
+                    <a:pt x="7604093" y="0"/>
+                  </a:lnTo>
+                  <a:lnTo>
+                    <a:pt x="7604093" y="464099"/>
+                  </a:lnTo>
+                  <a:close/>
+                </a:path>
+              </a:pathLst>
+            </a:custGeom>
+            <a:solidFill>
+              <a:srgbClr val="2A3890"/>
+            </a:solidFill>
+          </p:spPr>
+          <p:txBody>
+            <a:bodyPr wrap="square" lIns="0" tIns="0" rIns="0" bIns="0" rtlCol="0"/>
+            <a:lstStyle/>
+            <a:p>
+              <a:endParaRPr/>
+            </a:p>
+          </p:txBody>
+        </p:sp>
+        <p:sp>
+          <p:nvSpPr>
+            <p:cNvPr id="5" name="object 5"/>
+            <p:cNvSpPr/>
+            <p:nvPr/>
+          </p:nvSpPr>
+          <p:spPr>
+            <a:xfrm>
+              <a:off x="698638" y="1217750"/>
+              <a:ext cx="7604125" cy="3416935"/>
+            </a:xfrm>
+            <a:custGeom>
+              <a:avLst/>
+              <a:gdLst/>
+              <a:ahLst/>
+              <a:cxnLst/>
+              <a:rect l="l" t="t" r="r" b="b"/>
+              <a:pathLst>
+                <a:path w="7604125" h="3416935">
+                  <a:moveTo>
+                    <a:pt x="0" y="0"/>
+                  </a:moveTo>
+                  <a:lnTo>
+                    <a:pt x="7604092" y="0"/>
+                  </a:lnTo>
+                  <a:lnTo>
+                    <a:pt x="7604092" y="3416399"/>
+                  </a:lnTo>
+                  <a:lnTo>
+                    <a:pt x="0" y="3416399"/>
+                  </a:lnTo>
+                  <a:lnTo>
+                    <a:pt x="0" y="0"/>
+                  </a:lnTo>
+                  <a:close/>
+                </a:path>
+              </a:pathLst>
+            </a:custGeom>
+            <a:ln w="9524">
+              <a:solidFill>
+                <a:srgbClr val="2A3890"/>
+              </a:solidFill>
+            </a:ln>
+          </p:spPr>
+          <p:txBody>
+            <a:bodyPr wrap="square" lIns="0" tIns="0" rIns="0" bIns="0" rtlCol="0"/>
+            <a:lstStyle/>
+            <a:p>
+              <a:endParaRPr/>
+            </a:p>
+          </p:txBody>
+        </p:sp>
+      </p:grpSp>
+      <p:sp>
+        <p:nvSpPr>
+          <p:cNvPr id="6" name="object 6"/>
+          <p:cNvSpPr txBox="1"/>
+          <p:nvPr/>
+        </p:nvSpPr>
+        <p:spPr>
+          <a:xfrm>
+            <a:off x="1066800" y="1885950"/>
+            <a:ext cx="6549390" cy="3029034"/>
+          </a:xfrm>
+          <a:prstGeom prst="rect">
+            <a:avLst/>
+          </a:prstGeom>
+        </p:spPr>
+        <p:txBody>
+          <a:bodyPr vert="horz" wrap="square" lIns="0" tIns="12700" rIns="0" bIns="0" rtlCol="0">
+            <a:spAutoFit/>
+          </a:bodyPr>
+          <a:lstStyle/>
+          <a:p>
+            <a:pPr marL="457200" lvl="0" indent="-342900" algn="l" rtl="0">
+              <a:spcBef>
+                <a:spcPts val="0"/>
+              </a:spcBef>
+              <a:spcAft>
+                <a:spcPts val="0"/>
+              </a:spcAft>
+              <a:buClr>
+                <a:schemeClr val="dk1"/>
+              </a:buClr>
+              <a:buSzPts val="1800"/>
+              <a:buFont typeface="Open Sans"/>
+              <a:buChar char="●"/>
+            </a:pPr>
+            <a:r>
+              <a:rPr lang="en-US" sz="1400" dirty="0">
+                <a:latin typeface="Open Sans" panose="020B0606030504020204" pitchFamily="34" charset="0"/>
+                <a:ea typeface="Open Sans" panose="020B0606030504020204" pitchFamily="34" charset="0"/>
+                <a:cs typeface="Open Sans" panose="020B0606030504020204" pitchFamily="34" charset="0"/>
+              </a:rPr>
+              <a:t>Sarkar, T. Weather prediction using Recurrent Neural Network. 10 Jan. 2019. https://github.com/tirthajyoti/Deep-learning-with-Python/blob/master/Notebooks/Weather-RNN.ipynb. Accessed 05 Dec. 2023. </a:t>
+            </a:r>
+            <a:r>
+              <a:rPr lang="en-US" sz="1400" dirty="0">
+                <a:latin typeface="Open Sans" panose="020B0606030504020204" pitchFamily="34" charset="0"/>
+                <a:ea typeface="Open Sans" panose="020B0606030504020204" pitchFamily="34" charset="0"/>
+                <a:cs typeface="Open Sans" panose="020B0606030504020204" pitchFamily="34" charset="0"/>
+                <a:hlinkClick r:id="rId2" action="ppaction://hlinksldjump"/>
+              </a:rPr>
+              <a:t>[5]</a:t>
+            </a:r>
+            <a:endParaRPr lang="en-US" sz="1400" dirty="0">
+              <a:latin typeface="Open Sans" panose="020B0606030504020204" pitchFamily="34" charset="0"/>
+              <a:ea typeface="Open Sans" panose="020B0606030504020204" pitchFamily="34" charset="0"/>
+              <a:cs typeface="Open Sans" panose="020B0606030504020204" pitchFamily="34" charset="0"/>
+            </a:endParaRPr>
+          </a:p>
+          <a:p>
+            <a:pPr marL="457200" lvl="0" indent="-342900" algn="l" rtl="0">
+              <a:spcBef>
+                <a:spcPts val="0"/>
+              </a:spcBef>
+              <a:spcAft>
+                <a:spcPts val="0"/>
+              </a:spcAft>
+              <a:buClr>
+                <a:schemeClr val="dk1"/>
+              </a:buClr>
+              <a:buSzPts val="1800"/>
+              <a:buFont typeface="Open Sans"/>
+              <a:buChar char="●"/>
+            </a:pPr>
+            <a:r>
+              <a:rPr lang="en-US" sz="1400" dirty="0">
+                <a:latin typeface="Open Sans" panose="020B0606030504020204" pitchFamily="34" charset="0"/>
+                <a:ea typeface="Open Sans" panose="020B0606030504020204" pitchFamily="34" charset="0"/>
+                <a:cs typeface="Open Sans" panose="020B0606030504020204" pitchFamily="34" charset="0"/>
+              </a:rPr>
+              <a:t>NOAA scientists harness machine learning to advance climate models. GFDL - Geophysical Fluid Dynamics Laboratory, 01 March 2023. https://www.gfdl.noaa.gov/news/noaa-scientists-harness-machine-learning-to-advance-climate-models/. Accessed 05 Dec. 2023. </a:t>
+            </a:r>
+            <a:r>
+              <a:rPr lang="en-US" sz="1400" dirty="0">
+                <a:latin typeface="Open Sans" panose="020B0606030504020204" pitchFamily="34" charset="0"/>
+                <a:ea typeface="Open Sans" panose="020B0606030504020204" pitchFamily="34" charset="0"/>
+                <a:cs typeface="Open Sans" panose="020B0606030504020204" pitchFamily="34" charset="0"/>
+                <a:hlinkClick r:id="rId2" action="ppaction://hlinksldjump"/>
+              </a:rPr>
+              <a:t>[6]</a:t>
+            </a:r>
+            <a:endParaRPr lang="en-US" sz="1400" dirty="0">
+              <a:latin typeface="Open Sans" panose="020B0606030504020204" pitchFamily="34" charset="0"/>
+              <a:ea typeface="Open Sans" panose="020B0606030504020204" pitchFamily="34" charset="0"/>
+              <a:cs typeface="Open Sans" panose="020B0606030504020204" pitchFamily="34" charset="0"/>
+            </a:endParaRPr>
+          </a:p>
+          <a:p>
+            <a:pPr marL="457200" lvl="0" indent="-342900" algn="l" rtl="0">
+              <a:spcBef>
+                <a:spcPts val="0"/>
+              </a:spcBef>
+              <a:spcAft>
+                <a:spcPts val="0"/>
+              </a:spcAft>
+              <a:buClr>
+                <a:schemeClr val="dk1"/>
+              </a:buClr>
+              <a:buSzPts val="1800"/>
+              <a:buFont typeface="Open Sans"/>
+              <a:buChar char="●"/>
+            </a:pPr>
+            <a:endParaRPr lang="en-US" sz="1400" dirty="0">
+              <a:latin typeface="Open Sans" panose="020B0606030504020204" pitchFamily="34" charset="0"/>
+              <a:ea typeface="Open Sans" panose="020B0606030504020204" pitchFamily="34" charset="0"/>
+              <a:cs typeface="Open Sans" panose="020B0606030504020204" pitchFamily="34" charset="0"/>
+            </a:endParaRPr>
+          </a:p>
+          <a:p>
+            <a:pPr marL="457200" indent="-342900" algn="l" rtl="0">
+              <a:buClr>
+                <a:schemeClr val="dk1"/>
+              </a:buClr>
+              <a:buSzPts val="1800"/>
+              <a:buFont typeface="Open Sans"/>
+              <a:buChar char="●"/>
+            </a:pPr>
+            <a:endParaRPr lang="en-US" sz="1400" dirty="0">
+              <a:latin typeface="Open Sans" panose="020B0606030504020204" pitchFamily="34" charset="0"/>
+              <a:ea typeface="Open Sans" panose="020B0606030504020204" pitchFamily="34" charset="0"/>
+              <a:cs typeface="Open Sans" panose="020B0606030504020204" pitchFamily="34" charset="0"/>
+            </a:endParaRPr>
+          </a:p>
+          <a:p>
+            <a:pPr marL="457200" lvl="0" indent="-342900" algn="l" rtl="0">
+              <a:spcBef>
+                <a:spcPts val="0"/>
+              </a:spcBef>
+              <a:spcAft>
+                <a:spcPts val="0"/>
+              </a:spcAft>
+              <a:buClr>
+                <a:schemeClr val="dk1"/>
+              </a:buClr>
+              <a:buSzPts val="1800"/>
+              <a:buFont typeface="Open Sans"/>
+              <a:buChar char="●"/>
+            </a:pPr>
+            <a:endParaRPr lang="en-US" sz="1400" dirty="0">
+              <a:latin typeface="Open Sans" panose="020B0606030504020204" pitchFamily="34" charset="0"/>
+              <a:ea typeface="Open Sans" panose="020B0606030504020204" pitchFamily="34" charset="0"/>
+              <a:cs typeface="Open Sans" panose="020B0606030504020204" pitchFamily="34" charset="0"/>
+            </a:endParaRPr>
+          </a:p>
+          <a:p>
+            <a:pPr marL="457200" lvl="0" indent="-342900" algn="l" rtl="0">
+              <a:spcBef>
+                <a:spcPts val="0"/>
+              </a:spcBef>
+              <a:spcAft>
+                <a:spcPts val="0"/>
+              </a:spcAft>
+              <a:buClr>
+                <a:schemeClr val="dk1"/>
+              </a:buClr>
+              <a:buSzPts val="1800"/>
+              <a:buFont typeface="Open Sans"/>
+              <a:buChar char="●"/>
+            </a:pPr>
+            <a:endParaRPr lang="en-US" sz="1400" b="0" dirty="0">
+              <a:solidFill>
+                <a:schemeClr val="dk1"/>
+              </a:solidFill>
+              <a:latin typeface="Open Sans"/>
+              <a:ea typeface="Open Sans"/>
+              <a:cs typeface="Open Sans"/>
+              <a:sym typeface="Open Sans"/>
+            </a:endParaRPr>
+          </a:p>
+          <a:p>
+            <a:pPr marL="457200" lvl="0" indent="-342900" algn="l" rtl="0">
+              <a:spcBef>
+                <a:spcPts val="0"/>
+              </a:spcBef>
+              <a:spcAft>
+                <a:spcPts val="0"/>
+              </a:spcAft>
+              <a:buClr>
+                <a:schemeClr val="dk1"/>
+              </a:buClr>
+              <a:buSzPts val="1800"/>
+              <a:buFont typeface="Open Sans"/>
+              <a:buChar char="●"/>
+            </a:pPr>
+            <a:endParaRPr lang="en-US" sz="1400" b="0" dirty="0">
+              <a:solidFill>
+                <a:schemeClr val="dk1"/>
+              </a:solidFill>
+              <a:latin typeface="Open Sans"/>
+              <a:ea typeface="Open Sans"/>
+              <a:cs typeface="Open Sans"/>
+              <a:sym typeface="Open Sans"/>
+            </a:endParaRPr>
+          </a:p>
+          <a:p>
+            <a:pPr marL="457200" lvl="0" indent="-342900" algn="l" rtl="0">
+              <a:spcBef>
+                <a:spcPts val="0"/>
+              </a:spcBef>
+              <a:spcAft>
+                <a:spcPts val="0"/>
+              </a:spcAft>
+              <a:buClr>
+                <a:schemeClr val="dk1"/>
+              </a:buClr>
+              <a:buSzPts val="1800"/>
+              <a:buFont typeface="Open Sans"/>
+              <a:buChar char="●"/>
+            </a:pPr>
+            <a:endParaRPr lang="en-US" sz="1400" b="0" dirty="0">
+              <a:solidFill>
+                <a:schemeClr val="dk1"/>
+              </a:solidFill>
+              <a:latin typeface="Open Sans"/>
+              <a:ea typeface="Open Sans"/>
+              <a:cs typeface="Open Sans"/>
+              <a:sym typeface="Open Sans"/>
+            </a:endParaRPr>
+          </a:p>
+        </p:txBody>
+      </p:sp>
+    </p:spTree>
+    <p:extLst>
+      <p:ext uri="{BB962C8B-B14F-4D97-AF65-F5344CB8AC3E}">
+        <p14:creationId xmlns:p14="http://schemas.microsoft.com/office/powerpoint/2010/main" val="1768371730"/>
       </p:ext>
     </p:extLst>
   </p:cSld>
@@ -12819,18 +13873,18 @@
 </file>
 
 <file path=customXml/item1.xml><?xml version="1.0" encoding="utf-8"?>
+<p:properties xmlns:p="http://schemas.microsoft.com/office/2006/metadata/properties" xmlns:xsi="http://www.w3.org/2001/XMLSchema-instance" xmlns:pc="http://schemas.microsoft.com/office/infopath/2007/PartnerControls">
+  <documentManagement/>
+</p:properties>
+</file>
+
+<file path=customXml/item2.xml><?xml version="1.0" encoding="utf-8"?>
 <?mso-contentType ?>
 <FormTemplates xmlns="http://schemas.microsoft.com/sharepoint/v3/contenttype/forms">
   <Display>DocumentLibraryForm</Display>
   <Edit>DocumentLibraryForm</Edit>
   <New>DocumentLibraryForm</New>
 </FormTemplates>
-</file>
-
-<file path=customXml/item2.xml><?xml version="1.0" encoding="utf-8"?>
-<p:properties xmlns:p="http://schemas.microsoft.com/office/2006/metadata/properties" xmlns:xsi="http://www.w3.org/2001/XMLSchema-instance" xmlns:pc="http://schemas.microsoft.com/office/infopath/2007/PartnerControls">
-  <documentManagement/>
-</p:properties>
 </file>
 
 <file path=customXml/item3.xml><?xml version="1.0" encoding="utf-8"?>
@@ -12972,14 +14026,6 @@
 </file>
 
 <file path=customXml/itemProps1.xml><?xml version="1.0" encoding="utf-8"?>
-<ds:datastoreItem xmlns:ds="http://schemas.openxmlformats.org/officeDocument/2006/customXml" ds:itemID="{0999F663-0E37-44AA-84EA-92ADA0BC51CA}">
-  <ds:schemaRefs>
-    <ds:schemaRef ds:uri="http://schemas.microsoft.com/sharepoint/v3/contenttype/forms"/>
-  </ds:schemaRefs>
-</ds:datastoreItem>
-</file>
-
-<file path=customXml/itemProps2.xml><?xml version="1.0" encoding="utf-8"?>
 <ds:datastoreItem xmlns:ds="http://schemas.openxmlformats.org/officeDocument/2006/customXml" ds:itemID="{B1EEBF50-D743-4E1A-BCFF-3B923D42AE13}">
   <ds:schemaRefs>
     <ds:schemaRef ds:uri="http://schemas.openxmlformats.org/package/2006/metadata/core-properties"/>
@@ -12991,6 +14037,14 @@
     <ds:schemaRef ds:uri="http://purl.org/dc/terms/"/>
     <ds:schemaRef ds:uri="http://schemas.microsoft.com/office/2006/documentManagement/types"/>
     <ds:schemaRef ds:uri="http://schemas.microsoft.com/office/infopath/2007/PartnerControls"/>
+  </ds:schemaRefs>
+</ds:datastoreItem>
+</file>
+
+<file path=customXml/itemProps2.xml><?xml version="1.0" encoding="utf-8"?>
+<ds:datastoreItem xmlns:ds="http://schemas.openxmlformats.org/officeDocument/2006/customXml" ds:itemID="{0999F663-0E37-44AA-84EA-92ADA0BC51CA}">
+  <ds:schemaRefs>
+    <ds:schemaRef ds:uri="http://schemas.microsoft.com/sharepoint/v3/contenttype/forms"/>
   </ds:schemaRefs>
 </ds:datastoreItem>
 </file>
